--- a/2023 весна/лекции/лекция 5-6 нов.pptx
+++ b/2023 весна/лекции/лекция 5-6 нов.pptx
@@ -11,34 +11,34 @@
     <p:sldId id="256" r:id="rId2"/>
     <p:sldId id="542" r:id="rId3"/>
     <p:sldId id="486" r:id="rId4"/>
-    <p:sldId id="543" r:id="rId5"/>
-    <p:sldId id="528" r:id="rId6"/>
-    <p:sldId id="524" r:id="rId7"/>
-    <p:sldId id="544" r:id="rId8"/>
-    <p:sldId id="500" r:id="rId9"/>
-    <p:sldId id="534" r:id="rId10"/>
-    <p:sldId id="482" r:id="rId11"/>
-    <p:sldId id="406" r:id="rId12"/>
-    <p:sldId id="555" r:id="rId13"/>
-    <p:sldId id="547" r:id="rId14"/>
-    <p:sldId id="488" r:id="rId15"/>
-    <p:sldId id="550" r:id="rId16"/>
-    <p:sldId id="525" r:id="rId17"/>
-    <p:sldId id="527" r:id="rId18"/>
-    <p:sldId id="526" r:id="rId19"/>
-    <p:sldId id="531" r:id="rId20"/>
-    <p:sldId id="529" r:id="rId21"/>
-    <p:sldId id="545" r:id="rId22"/>
-    <p:sldId id="489" r:id="rId23"/>
-    <p:sldId id="490" r:id="rId24"/>
-    <p:sldId id="491" r:id="rId25"/>
-    <p:sldId id="556" r:id="rId26"/>
-    <p:sldId id="493" r:id="rId27"/>
-    <p:sldId id="535" r:id="rId28"/>
-    <p:sldId id="546" r:id="rId29"/>
-    <p:sldId id="509" r:id="rId30"/>
-    <p:sldId id="434" r:id="rId31"/>
-    <p:sldId id="536" r:id="rId32"/>
+    <p:sldId id="563" r:id="rId5"/>
+    <p:sldId id="564" r:id="rId6"/>
+    <p:sldId id="543" r:id="rId7"/>
+    <p:sldId id="528" r:id="rId8"/>
+    <p:sldId id="524" r:id="rId9"/>
+    <p:sldId id="544" r:id="rId10"/>
+    <p:sldId id="500" r:id="rId11"/>
+    <p:sldId id="534" r:id="rId12"/>
+    <p:sldId id="482" r:id="rId13"/>
+    <p:sldId id="406" r:id="rId14"/>
+    <p:sldId id="555" r:id="rId15"/>
+    <p:sldId id="547" r:id="rId16"/>
+    <p:sldId id="488" r:id="rId17"/>
+    <p:sldId id="550" r:id="rId18"/>
+    <p:sldId id="525" r:id="rId19"/>
+    <p:sldId id="527" r:id="rId20"/>
+    <p:sldId id="526" r:id="rId21"/>
+    <p:sldId id="531" r:id="rId22"/>
+    <p:sldId id="529" r:id="rId23"/>
+    <p:sldId id="545" r:id="rId24"/>
+    <p:sldId id="489" r:id="rId25"/>
+    <p:sldId id="490" r:id="rId26"/>
+    <p:sldId id="491" r:id="rId27"/>
+    <p:sldId id="556" r:id="rId28"/>
+    <p:sldId id="493" r:id="rId29"/>
+    <p:sldId id="535" r:id="rId30"/>
+    <p:sldId id="546" r:id="rId31"/>
+    <p:sldId id="509" r:id="rId32"/>
     <p:sldId id="502" r:id="rId33"/>
     <p:sldId id="504" r:id="rId34"/>
     <p:sldId id="537" r:id="rId35"/>
@@ -275,7 +275,7 @@
           <a:p>
             <a:fld id="{29642B24-77BB-4BC1-9DF3-4A3F237C5B04}" type="datetimeFigureOut">
               <a:rPr lang="ru-RU" smtClean="0"/>
-              <a:t>13.10.2021</a:t>
+              <a:t>03.04.2023</a:t>
             </a:fld>
             <a:endParaRPr lang="ru-RU"/>
           </a:p>
@@ -721,7 +721,7 @@
           <a:p>
             <a:fld id="{A194D002-0EC3-4530-B910-76D5CAB57DE5}" type="datetimeFigureOut">
               <a:rPr lang="ru-RU" smtClean="0"/>
-              <a:t>13.10.2021</a:t>
+              <a:t>03.04.2023</a:t>
             </a:fld>
             <a:endParaRPr lang="ru-RU"/>
           </a:p>
@@ -889,7 +889,7 @@
           <a:p>
             <a:fld id="{A194D002-0EC3-4530-B910-76D5CAB57DE5}" type="datetimeFigureOut">
               <a:rPr lang="ru-RU" smtClean="0"/>
-              <a:t>13.10.2021</a:t>
+              <a:t>03.04.2023</a:t>
             </a:fld>
             <a:endParaRPr lang="ru-RU"/>
           </a:p>
@@ -1067,7 +1067,7 @@
           <a:p>
             <a:fld id="{A194D002-0EC3-4530-B910-76D5CAB57DE5}" type="datetimeFigureOut">
               <a:rPr lang="ru-RU" smtClean="0"/>
-              <a:t>13.10.2021</a:t>
+              <a:t>03.04.2023</a:t>
             </a:fld>
             <a:endParaRPr lang="ru-RU"/>
           </a:p>
@@ -1235,7 +1235,7 @@
           <a:p>
             <a:fld id="{A194D002-0EC3-4530-B910-76D5CAB57DE5}" type="datetimeFigureOut">
               <a:rPr lang="ru-RU" smtClean="0"/>
-              <a:t>13.10.2021</a:t>
+              <a:t>03.04.2023</a:t>
             </a:fld>
             <a:endParaRPr lang="ru-RU"/>
           </a:p>
@@ -1480,7 +1480,7 @@
           <a:p>
             <a:fld id="{A194D002-0EC3-4530-B910-76D5CAB57DE5}" type="datetimeFigureOut">
               <a:rPr lang="ru-RU" smtClean="0"/>
-              <a:t>13.10.2021</a:t>
+              <a:t>03.04.2023</a:t>
             </a:fld>
             <a:endParaRPr lang="ru-RU"/>
           </a:p>
@@ -1765,7 +1765,7 @@
           <a:p>
             <a:fld id="{A194D002-0EC3-4530-B910-76D5CAB57DE5}" type="datetimeFigureOut">
               <a:rPr lang="ru-RU" smtClean="0"/>
-              <a:t>13.10.2021</a:t>
+              <a:t>03.04.2023</a:t>
             </a:fld>
             <a:endParaRPr lang="ru-RU"/>
           </a:p>
@@ -2184,7 +2184,7 @@
           <a:p>
             <a:fld id="{A194D002-0EC3-4530-B910-76D5CAB57DE5}" type="datetimeFigureOut">
               <a:rPr lang="ru-RU" smtClean="0"/>
-              <a:t>13.10.2021</a:t>
+              <a:t>03.04.2023</a:t>
             </a:fld>
             <a:endParaRPr lang="ru-RU"/>
           </a:p>
@@ -2301,7 +2301,7 @@
           <a:p>
             <a:fld id="{A194D002-0EC3-4530-B910-76D5CAB57DE5}" type="datetimeFigureOut">
               <a:rPr lang="ru-RU" smtClean="0"/>
-              <a:t>13.10.2021</a:t>
+              <a:t>03.04.2023</a:t>
             </a:fld>
             <a:endParaRPr lang="ru-RU"/>
           </a:p>
@@ -2396,7 +2396,7 @@
           <a:p>
             <a:fld id="{A194D002-0EC3-4530-B910-76D5CAB57DE5}" type="datetimeFigureOut">
               <a:rPr lang="ru-RU" smtClean="0"/>
-              <a:t>13.10.2021</a:t>
+              <a:t>03.04.2023</a:t>
             </a:fld>
             <a:endParaRPr lang="ru-RU"/>
           </a:p>
@@ -2671,7 +2671,7 @@
           <a:p>
             <a:fld id="{A194D002-0EC3-4530-B910-76D5CAB57DE5}" type="datetimeFigureOut">
               <a:rPr lang="ru-RU" smtClean="0"/>
-              <a:t>13.10.2021</a:t>
+              <a:t>03.04.2023</a:t>
             </a:fld>
             <a:endParaRPr lang="ru-RU"/>
           </a:p>
@@ -2923,7 +2923,7 @@
           <a:p>
             <a:fld id="{A194D002-0EC3-4530-B910-76D5CAB57DE5}" type="datetimeFigureOut">
               <a:rPr lang="ru-RU" smtClean="0"/>
-              <a:t>13.10.2021</a:t>
+              <a:t>03.04.2023</a:t>
             </a:fld>
             <a:endParaRPr lang="ru-RU"/>
           </a:p>
@@ -3134,7 +3134,7 @@
           <a:p>
             <a:fld id="{A194D002-0EC3-4530-B910-76D5CAB57DE5}" type="datetimeFigureOut">
               <a:rPr lang="ru-RU" smtClean="0"/>
-              <a:t>13.10.2021</a:t>
+              <a:t>03.04.2023</a:t>
             </a:fld>
             <a:endParaRPr lang="ru-RU"/>
           </a:p>
@@ -3591,6 +3591,441 @@
           <a:chExt cx="0" cy="0"/>
         </a:xfrm>
       </p:grpSpPr>
+      <p:sp>
+        <p:nvSpPr>
+          <p:cNvPr id="2" name="Заголовок 1"/>
+          <p:cNvSpPr>
+            <a:spLocks noGrp="1"/>
+          </p:cNvSpPr>
+          <p:nvPr>
+            <p:ph type="title"/>
+          </p:nvPr>
+        </p:nvSpPr>
+        <p:spPr>
+          <a:xfrm>
+            <a:off x="539552" y="188640"/>
+            <a:ext cx="8229600" cy="923606"/>
+          </a:xfrm>
+        </p:spPr>
+        <p:txBody>
+          <a:bodyPr>
+            <a:normAutofit/>
+          </a:bodyPr>
+          <a:lstStyle/>
+          <a:p>
+            <a:r>
+              <a:rPr lang="ru-RU" sz="2400" b="1" dirty="0"/>
+              <a:t>Модель памяти процессора.</a:t>
+            </a:r>
+            <a:r>
+              <a:rPr lang="en-US" sz="2400" b="1" dirty="0"/>
+              <a:t/>
+            </a:r>
+            <a:br>
+              <a:rPr lang="en-US" sz="2400" b="1" dirty="0"/>
+            </a:br>
+            <a:r>
+              <a:rPr lang="ru-RU" sz="2400" b="1" dirty="0"/>
+              <a:t>Сегменты памяти</a:t>
+            </a:r>
+            <a:endParaRPr lang="ru-RU" sz="2400" dirty="0"/>
+          </a:p>
+        </p:txBody>
+      </p:sp>
+      <p:sp>
+        <p:nvSpPr>
+          <p:cNvPr id="3" name="Объект 2"/>
+          <p:cNvSpPr>
+            <a:spLocks noGrp="1"/>
+          </p:cNvSpPr>
+          <p:nvPr>
+            <p:ph idx="1"/>
+          </p:nvPr>
+        </p:nvSpPr>
+        <p:spPr>
+          <a:xfrm>
+            <a:off x="457200" y="1052736"/>
+            <a:ext cx="8363272" cy="5073427"/>
+          </a:xfrm>
+        </p:spPr>
+        <p:txBody>
+          <a:bodyPr>
+            <a:normAutofit/>
+          </a:bodyPr>
+          <a:lstStyle/>
+          <a:p>
+            <a:pPr marL="0" indent="0">
+              <a:lnSpc>
+                <a:spcPct val="90000"/>
+              </a:lnSpc>
+              <a:buNone/>
+            </a:pPr>
+            <a:r>
+              <a:rPr lang="ru-RU" sz="2000" dirty="0"/>
+              <a:t>Логически память разделена на 3 основных сегмента памяти.</a:t>
+            </a:r>
+          </a:p>
+          <a:p>
+            <a:pPr>
+              <a:lnSpc>
+                <a:spcPct val="90000"/>
+              </a:lnSpc>
+            </a:pPr>
+            <a:r>
+              <a:rPr lang="en-US" sz="2000" b="1" dirty="0"/>
+              <a:t>CS</a:t>
+            </a:r>
+            <a:r>
+              <a:rPr lang="en-US" sz="2000" dirty="0"/>
+              <a:t> - </a:t>
+            </a:r>
+            <a:r>
+              <a:rPr lang="ru-RU" sz="2000" b="1" dirty="0"/>
+              <a:t>сегмент кода</a:t>
+            </a:r>
+            <a:r>
+              <a:rPr lang="en-US" sz="2000" dirty="0"/>
+              <a:t>, </a:t>
+            </a:r>
+            <a:r>
+              <a:rPr lang="ru-RU" sz="2000" dirty="0"/>
+              <a:t>содержит машинные команды</a:t>
+            </a:r>
+            <a:r>
+              <a:rPr lang="en-US" sz="2000" dirty="0"/>
+              <a:t> </a:t>
+            </a:r>
+            <a:r>
+              <a:rPr lang="ru-RU" sz="2000" dirty="0"/>
+              <a:t>(</a:t>
+            </a:r>
+            <a:r>
+              <a:rPr lang="ru-RU" sz="2000" dirty="0" err="1"/>
+              <a:t>проргамму</a:t>
+            </a:r>
+            <a:r>
+              <a:rPr lang="ru-RU" sz="2000" dirty="0"/>
+              <a:t>);</a:t>
+            </a:r>
+          </a:p>
+          <a:p>
+            <a:pPr>
+              <a:lnSpc>
+                <a:spcPct val="90000"/>
+              </a:lnSpc>
+            </a:pPr>
+            <a:r>
+              <a:rPr lang="en-US" sz="2000" b="1" dirty="0"/>
+              <a:t>DS</a:t>
+            </a:r>
+            <a:r>
+              <a:rPr lang="en-US" sz="2000" dirty="0"/>
+              <a:t> - </a:t>
+            </a:r>
+            <a:r>
+              <a:rPr lang="ru-RU" sz="2000" b="1" dirty="0"/>
+              <a:t>сегмент данных </a:t>
+            </a:r>
+            <a:r>
+              <a:rPr lang="ru-RU" sz="2000" dirty="0"/>
+              <a:t>– содержит данные, то есть константы и рабочие области, необходимые программе;</a:t>
+            </a:r>
+          </a:p>
+          <a:p>
+            <a:pPr>
+              <a:lnSpc>
+                <a:spcPct val="90000"/>
+              </a:lnSpc>
+            </a:pPr>
+            <a:r>
+              <a:rPr lang="en-US" sz="2000" b="1" dirty="0"/>
+              <a:t>SS - </a:t>
+            </a:r>
+            <a:r>
+              <a:rPr lang="ru-RU" sz="2000" b="1" dirty="0"/>
+              <a:t>сегмент стека </a:t>
+            </a:r>
+            <a:r>
+              <a:rPr lang="ru-RU" sz="2000" dirty="0"/>
+              <a:t>– содержит адреса возврата в точку вызова подпрограмм.</a:t>
+            </a:r>
+            <a:r>
+              <a:rPr lang="en-US" sz="2000" dirty="0"/>
+              <a:t> </a:t>
+            </a:r>
+          </a:p>
+          <a:p>
+            <a:pPr>
+              <a:lnSpc>
+                <a:spcPct val="90000"/>
+              </a:lnSpc>
+            </a:pPr>
+            <a:r>
+              <a:rPr lang="ru-RU" sz="2000" dirty="0"/>
+              <a:t>адресу определенному ОС.</a:t>
+            </a:r>
+          </a:p>
+        </p:txBody>
+      </p:sp>
+      <p:pic>
+        <p:nvPicPr>
+          <p:cNvPr id="17410" name="Picture 2" descr="image"/>
+          <p:cNvPicPr>
+            <a:picLocks noChangeAspect="1" noChangeArrowheads="1"/>
+          </p:cNvPicPr>
+          <p:nvPr/>
+        </p:nvPicPr>
+        <p:blipFill>
+          <a:blip r:embed="rId2">
+            <a:extLst>
+              <a:ext uri="{28A0092B-C50C-407E-A947-70E740481C1C}">
+                <a14:useLocalDpi xmlns:a14="http://schemas.microsoft.com/office/drawing/2010/main" val="0"/>
+              </a:ext>
+            </a:extLst>
+          </a:blip>
+          <a:srcRect/>
+          <a:stretch>
+            <a:fillRect/>
+          </a:stretch>
+        </p:blipFill>
+        <p:spPr bwMode="auto">
+          <a:xfrm>
+            <a:off x="1835696" y="3645024"/>
+            <a:ext cx="4552950" cy="2371726"/>
+          </a:xfrm>
+          <a:prstGeom prst="rect">
+            <a:avLst/>
+          </a:prstGeom>
+          <a:noFill/>
+          <a:extLst>
+            <a:ext uri="{909E8E84-426E-40DD-AFC4-6F175D3DCCD1}">
+              <a14:hiddenFill xmlns:a14="http://schemas.microsoft.com/office/drawing/2010/main">
+                <a:solidFill>
+                  <a:srgbClr val="FFFFFF"/>
+                </a:solidFill>
+              </a14:hiddenFill>
+            </a:ext>
+          </a:extLst>
+        </p:spPr>
+      </p:pic>
+    </p:spTree>
+    <p:extLst>
+      <p:ext uri="{BB962C8B-B14F-4D97-AF65-F5344CB8AC3E}">
+        <p14:creationId xmlns:p14="http://schemas.microsoft.com/office/powerpoint/2010/main" val="67132248"/>
+      </p:ext>
+    </p:extLst>
+  </p:cSld>
+  <p:clrMapOvr>
+    <a:masterClrMapping/>
+  </p:clrMapOvr>
+  <p:timing>
+    <p:tnLst>
+      <p:par>
+        <p:cTn id="1" dur="indefinite" restart="never" nodeType="tmRoot"/>
+      </p:par>
+    </p:tnLst>
+  </p:timing>
+</p:sld>
+</file>
+
+<file path=ppt/slides/slide11.xml><?xml version="1.0" encoding="utf-8"?>
+<p:sld xmlns:a="http://schemas.openxmlformats.org/drawingml/2006/main" xmlns:r="http://schemas.openxmlformats.org/officeDocument/2006/relationships" xmlns:p="http://schemas.openxmlformats.org/presentationml/2006/main">
+  <p:cSld>
+    <p:spTree>
+      <p:nvGrpSpPr>
+        <p:cNvPr id="1" name=""/>
+        <p:cNvGrpSpPr/>
+        <p:nvPr/>
+      </p:nvGrpSpPr>
+      <p:grpSpPr>
+        <a:xfrm>
+          <a:off x="0" y="0"/>
+          <a:ext cx="0" cy="0"/>
+          <a:chOff x="0" y="0"/>
+          <a:chExt cx="0" cy="0"/>
+        </a:xfrm>
+      </p:grpSpPr>
+      <p:sp>
+        <p:nvSpPr>
+          <p:cNvPr id="2" name="Заголовок 1"/>
+          <p:cNvSpPr>
+            <a:spLocks noGrp="1"/>
+          </p:cNvSpPr>
+          <p:nvPr>
+            <p:ph type="title"/>
+          </p:nvPr>
+        </p:nvSpPr>
+        <p:spPr>
+          <a:xfrm>
+            <a:off x="539552" y="188640"/>
+            <a:ext cx="8229600" cy="923606"/>
+          </a:xfrm>
+        </p:spPr>
+        <p:txBody>
+          <a:bodyPr>
+            <a:normAutofit/>
+          </a:bodyPr>
+          <a:lstStyle/>
+          <a:p>
+            <a:r>
+              <a:rPr lang="ru-RU" sz="2400" b="1" dirty="0"/>
+              <a:t>Модель памяти процессора.</a:t>
+            </a:r>
+            <a:r>
+              <a:rPr lang="en-US" sz="2400" b="1" dirty="0"/>
+              <a:t/>
+            </a:r>
+            <a:br>
+              <a:rPr lang="en-US" sz="2400" b="1" dirty="0"/>
+            </a:br>
+            <a:r>
+              <a:rPr lang="ru-RU" sz="2400" b="1" dirty="0"/>
+              <a:t>Сегменты памяти</a:t>
+            </a:r>
+            <a:endParaRPr lang="ru-RU" sz="2400" dirty="0"/>
+          </a:p>
+        </p:txBody>
+      </p:sp>
+      <p:sp>
+        <p:nvSpPr>
+          <p:cNvPr id="3" name="Объект 2"/>
+          <p:cNvSpPr>
+            <a:spLocks noGrp="1"/>
+          </p:cNvSpPr>
+          <p:nvPr>
+            <p:ph idx="1"/>
+          </p:nvPr>
+        </p:nvSpPr>
+        <p:spPr>
+          <a:xfrm>
+            <a:off x="457200" y="1052736"/>
+            <a:ext cx="8363272" cy="5073427"/>
+          </a:xfrm>
+        </p:spPr>
+        <p:txBody>
+          <a:bodyPr>
+            <a:normAutofit/>
+          </a:bodyPr>
+          <a:lstStyle/>
+          <a:p>
+            <a:pPr>
+              <a:lnSpc>
+                <a:spcPct val="90000"/>
+              </a:lnSpc>
+            </a:pPr>
+            <a:r>
+              <a:rPr lang="ru-RU" sz="2000" dirty="0"/>
+              <a:t>При записи команд на языке Ассемблера принято указывать адреса с помощью следующей конструкции:</a:t>
+            </a:r>
+          </a:p>
+          <a:p>
+            <a:pPr>
+              <a:lnSpc>
+                <a:spcPct val="90000"/>
+              </a:lnSpc>
+              <a:buNone/>
+            </a:pPr>
+            <a:r>
+              <a:rPr lang="ru-RU" sz="2000" dirty="0"/>
+              <a:t>&lt;адрес сегмента&gt;:&lt;смещение&gt;  или &lt;сегментный регистр&gt;:&lt;адресное выражение&gt;</a:t>
+            </a:r>
+          </a:p>
+          <a:p>
+            <a:r>
+              <a:rPr lang="ru-RU" sz="2000" dirty="0"/>
+              <a:t>За распределение сегментов, их начальный (базовый) адрес и их размер отвечает дескриптор сегментов – 64 бита памяти, расположенных по адресу определенному ОС.</a:t>
+            </a:r>
+            <a:endParaRPr lang="en-US" sz="2000" dirty="0"/>
+          </a:p>
+          <a:p>
+            <a:r>
+              <a:rPr lang="ru-RU" sz="2000" dirty="0"/>
+              <a:t>В современных системах базовые адреса всех сегментов могут быть одним нулевым адресом (то есть ОС сама распределяет где какой сегмент будет сама).</a:t>
+            </a:r>
+          </a:p>
+          <a:p>
+            <a:endParaRPr lang="ru-RU" sz="2000" dirty="0"/>
+          </a:p>
+        </p:txBody>
+      </p:sp>
+      <p:pic>
+        <p:nvPicPr>
+          <p:cNvPr id="17410" name="Picture 2" descr="image"/>
+          <p:cNvPicPr>
+            <a:picLocks noChangeAspect="1" noChangeArrowheads="1"/>
+          </p:cNvPicPr>
+          <p:nvPr/>
+        </p:nvPicPr>
+        <p:blipFill>
+          <a:blip r:embed="rId2">
+            <a:extLst>
+              <a:ext uri="{28A0092B-C50C-407E-A947-70E740481C1C}">
+                <a14:useLocalDpi xmlns:a14="http://schemas.microsoft.com/office/drawing/2010/main" val="0"/>
+              </a:ext>
+            </a:extLst>
+          </a:blip>
+          <a:srcRect/>
+          <a:stretch>
+            <a:fillRect/>
+          </a:stretch>
+        </p:blipFill>
+        <p:spPr bwMode="auto">
+          <a:xfrm>
+            <a:off x="3419872" y="4102477"/>
+            <a:ext cx="4552950" cy="2371726"/>
+          </a:xfrm>
+          <a:prstGeom prst="rect">
+            <a:avLst/>
+          </a:prstGeom>
+          <a:noFill/>
+          <a:extLst>
+            <a:ext uri="{909E8E84-426E-40DD-AFC4-6F175D3DCCD1}">
+              <a14:hiddenFill xmlns:a14="http://schemas.microsoft.com/office/drawing/2010/main">
+                <a:solidFill>
+                  <a:srgbClr val="FFFFFF"/>
+                </a:solidFill>
+              </a14:hiddenFill>
+            </a:ext>
+          </a:extLst>
+        </p:spPr>
+      </p:pic>
+    </p:spTree>
+    <p:extLst>
+      <p:ext uri="{BB962C8B-B14F-4D97-AF65-F5344CB8AC3E}">
+        <p14:creationId xmlns:p14="http://schemas.microsoft.com/office/powerpoint/2010/main" val="2156704917"/>
+      </p:ext>
+    </p:extLst>
+  </p:cSld>
+  <p:clrMapOvr>
+    <a:masterClrMapping/>
+  </p:clrMapOvr>
+  <p:timing>
+    <p:tnLst>
+      <p:par>
+        <p:cTn id="1" dur="indefinite" restart="never" nodeType="tmRoot"/>
+      </p:par>
+    </p:tnLst>
+  </p:timing>
+</p:sld>
+</file>
+
+<file path=ppt/slides/slide12.xml><?xml version="1.0" encoding="utf-8"?>
+<p:sld xmlns:a="http://schemas.openxmlformats.org/drawingml/2006/main" xmlns:r="http://schemas.openxmlformats.org/officeDocument/2006/relationships" xmlns:p="http://schemas.openxmlformats.org/presentationml/2006/main">
+  <p:cSld>
+    <p:spTree>
+      <p:nvGrpSpPr>
+        <p:cNvPr id="1" name=""/>
+        <p:cNvGrpSpPr/>
+        <p:nvPr/>
+      </p:nvGrpSpPr>
+      <p:grpSpPr>
+        <a:xfrm>
+          <a:off x="0" y="0"/>
+          <a:ext cx="0" cy="0"/>
+          <a:chOff x="0" y="0"/>
+          <a:chExt cx="0" cy="0"/>
+        </a:xfrm>
+      </p:grpSpPr>
       <p:pic>
         <p:nvPicPr>
           <p:cNvPr id="28674" name="Picture 2" descr="http://asmworld.ru/content/course/020/img00.png"/>
@@ -3754,7 +4189,7 @@
 </p:sld>
 </file>
 
-<file path=ppt/slides/slide11.xml><?xml version="1.0" encoding="utf-8"?>
+<file path=ppt/slides/slide13.xml><?xml version="1.0" encoding="utf-8"?>
 <p:sld xmlns:a="http://schemas.openxmlformats.org/drawingml/2006/main" xmlns:r="http://schemas.openxmlformats.org/officeDocument/2006/relationships" xmlns:p="http://schemas.openxmlformats.org/presentationml/2006/main">
   <p:cSld>
     <p:spTree>
@@ -3935,7 +4370,7 @@
 </p:sld>
 </file>
 
-<file path=ppt/slides/slide12.xml><?xml version="1.0" encoding="utf-8"?>
+<file path=ppt/slides/slide14.xml><?xml version="1.0" encoding="utf-8"?>
 <p:sld xmlns:a="http://schemas.openxmlformats.org/drawingml/2006/main" xmlns:r="http://schemas.openxmlformats.org/officeDocument/2006/relationships" xmlns:p="http://schemas.openxmlformats.org/presentationml/2006/main">
   <p:cSld>
     <p:spTree>
@@ -4111,451 +4546,6 @@
 </p:sld>
 </file>
 
-<file path=ppt/slides/slide13.xml><?xml version="1.0" encoding="utf-8"?>
-<p:sld xmlns:a="http://schemas.openxmlformats.org/drawingml/2006/main" xmlns:r="http://schemas.openxmlformats.org/officeDocument/2006/relationships" xmlns:p="http://schemas.openxmlformats.org/presentationml/2006/main">
-  <p:cSld>
-    <p:spTree>
-      <p:nvGrpSpPr>
-        <p:cNvPr id="1" name=""/>
-        <p:cNvGrpSpPr/>
-        <p:nvPr/>
-      </p:nvGrpSpPr>
-      <p:grpSpPr>
-        <a:xfrm>
-          <a:off x="0" y="0"/>
-          <a:ext cx="0" cy="0"/>
-          <a:chOff x="0" y="0"/>
-          <a:chExt cx="0" cy="0"/>
-        </a:xfrm>
-      </p:grpSpPr>
-      <p:sp>
-        <p:nvSpPr>
-          <p:cNvPr id="2" name="Заголовок 1"/>
-          <p:cNvSpPr>
-            <a:spLocks noGrp="1"/>
-          </p:cNvSpPr>
-          <p:nvPr>
-            <p:ph type="ctrTitle"/>
-          </p:nvPr>
-        </p:nvSpPr>
-        <p:spPr/>
-        <p:txBody>
-          <a:bodyPr>
-            <a:normAutofit fontScale="90000"/>
-          </a:bodyPr>
-          <a:lstStyle/>
-          <a:p>
-            <a:r>
-              <a:rPr lang="ru-RU" dirty="0"/>
-              <a:t>Особенности страничной организации виртуальной памяти</a:t>
-            </a:r>
-          </a:p>
-        </p:txBody>
-      </p:sp>
-      <p:sp>
-        <p:nvSpPr>
-          <p:cNvPr id="3" name="Подзаголовок 2"/>
-          <p:cNvSpPr>
-            <a:spLocks noGrp="1"/>
-          </p:cNvSpPr>
-          <p:nvPr>
-            <p:ph type="subTitle" idx="1"/>
-          </p:nvPr>
-        </p:nvSpPr>
-        <p:spPr/>
-        <p:txBody>
-          <a:bodyPr>
-            <a:normAutofit fontScale="92500" lnSpcReduction="20000"/>
-          </a:bodyPr>
-          <a:lstStyle/>
-          <a:p>
-            <a:r>
-              <a:rPr lang="ru-RU" b="1" dirty="0"/>
-              <a:t>Лекция 3. Модель памяти процессоров</a:t>
-            </a:r>
-          </a:p>
-          <a:p>
-            <a:r>
-              <a:rPr lang="ru-RU" dirty="0"/>
-              <a:t>Аппаратные средства телекоммуникационных систем</a:t>
-            </a:r>
-          </a:p>
-        </p:txBody>
-      </p:sp>
-    </p:spTree>
-    <p:extLst>
-      <p:ext uri="{BB962C8B-B14F-4D97-AF65-F5344CB8AC3E}">
-        <p14:creationId xmlns:p14="http://schemas.microsoft.com/office/powerpoint/2010/main" val="407924028"/>
-      </p:ext>
-    </p:extLst>
-  </p:cSld>
-  <p:clrMapOvr>
-    <a:masterClrMapping/>
-  </p:clrMapOvr>
-</p:sld>
-</file>
-
-<file path=ppt/slides/slide14.xml><?xml version="1.0" encoding="utf-8"?>
-<p:sld xmlns:a="http://schemas.openxmlformats.org/drawingml/2006/main" xmlns:r="http://schemas.openxmlformats.org/officeDocument/2006/relationships" xmlns:p="http://schemas.openxmlformats.org/presentationml/2006/main">
-  <p:cSld>
-    <p:spTree>
-      <p:nvGrpSpPr>
-        <p:cNvPr id="1" name=""/>
-        <p:cNvGrpSpPr/>
-        <p:nvPr/>
-      </p:nvGrpSpPr>
-      <p:grpSpPr>
-        <a:xfrm>
-          <a:off x="0" y="0"/>
-          <a:ext cx="0" cy="0"/>
-          <a:chOff x="0" y="0"/>
-          <a:chExt cx="0" cy="0"/>
-        </a:xfrm>
-      </p:grpSpPr>
-      <p:sp>
-        <p:nvSpPr>
-          <p:cNvPr id="2" name="Заголовок 1"/>
-          <p:cNvSpPr>
-            <a:spLocks noGrp="1"/>
-          </p:cNvSpPr>
-          <p:nvPr>
-            <p:ph type="title"/>
-          </p:nvPr>
-        </p:nvSpPr>
-        <p:spPr>
-          <a:xfrm>
-            <a:off x="539552" y="135897"/>
-            <a:ext cx="8229600" cy="844832"/>
-          </a:xfrm>
-        </p:spPr>
-        <p:txBody>
-          <a:bodyPr>
-            <a:noAutofit/>
-          </a:bodyPr>
-          <a:lstStyle/>
-          <a:p>
-            <a:r>
-              <a:rPr lang="ru-RU" sz="2800" b="1" dirty="0"/>
-              <a:t>Модель памяти процессора. </a:t>
-            </a:r>
-            <a:br>
-              <a:rPr lang="ru-RU" sz="2800" b="1" dirty="0"/>
-            </a:br>
-            <a:r>
-              <a:rPr lang="ru-RU" sz="2800" b="1" dirty="0"/>
-              <a:t>Страничная организация виртуальной памяти </a:t>
-            </a:r>
-          </a:p>
-        </p:txBody>
-      </p:sp>
-      <p:sp>
-        <p:nvSpPr>
-          <p:cNvPr id="5" name="TextBox 4"/>
-          <p:cNvSpPr txBox="1"/>
-          <p:nvPr/>
-        </p:nvSpPr>
-        <p:spPr>
-          <a:xfrm>
-            <a:off x="5220072" y="6235526"/>
-            <a:ext cx="648072" cy="369332"/>
-          </a:xfrm>
-          <a:prstGeom prst="rect">
-            <a:avLst/>
-          </a:prstGeom>
-          <a:solidFill>
-            <a:schemeClr val="bg1"/>
-          </a:solidFill>
-        </p:spPr>
-        <p:txBody>
-          <a:bodyPr wrap="square" rtlCol="0">
-            <a:spAutoFit/>
-          </a:bodyPr>
-          <a:lstStyle/>
-          <a:p>
-            <a:endParaRPr lang="ru-RU" dirty="0"/>
-          </a:p>
-        </p:txBody>
-      </p:sp>
-      <p:sp>
-        <p:nvSpPr>
-          <p:cNvPr id="8" name="Объект 2"/>
-          <p:cNvSpPr txBox="1">
-            <a:spLocks/>
-          </p:cNvSpPr>
-          <p:nvPr/>
-        </p:nvSpPr>
-        <p:spPr>
-          <a:xfrm>
-            <a:off x="179512" y="980728"/>
-            <a:ext cx="8711636" cy="5760639"/>
-          </a:xfrm>
-          <a:prstGeom prst="rect">
-            <a:avLst/>
-          </a:prstGeom>
-        </p:spPr>
-        <p:txBody>
-          <a:bodyPr vert="horz" lIns="91440" tIns="45720" rIns="91440" bIns="45720" rtlCol="0">
-            <a:normAutofit/>
-          </a:bodyPr>
-          <a:lstStyle>
-            <a:lvl1pPr marL="342900" indent="-342900" algn="l" defTabSz="914400" rtl="0" eaLnBrk="1" latinLnBrk="0" hangingPunct="1">
-              <a:spcBef>
-                <a:spcPct val="20000"/>
-              </a:spcBef>
-              <a:buFont typeface="Arial" panose="020B0604020202020204" pitchFamily="34" charset="0"/>
-              <a:buChar char="•"/>
-              <a:defRPr sz="3200" kern="1200">
-                <a:solidFill>
-                  <a:schemeClr val="tx1"/>
-                </a:solidFill>
-                <a:latin typeface="+mn-lt"/>
-                <a:ea typeface="+mn-ea"/>
-                <a:cs typeface="+mn-cs"/>
-              </a:defRPr>
-            </a:lvl1pPr>
-            <a:lvl2pPr marL="742950" indent="-285750" algn="l" defTabSz="914400" rtl="0" eaLnBrk="1" latinLnBrk="0" hangingPunct="1">
-              <a:spcBef>
-                <a:spcPct val="20000"/>
-              </a:spcBef>
-              <a:buFont typeface="Arial" panose="020B0604020202020204" pitchFamily="34" charset="0"/>
-              <a:buChar char="–"/>
-              <a:defRPr sz="2800" kern="1200">
-                <a:solidFill>
-                  <a:schemeClr val="tx1"/>
-                </a:solidFill>
-                <a:latin typeface="+mn-lt"/>
-                <a:ea typeface="+mn-ea"/>
-                <a:cs typeface="+mn-cs"/>
-              </a:defRPr>
-            </a:lvl2pPr>
-            <a:lvl3pPr marL="1143000" indent="-228600" algn="l" defTabSz="914400" rtl="0" eaLnBrk="1" latinLnBrk="0" hangingPunct="1">
-              <a:spcBef>
-                <a:spcPct val="20000"/>
-              </a:spcBef>
-              <a:buFont typeface="Arial" panose="020B0604020202020204" pitchFamily="34" charset="0"/>
-              <a:buChar char="•"/>
-              <a:defRPr sz="2400" kern="1200">
-                <a:solidFill>
-                  <a:schemeClr val="tx1"/>
-                </a:solidFill>
-                <a:latin typeface="+mn-lt"/>
-                <a:ea typeface="+mn-ea"/>
-                <a:cs typeface="+mn-cs"/>
-              </a:defRPr>
-            </a:lvl3pPr>
-            <a:lvl4pPr marL="1600200" indent="-228600" algn="l" defTabSz="914400" rtl="0" eaLnBrk="1" latinLnBrk="0" hangingPunct="1">
-              <a:spcBef>
-                <a:spcPct val="20000"/>
-              </a:spcBef>
-              <a:buFont typeface="Arial" panose="020B0604020202020204" pitchFamily="34" charset="0"/>
-              <a:buChar char="–"/>
-              <a:defRPr sz="2000" kern="1200">
-                <a:solidFill>
-                  <a:schemeClr val="tx1"/>
-                </a:solidFill>
-                <a:latin typeface="+mn-lt"/>
-                <a:ea typeface="+mn-ea"/>
-                <a:cs typeface="+mn-cs"/>
-              </a:defRPr>
-            </a:lvl4pPr>
-            <a:lvl5pPr marL="2057400" indent="-228600" algn="l" defTabSz="914400" rtl="0" eaLnBrk="1" latinLnBrk="0" hangingPunct="1">
-              <a:spcBef>
-                <a:spcPct val="20000"/>
-              </a:spcBef>
-              <a:buFont typeface="Arial" panose="020B0604020202020204" pitchFamily="34" charset="0"/>
-              <a:buChar char="»"/>
-              <a:defRPr sz="2000" kern="1200">
-                <a:solidFill>
-                  <a:schemeClr val="tx1"/>
-                </a:solidFill>
-                <a:latin typeface="+mn-lt"/>
-                <a:ea typeface="+mn-ea"/>
-                <a:cs typeface="+mn-cs"/>
-              </a:defRPr>
-            </a:lvl5pPr>
-            <a:lvl6pPr marL="2514600" indent="-228600" algn="l" defTabSz="914400" rtl="0" eaLnBrk="1" latinLnBrk="0" hangingPunct="1">
-              <a:spcBef>
-                <a:spcPct val="20000"/>
-              </a:spcBef>
-              <a:buFont typeface="Arial" panose="020B0604020202020204" pitchFamily="34" charset="0"/>
-              <a:buChar char="•"/>
-              <a:defRPr sz="2000" kern="1200">
-                <a:solidFill>
-                  <a:schemeClr val="tx1"/>
-                </a:solidFill>
-                <a:latin typeface="+mn-lt"/>
-                <a:ea typeface="+mn-ea"/>
-                <a:cs typeface="+mn-cs"/>
-              </a:defRPr>
-            </a:lvl6pPr>
-            <a:lvl7pPr marL="2971800" indent="-228600" algn="l" defTabSz="914400" rtl="0" eaLnBrk="1" latinLnBrk="0" hangingPunct="1">
-              <a:spcBef>
-                <a:spcPct val="20000"/>
-              </a:spcBef>
-              <a:buFont typeface="Arial" panose="020B0604020202020204" pitchFamily="34" charset="0"/>
-              <a:buChar char="•"/>
-              <a:defRPr sz="2000" kern="1200">
-                <a:solidFill>
-                  <a:schemeClr val="tx1"/>
-                </a:solidFill>
-                <a:latin typeface="+mn-lt"/>
-                <a:ea typeface="+mn-ea"/>
-                <a:cs typeface="+mn-cs"/>
-              </a:defRPr>
-            </a:lvl7pPr>
-            <a:lvl8pPr marL="3429000" indent="-228600" algn="l" defTabSz="914400" rtl="0" eaLnBrk="1" latinLnBrk="0" hangingPunct="1">
-              <a:spcBef>
-                <a:spcPct val="20000"/>
-              </a:spcBef>
-              <a:buFont typeface="Arial" panose="020B0604020202020204" pitchFamily="34" charset="0"/>
-              <a:buChar char="•"/>
-              <a:defRPr sz="2000" kern="1200">
-                <a:solidFill>
-                  <a:schemeClr val="tx1"/>
-                </a:solidFill>
-                <a:latin typeface="+mn-lt"/>
-                <a:ea typeface="+mn-ea"/>
-                <a:cs typeface="+mn-cs"/>
-              </a:defRPr>
-            </a:lvl8pPr>
-            <a:lvl9pPr marL="3886200" indent="-228600" algn="l" defTabSz="914400" rtl="0" eaLnBrk="1" latinLnBrk="0" hangingPunct="1">
-              <a:spcBef>
-                <a:spcPct val="20000"/>
-              </a:spcBef>
-              <a:buFont typeface="Arial" panose="020B0604020202020204" pitchFamily="34" charset="0"/>
-              <a:buChar char="•"/>
-              <a:defRPr sz="2000" kern="1200">
-                <a:solidFill>
-                  <a:schemeClr val="tx1"/>
-                </a:solidFill>
-                <a:latin typeface="+mn-lt"/>
-                <a:ea typeface="+mn-ea"/>
-                <a:cs typeface="+mn-cs"/>
-              </a:defRPr>
-            </a:lvl9pPr>
-          </a:lstStyle>
-          <a:p>
-            <a:pPr marL="161925" indent="-161925">
-              <a:spcBef>
-                <a:spcPts val="600"/>
-              </a:spcBef>
-            </a:pPr>
-            <a:r>
-              <a:rPr lang="ru-RU" sz="2400" b="1" dirty="0"/>
-              <a:t>Страничная организация памяти </a:t>
-            </a:r>
-            <a:r>
-              <a:rPr lang="ru-RU" sz="2400" dirty="0"/>
-              <a:t>- способ организации виртуальной памяти, при котором единицей отображения (трансляции) виртуальных адресов на физические является регион постоянного размера (т. н. страница). </a:t>
-            </a:r>
-            <a:endParaRPr lang="en-US" sz="2400" dirty="0"/>
-          </a:p>
-          <a:p>
-            <a:pPr marL="561975" lvl="1" indent="-161925">
-              <a:spcBef>
-                <a:spcPts val="600"/>
-              </a:spcBef>
-            </a:pPr>
-            <a:r>
-              <a:rPr lang="ru-RU" sz="2000" dirty="0"/>
-              <a:t>Страничная организация включается/выключается в регистре </a:t>
-            </a:r>
-            <a:r>
-              <a:rPr lang="en-US" sz="2000" dirty="0"/>
-              <a:t>CR0.</a:t>
-            </a:r>
-          </a:p>
-          <a:p>
-            <a:pPr marL="561975" lvl="1" indent="-161925">
-              <a:spcBef>
-                <a:spcPts val="600"/>
-              </a:spcBef>
-            </a:pPr>
-            <a:r>
-              <a:rPr lang="en-US" sz="2400" b="1" dirty="0" smtClean="0"/>
-              <a:t> </a:t>
-            </a:r>
-            <a:r>
-              <a:rPr lang="ru-RU" sz="2400" b="1" dirty="0" smtClean="0"/>
-              <a:t>в 32-х битных системах (т.н. защищенный</a:t>
-            </a:r>
-            <a:r>
-              <a:rPr lang="ru-RU" sz="2400" dirty="0" smtClean="0"/>
-              <a:t> </a:t>
-            </a:r>
-            <a:r>
-              <a:rPr lang="ru-RU" sz="2400" b="1" dirty="0" smtClean="0"/>
-              <a:t>режим)</a:t>
-            </a:r>
-            <a:r>
-              <a:rPr lang="ru-RU" sz="2400" dirty="0" smtClean="0"/>
-              <a:t> </a:t>
-            </a:r>
-            <a:r>
-              <a:rPr lang="ru-RU" sz="2400" dirty="0"/>
-              <a:t>- доступ к 4 ГБ виртуальной памяти</a:t>
-            </a:r>
-            <a:r>
-              <a:rPr lang="en-US" sz="2400" dirty="0"/>
-              <a:t>.</a:t>
-            </a:r>
-            <a:endParaRPr lang="ru-RU" sz="2400" dirty="0"/>
-          </a:p>
-          <a:p>
-            <a:pPr marL="561975" lvl="1" indent="-161925">
-              <a:spcBef>
-                <a:spcPts val="600"/>
-              </a:spcBef>
-            </a:pPr>
-            <a:r>
-              <a:rPr lang="ru-RU" sz="2400" b="1" dirty="0"/>
-              <a:t>в </a:t>
-            </a:r>
-            <a:r>
-              <a:rPr lang="ru-RU" sz="2400" b="1" dirty="0" smtClean="0"/>
-              <a:t>64-х </a:t>
-            </a:r>
-            <a:r>
-              <a:rPr lang="ru-RU" sz="2400" b="1" dirty="0"/>
-              <a:t>битных системах </a:t>
-            </a:r>
-            <a:r>
-              <a:rPr lang="ru-RU" sz="2400" b="1" dirty="0" smtClean="0"/>
-              <a:t>(Расширенный режим)  </a:t>
-            </a:r>
-            <a:r>
-              <a:rPr lang="ru-RU" sz="2400" b="1" dirty="0"/>
-              <a:t>- </a:t>
-            </a:r>
-            <a:r>
-              <a:rPr lang="ru-RU" sz="2400" dirty="0"/>
-              <a:t>доступ к 64 ГБ </a:t>
-            </a:r>
-            <a:r>
-              <a:rPr lang="ru-RU" sz="2400" dirty="0" smtClean="0"/>
-              <a:t>памяти</a:t>
-            </a:r>
-            <a:r>
-              <a:rPr lang="en-US" sz="2400" dirty="0" smtClean="0"/>
-              <a:t>.</a:t>
-            </a:r>
-            <a:endParaRPr lang="ru-RU" sz="2400" dirty="0"/>
-          </a:p>
-        </p:txBody>
-      </p:sp>
-    </p:spTree>
-    <p:extLst>
-      <p:ext uri="{BB962C8B-B14F-4D97-AF65-F5344CB8AC3E}">
-        <p14:creationId xmlns:p14="http://schemas.microsoft.com/office/powerpoint/2010/main" val="144653914"/>
-      </p:ext>
-    </p:extLst>
-  </p:cSld>
-  <p:clrMapOvr>
-    <a:masterClrMapping/>
-  </p:clrMapOvr>
-</p:sld>
-</file>
-
 <file path=ppt/slides/slide15.xml><?xml version="1.0" encoding="utf-8"?>
 <p:sld xmlns:a="http://schemas.openxmlformats.org/drawingml/2006/main" xmlns:r="http://schemas.openxmlformats.org/officeDocument/2006/relationships" xmlns:p="http://schemas.openxmlformats.org/presentationml/2006/main">
   <p:cSld>
@@ -4580,6 +4570,97 @@
             <a:spLocks noGrp="1"/>
           </p:cNvSpPr>
           <p:nvPr>
+            <p:ph type="ctrTitle"/>
+          </p:nvPr>
+        </p:nvSpPr>
+        <p:spPr/>
+        <p:txBody>
+          <a:bodyPr>
+            <a:normAutofit fontScale="90000"/>
+          </a:bodyPr>
+          <a:lstStyle/>
+          <a:p>
+            <a:r>
+              <a:rPr lang="ru-RU" dirty="0"/>
+              <a:t>Особенности страничной организации виртуальной памяти</a:t>
+            </a:r>
+          </a:p>
+        </p:txBody>
+      </p:sp>
+      <p:sp>
+        <p:nvSpPr>
+          <p:cNvPr id="3" name="Подзаголовок 2"/>
+          <p:cNvSpPr>
+            <a:spLocks noGrp="1"/>
+          </p:cNvSpPr>
+          <p:nvPr>
+            <p:ph type="subTitle" idx="1"/>
+          </p:nvPr>
+        </p:nvSpPr>
+        <p:spPr/>
+        <p:txBody>
+          <a:bodyPr>
+            <a:normAutofit fontScale="92500" lnSpcReduction="20000"/>
+          </a:bodyPr>
+          <a:lstStyle/>
+          <a:p>
+            <a:r>
+              <a:rPr lang="ru-RU" b="1" dirty="0"/>
+              <a:t>Лекция 3. Модель памяти процессоров</a:t>
+            </a:r>
+          </a:p>
+          <a:p>
+            <a:r>
+              <a:rPr lang="ru-RU" dirty="0"/>
+              <a:t>Аппаратные средства телекоммуникационных систем</a:t>
+            </a:r>
+          </a:p>
+        </p:txBody>
+      </p:sp>
+    </p:spTree>
+    <p:extLst>
+      <p:ext uri="{BB962C8B-B14F-4D97-AF65-F5344CB8AC3E}">
+        <p14:creationId xmlns:p14="http://schemas.microsoft.com/office/powerpoint/2010/main" val="407924028"/>
+      </p:ext>
+    </p:extLst>
+  </p:cSld>
+  <p:clrMapOvr>
+    <a:masterClrMapping/>
+  </p:clrMapOvr>
+  <p:timing>
+    <p:tnLst>
+      <p:par>
+        <p:cTn id="1" dur="indefinite" restart="never" nodeType="tmRoot"/>
+      </p:par>
+    </p:tnLst>
+  </p:timing>
+</p:sld>
+</file>
+
+<file path=ppt/slides/slide16.xml><?xml version="1.0" encoding="utf-8"?>
+<p:sld xmlns:a="http://schemas.openxmlformats.org/drawingml/2006/main" xmlns:r="http://schemas.openxmlformats.org/officeDocument/2006/relationships" xmlns:p="http://schemas.openxmlformats.org/presentationml/2006/main">
+  <p:cSld>
+    <p:spTree>
+      <p:nvGrpSpPr>
+        <p:cNvPr id="1" name=""/>
+        <p:cNvGrpSpPr/>
+        <p:nvPr/>
+      </p:nvGrpSpPr>
+      <p:grpSpPr>
+        <a:xfrm>
+          <a:off x="0" y="0"/>
+          <a:ext cx="0" cy="0"/>
+          <a:chOff x="0" y="0"/>
+          <a:chExt cx="0" cy="0"/>
+        </a:xfrm>
+      </p:grpSpPr>
+      <p:sp>
+        <p:nvSpPr>
+          <p:cNvPr id="2" name="Заголовок 1"/>
+          <p:cNvSpPr>
+            <a:spLocks noGrp="1"/>
+          </p:cNvSpPr>
+          <p:nvPr>
             <p:ph type="title"/>
           </p:nvPr>
         </p:nvSpPr>
@@ -4798,6 +4879,374 @@
           <a:p>
             <a:pPr marL="161925" indent="-161925">
               <a:spcBef>
+                <a:spcPts val="600"/>
+              </a:spcBef>
+            </a:pPr>
+            <a:r>
+              <a:rPr lang="ru-RU" sz="2400" b="1" dirty="0"/>
+              <a:t>Страничная организация памяти </a:t>
+            </a:r>
+            <a:r>
+              <a:rPr lang="ru-RU" sz="2400" dirty="0"/>
+              <a:t>- способ организации виртуальной памяти, при котором единицей отображения (трансляции) виртуальных адресов на физические является регион постоянного размера (т. н. страница). </a:t>
+            </a:r>
+            <a:endParaRPr lang="en-US" sz="2400" dirty="0"/>
+          </a:p>
+          <a:p>
+            <a:pPr marL="561975" lvl="1" indent="-161925">
+              <a:spcBef>
+                <a:spcPts val="600"/>
+              </a:spcBef>
+            </a:pPr>
+            <a:r>
+              <a:rPr lang="ru-RU" sz="2000" dirty="0"/>
+              <a:t>Страничная организация включается/выключается в регистре </a:t>
+            </a:r>
+            <a:r>
+              <a:rPr lang="en-US" sz="2000" dirty="0"/>
+              <a:t>CR0.</a:t>
+            </a:r>
+          </a:p>
+          <a:p>
+            <a:pPr marL="561975" lvl="1" indent="-161925">
+              <a:spcBef>
+                <a:spcPts val="600"/>
+              </a:spcBef>
+            </a:pPr>
+            <a:r>
+              <a:rPr lang="en-US" sz="2400" b="1" dirty="0" smtClean="0"/>
+              <a:t> </a:t>
+            </a:r>
+            <a:r>
+              <a:rPr lang="ru-RU" sz="2400" b="1" dirty="0" smtClean="0"/>
+              <a:t>в 32-х битных системах (т.н. защищенный</a:t>
+            </a:r>
+            <a:r>
+              <a:rPr lang="ru-RU" sz="2400" dirty="0" smtClean="0"/>
+              <a:t> </a:t>
+            </a:r>
+            <a:r>
+              <a:rPr lang="ru-RU" sz="2400" b="1" dirty="0" smtClean="0"/>
+              <a:t>режим)</a:t>
+            </a:r>
+            <a:r>
+              <a:rPr lang="ru-RU" sz="2400" dirty="0" smtClean="0"/>
+              <a:t> </a:t>
+            </a:r>
+            <a:r>
+              <a:rPr lang="ru-RU" sz="2400" dirty="0"/>
+              <a:t>- доступ к 4 ГБ виртуальной памяти</a:t>
+            </a:r>
+            <a:r>
+              <a:rPr lang="en-US" sz="2400" dirty="0"/>
+              <a:t>.</a:t>
+            </a:r>
+            <a:endParaRPr lang="ru-RU" sz="2400" dirty="0"/>
+          </a:p>
+          <a:p>
+            <a:pPr marL="561975" lvl="1" indent="-161925">
+              <a:spcBef>
+                <a:spcPts val="600"/>
+              </a:spcBef>
+            </a:pPr>
+            <a:r>
+              <a:rPr lang="ru-RU" sz="2400" b="1" dirty="0"/>
+              <a:t>в </a:t>
+            </a:r>
+            <a:r>
+              <a:rPr lang="ru-RU" sz="2400" b="1" dirty="0" smtClean="0"/>
+              <a:t>64-х </a:t>
+            </a:r>
+            <a:r>
+              <a:rPr lang="ru-RU" sz="2400" b="1" dirty="0"/>
+              <a:t>битных системах </a:t>
+            </a:r>
+            <a:r>
+              <a:rPr lang="ru-RU" sz="2400" b="1" dirty="0" smtClean="0"/>
+              <a:t>(Расширенный режим)  </a:t>
+            </a:r>
+            <a:r>
+              <a:rPr lang="ru-RU" sz="2400" b="1" dirty="0"/>
+              <a:t>- </a:t>
+            </a:r>
+            <a:r>
+              <a:rPr lang="ru-RU" sz="2400" dirty="0"/>
+              <a:t>доступ к 64 ГБ </a:t>
+            </a:r>
+            <a:r>
+              <a:rPr lang="ru-RU" sz="2400" dirty="0" smtClean="0"/>
+              <a:t>памяти</a:t>
+            </a:r>
+            <a:r>
+              <a:rPr lang="en-US" sz="2400" dirty="0" smtClean="0"/>
+              <a:t>.</a:t>
+            </a:r>
+            <a:endParaRPr lang="ru-RU" sz="2400" dirty="0"/>
+          </a:p>
+        </p:txBody>
+      </p:sp>
+    </p:spTree>
+    <p:extLst>
+      <p:ext uri="{BB962C8B-B14F-4D97-AF65-F5344CB8AC3E}">
+        <p14:creationId xmlns:p14="http://schemas.microsoft.com/office/powerpoint/2010/main" val="144653914"/>
+      </p:ext>
+    </p:extLst>
+  </p:cSld>
+  <p:clrMapOvr>
+    <a:masterClrMapping/>
+  </p:clrMapOvr>
+  <p:timing>
+    <p:tnLst>
+      <p:par>
+        <p:cTn id="1" dur="indefinite" restart="never" nodeType="tmRoot"/>
+      </p:par>
+    </p:tnLst>
+  </p:timing>
+</p:sld>
+</file>
+
+<file path=ppt/slides/slide17.xml><?xml version="1.0" encoding="utf-8"?>
+<p:sld xmlns:a="http://schemas.openxmlformats.org/drawingml/2006/main" xmlns:r="http://schemas.openxmlformats.org/officeDocument/2006/relationships" xmlns:p="http://schemas.openxmlformats.org/presentationml/2006/main">
+  <p:cSld>
+    <p:spTree>
+      <p:nvGrpSpPr>
+        <p:cNvPr id="1" name=""/>
+        <p:cNvGrpSpPr/>
+        <p:nvPr/>
+      </p:nvGrpSpPr>
+      <p:grpSpPr>
+        <a:xfrm>
+          <a:off x="0" y="0"/>
+          <a:ext cx="0" cy="0"/>
+          <a:chOff x="0" y="0"/>
+          <a:chExt cx="0" cy="0"/>
+        </a:xfrm>
+      </p:grpSpPr>
+      <p:sp>
+        <p:nvSpPr>
+          <p:cNvPr id="2" name="Заголовок 1"/>
+          <p:cNvSpPr>
+            <a:spLocks noGrp="1"/>
+          </p:cNvSpPr>
+          <p:nvPr>
+            <p:ph type="title"/>
+          </p:nvPr>
+        </p:nvSpPr>
+        <p:spPr>
+          <a:xfrm>
+            <a:off x="539552" y="135897"/>
+            <a:ext cx="8229600" cy="844832"/>
+          </a:xfrm>
+        </p:spPr>
+        <p:txBody>
+          <a:bodyPr>
+            <a:noAutofit/>
+          </a:bodyPr>
+          <a:lstStyle/>
+          <a:p>
+            <a:r>
+              <a:rPr lang="ru-RU" sz="2800" b="1" dirty="0"/>
+              <a:t>Модель памяти процессора. </a:t>
+            </a:r>
+            <a:br>
+              <a:rPr lang="ru-RU" sz="2800" b="1" dirty="0"/>
+            </a:br>
+            <a:r>
+              <a:rPr lang="ru-RU" sz="2800" b="1" dirty="0"/>
+              <a:t>Страничная организация виртуальной памяти </a:t>
+            </a:r>
+          </a:p>
+        </p:txBody>
+      </p:sp>
+      <p:sp>
+        <p:nvSpPr>
+          <p:cNvPr id="5" name="TextBox 4"/>
+          <p:cNvSpPr txBox="1"/>
+          <p:nvPr/>
+        </p:nvSpPr>
+        <p:spPr>
+          <a:xfrm>
+            <a:off x="5220072" y="6235526"/>
+            <a:ext cx="648072" cy="369332"/>
+          </a:xfrm>
+          <a:prstGeom prst="rect">
+            <a:avLst/>
+          </a:prstGeom>
+          <a:solidFill>
+            <a:schemeClr val="bg1"/>
+          </a:solidFill>
+        </p:spPr>
+        <p:txBody>
+          <a:bodyPr wrap="square" rtlCol="0">
+            <a:spAutoFit/>
+          </a:bodyPr>
+          <a:lstStyle/>
+          <a:p>
+            <a:endParaRPr lang="ru-RU" dirty="0"/>
+          </a:p>
+        </p:txBody>
+      </p:sp>
+      <p:sp>
+        <p:nvSpPr>
+          <p:cNvPr id="8" name="Объект 2"/>
+          <p:cNvSpPr txBox="1">
+            <a:spLocks/>
+          </p:cNvSpPr>
+          <p:nvPr/>
+        </p:nvSpPr>
+        <p:spPr>
+          <a:xfrm>
+            <a:off x="179512" y="980728"/>
+            <a:ext cx="8711636" cy="5760639"/>
+          </a:xfrm>
+          <a:prstGeom prst="rect">
+            <a:avLst/>
+          </a:prstGeom>
+        </p:spPr>
+        <p:txBody>
+          <a:bodyPr vert="horz" lIns="91440" tIns="45720" rIns="91440" bIns="45720" rtlCol="0">
+            <a:normAutofit/>
+          </a:bodyPr>
+          <a:lstStyle>
+            <a:lvl1pPr marL="342900" indent="-342900" algn="l" defTabSz="914400" rtl="0" eaLnBrk="1" latinLnBrk="0" hangingPunct="1">
+              <a:spcBef>
+                <a:spcPct val="20000"/>
+              </a:spcBef>
+              <a:buFont typeface="Arial" panose="020B0604020202020204" pitchFamily="34" charset="0"/>
+              <a:buChar char="•"/>
+              <a:defRPr sz="3200" kern="1200">
+                <a:solidFill>
+                  <a:schemeClr val="tx1"/>
+                </a:solidFill>
+                <a:latin typeface="+mn-lt"/>
+                <a:ea typeface="+mn-ea"/>
+                <a:cs typeface="+mn-cs"/>
+              </a:defRPr>
+            </a:lvl1pPr>
+            <a:lvl2pPr marL="742950" indent="-285750" algn="l" defTabSz="914400" rtl="0" eaLnBrk="1" latinLnBrk="0" hangingPunct="1">
+              <a:spcBef>
+                <a:spcPct val="20000"/>
+              </a:spcBef>
+              <a:buFont typeface="Arial" panose="020B0604020202020204" pitchFamily="34" charset="0"/>
+              <a:buChar char="–"/>
+              <a:defRPr sz="2800" kern="1200">
+                <a:solidFill>
+                  <a:schemeClr val="tx1"/>
+                </a:solidFill>
+                <a:latin typeface="+mn-lt"/>
+                <a:ea typeface="+mn-ea"/>
+                <a:cs typeface="+mn-cs"/>
+              </a:defRPr>
+            </a:lvl2pPr>
+            <a:lvl3pPr marL="1143000" indent="-228600" algn="l" defTabSz="914400" rtl="0" eaLnBrk="1" latinLnBrk="0" hangingPunct="1">
+              <a:spcBef>
+                <a:spcPct val="20000"/>
+              </a:spcBef>
+              <a:buFont typeface="Arial" panose="020B0604020202020204" pitchFamily="34" charset="0"/>
+              <a:buChar char="•"/>
+              <a:defRPr sz="2400" kern="1200">
+                <a:solidFill>
+                  <a:schemeClr val="tx1"/>
+                </a:solidFill>
+                <a:latin typeface="+mn-lt"/>
+                <a:ea typeface="+mn-ea"/>
+                <a:cs typeface="+mn-cs"/>
+              </a:defRPr>
+            </a:lvl3pPr>
+            <a:lvl4pPr marL="1600200" indent="-228600" algn="l" defTabSz="914400" rtl="0" eaLnBrk="1" latinLnBrk="0" hangingPunct="1">
+              <a:spcBef>
+                <a:spcPct val="20000"/>
+              </a:spcBef>
+              <a:buFont typeface="Arial" panose="020B0604020202020204" pitchFamily="34" charset="0"/>
+              <a:buChar char="–"/>
+              <a:defRPr sz="2000" kern="1200">
+                <a:solidFill>
+                  <a:schemeClr val="tx1"/>
+                </a:solidFill>
+                <a:latin typeface="+mn-lt"/>
+                <a:ea typeface="+mn-ea"/>
+                <a:cs typeface="+mn-cs"/>
+              </a:defRPr>
+            </a:lvl4pPr>
+            <a:lvl5pPr marL="2057400" indent="-228600" algn="l" defTabSz="914400" rtl="0" eaLnBrk="1" latinLnBrk="0" hangingPunct="1">
+              <a:spcBef>
+                <a:spcPct val="20000"/>
+              </a:spcBef>
+              <a:buFont typeface="Arial" panose="020B0604020202020204" pitchFamily="34" charset="0"/>
+              <a:buChar char="»"/>
+              <a:defRPr sz="2000" kern="1200">
+                <a:solidFill>
+                  <a:schemeClr val="tx1"/>
+                </a:solidFill>
+                <a:latin typeface="+mn-lt"/>
+                <a:ea typeface="+mn-ea"/>
+                <a:cs typeface="+mn-cs"/>
+              </a:defRPr>
+            </a:lvl5pPr>
+            <a:lvl6pPr marL="2514600" indent="-228600" algn="l" defTabSz="914400" rtl="0" eaLnBrk="1" latinLnBrk="0" hangingPunct="1">
+              <a:spcBef>
+                <a:spcPct val="20000"/>
+              </a:spcBef>
+              <a:buFont typeface="Arial" panose="020B0604020202020204" pitchFamily="34" charset="0"/>
+              <a:buChar char="•"/>
+              <a:defRPr sz="2000" kern="1200">
+                <a:solidFill>
+                  <a:schemeClr val="tx1"/>
+                </a:solidFill>
+                <a:latin typeface="+mn-lt"/>
+                <a:ea typeface="+mn-ea"/>
+                <a:cs typeface="+mn-cs"/>
+              </a:defRPr>
+            </a:lvl6pPr>
+            <a:lvl7pPr marL="2971800" indent="-228600" algn="l" defTabSz="914400" rtl="0" eaLnBrk="1" latinLnBrk="0" hangingPunct="1">
+              <a:spcBef>
+                <a:spcPct val="20000"/>
+              </a:spcBef>
+              <a:buFont typeface="Arial" panose="020B0604020202020204" pitchFamily="34" charset="0"/>
+              <a:buChar char="•"/>
+              <a:defRPr sz="2000" kern="1200">
+                <a:solidFill>
+                  <a:schemeClr val="tx1"/>
+                </a:solidFill>
+                <a:latin typeface="+mn-lt"/>
+                <a:ea typeface="+mn-ea"/>
+                <a:cs typeface="+mn-cs"/>
+              </a:defRPr>
+            </a:lvl7pPr>
+            <a:lvl8pPr marL="3429000" indent="-228600" algn="l" defTabSz="914400" rtl="0" eaLnBrk="1" latinLnBrk="0" hangingPunct="1">
+              <a:spcBef>
+                <a:spcPct val="20000"/>
+              </a:spcBef>
+              <a:buFont typeface="Arial" panose="020B0604020202020204" pitchFamily="34" charset="0"/>
+              <a:buChar char="•"/>
+              <a:defRPr sz="2000" kern="1200">
+                <a:solidFill>
+                  <a:schemeClr val="tx1"/>
+                </a:solidFill>
+                <a:latin typeface="+mn-lt"/>
+                <a:ea typeface="+mn-ea"/>
+                <a:cs typeface="+mn-cs"/>
+              </a:defRPr>
+            </a:lvl8pPr>
+            <a:lvl9pPr marL="3886200" indent="-228600" algn="l" defTabSz="914400" rtl="0" eaLnBrk="1" latinLnBrk="0" hangingPunct="1">
+              <a:spcBef>
+                <a:spcPct val="20000"/>
+              </a:spcBef>
+              <a:buFont typeface="Arial" panose="020B0604020202020204" pitchFamily="34" charset="0"/>
+              <a:buChar char="•"/>
+              <a:defRPr sz="2000" kern="1200">
+                <a:solidFill>
+                  <a:schemeClr val="tx1"/>
+                </a:solidFill>
+                <a:latin typeface="+mn-lt"/>
+                <a:ea typeface="+mn-ea"/>
+                <a:cs typeface="+mn-cs"/>
+              </a:defRPr>
+            </a:lvl9pPr>
+          </a:lstStyle>
+          <a:p>
+            <a:pPr marL="161925" indent="-161925">
+              <a:spcBef>
                 <a:spcPts val="800"/>
               </a:spcBef>
             </a:pPr>
@@ -4865,14 +5314,30 @@
             <a:pPr marL="962025" lvl="2" indent="-161925"/>
             <a:r>
               <a:rPr lang="ru-RU" u="sng" dirty="0"/>
-              <a:t>Адрес ячейки = 10(каталог)+10(таблица)+12=32 бита.</a:t>
+              <a:t>Адрес ячейки = </a:t>
+            </a:r>
+            <a:r>
+              <a:rPr lang="ru-RU" u="sng" dirty="0" smtClean="0"/>
+              <a:t>10(каталог)+10(таблица)+12=32 бита</a:t>
+            </a:r>
+            <a:r>
+              <a:rPr lang="ru-RU" u="sng" dirty="0"/>
+              <a:t>.</a:t>
             </a:r>
           </a:p>
           <a:p>
             <a:pPr marL="962025" lvl="2" indent="-161925"/>
             <a:r>
               <a:rPr lang="ru-RU" sz="2000" dirty="0"/>
-              <a:t>Режим со страницами по 4МБ – </a:t>
+              <a:t>Режим со страницами по </a:t>
+            </a:r>
+            <a:r>
+              <a:rPr lang="ru-RU" sz="2000" dirty="0" smtClean="0"/>
+              <a:t>4МБ </a:t>
+            </a:r>
+            <a:r>
+              <a:rPr lang="ru-RU" sz="2000" dirty="0"/>
+              <a:t>– </a:t>
             </a:r>
             <a:r>
               <a:rPr lang="en-US" sz="2000" dirty="0"/>
@@ -4916,10 +5381,17 @@
   <p:clrMapOvr>
     <a:masterClrMapping/>
   </p:clrMapOvr>
+  <p:timing>
+    <p:tnLst>
+      <p:par>
+        <p:cTn id="1" dur="indefinite" restart="never" nodeType="tmRoot"/>
+      </p:par>
+    </p:tnLst>
+  </p:timing>
 </p:sld>
 </file>
 
-<file path=ppt/slides/slide16.xml><?xml version="1.0" encoding="utf-8"?>
+<file path=ppt/slides/slide18.xml><?xml version="1.0" encoding="utf-8"?>
 <p:sld xmlns:a="http://schemas.openxmlformats.org/drawingml/2006/main" xmlns:r="http://schemas.openxmlformats.org/officeDocument/2006/relationships" xmlns:p="http://schemas.openxmlformats.org/presentationml/2006/main">
   <p:cSld>
     <p:spTree>
@@ -5273,10 +5745,17 @@
   <p:clrMapOvr>
     <a:masterClrMapping/>
   </p:clrMapOvr>
+  <p:timing>
+    <p:tnLst>
+      <p:par>
+        <p:cTn id="1" dur="indefinite" restart="never" nodeType="tmRoot"/>
+      </p:par>
+    </p:tnLst>
+  </p:timing>
 </p:sld>
 </file>
 
-<file path=ppt/slides/slide17.xml><?xml version="1.0" encoding="utf-8"?>
+<file path=ppt/slides/slide19.xml><?xml version="1.0" encoding="utf-8"?>
 <p:sld xmlns:a="http://schemas.openxmlformats.org/drawingml/2006/main" xmlns:r="http://schemas.openxmlformats.org/officeDocument/2006/relationships" xmlns:p="http://schemas.openxmlformats.org/presentationml/2006/main">
   <p:cSld>
     <p:spTree>
@@ -5724,8 +6203,8 @@
         </p:blipFill>
         <p:spPr bwMode="auto">
           <a:xfrm>
-            <a:off x="5525278" y="1021038"/>
-            <a:ext cx="3161522" cy="2479970"/>
+            <a:off x="5451285" y="1206697"/>
+            <a:ext cx="3091741" cy="2425232"/>
           </a:xfrm>
           <a:prstGeom prst="rect">
             <a:avLst/>
@@ -5807,10 +6286,106 @@
   <p:clrMapOvr>
     <a:masterClrMapping/>
   </p:clrMapOvr>
+  <p:timing>
+    <p:tnLst>
+      <p:par>
+        <p:cTn id="1" dur="indefinite" restart="never" nodeType="tmRoot"/>
+      </p:par>
+    </p:tnLst>
+  </p:timing>
 </p:sld>
 </file>
 
-<file path=ppt/slides/slide18.xml><?xml version="1.0" encoding="utf-8"?>
+<file path=ppt/slides/slide2.xml><?xml version="1.0" encoding="utf-8"?>
+<p:sld xmlns:a="http://schemas.openxmlformats.org/drawingml/2006/main" xmlns:r="http://schemas.openxmlformats.org/officeDocument/2006/relationships" xmlns:p="http://schemas.openxmlformats.org/presentationml/2006/main">
+  <p:cSld>
+    <p:spTree>
+      <p:nvGrpSpPr>
+        <p:cNvPr id="1" name=""/>
+        <p:cNvGrpSpPr/>
+        <p:nvPr/>
+      </p:nvGrpSpPr>
+      <p:grpSpPr>
+        <a:xfrm>
+          <a:off x="0" y="0"/>
+          <a:ext cx="0" cy="0"/>
+          <a:chOff x="0" y="0"/>
+          <a:chExt cx="0" cy="0"/>
+        </a:xfrm>
+      </p:grpSpPr>
+      <p:sp>
+        <p:nvSpPr>
+          <p:cNvPr id="2" name="Заголовок 1"/>
+          <p:cNvSpPr>
+            <a:spLocks noGrp="1"/>
+          </p:cNvSpPr>
+          <p:nvPr>
+            <p:ph type="ctrTitle"/>
+          </p:nvPr>
+        </p:nvSpPr>
+        <p:spPr/>
+        <p:txBody>
+          <a:bodyPr/>
+          <a:lstStyle/>
+          <a:p>
+            <a:r>
+              <a:rPr lang="ru-RU" dirty="0"/>
+              <a:t>Типы организации памяти процессора</a:t>
+            </a:r>
+          </a:p>
+        </p:txBody>
+      </p:sp>
+      <p:sp>
+        <p:nvSpPr>
+          <p:cNvPr id="3" name="Подзаголовок 2"/>
+          <p:cNvSpPr>
+            <a:spLocks noGrp="1"/>
+          </p:cNvSpPr>
+          <p:nvPr>
+            <p:ph type="subTitle" idx="1"/>
+          </p:nvPr>
+        </p:nvSpPr>
+        <p:spPr/>
+        <p:txBody>
+          <a:bodyPr>
+            <a:normAutofit fontScale="92500" lnSpcReduction="20000"/>
+          </a:bodyPr>
+          <a:lstStyle/>
+          <a:p>
+            <a:r>
+              <a:rPr lang="ru-RU" b="1" dirty="0"/>
+              <a:t>Лекция 3. Модель памяти процессоров</a:t>
+            </a:r>
+          </a:p>
+          <a:p>
+            <a:r>
+              <a:rPr lang="ru-RU" dirty="0"/>
+              <a:t>Аппаратные средства телекоммуникационных систем</a:t>
+            </a:r>
+          </a:p>
+        </p:txBody>
+      </p:sp>
+    </p:spTree>
+    <p:extLst>
+      <p:ext uri="{BB962C8B-B14F-4D97-AF65-F5344CB8AC3E}">
+        <p14:creationId xmlns:p14="http://schemas.microsoft.com/office/powerpoint/2010/main" val="207420018"/>
+      </p:ext>
+    </p:extLst>
+  </p:cSld>
+  <p:clrMapOvr>
+    <a:masterClrMapping/>
+  </p:clrMapOvr>
+  <p:timing>
+    <p:tnLst>
+      <p:par>
+        <p:cTn id="1" dur="indefinite" restart="never" nodeType="tmRoot"/>
+      </p:par>
+    </p:tnLst>
+  </p:timing>
+</p:sld>
+</file>
+
+<file path=ppt/slides/slide20.xml><?xml version="1.0" encoding="utf-8"?>
 <p:sld xmlns:a="http://schemas.openxmlformats.org/drawingml/2006/main" xmlns:r="http://schemas.openxmlformats.org/officeDocument/2006/relationships" xmlns:p="http://schemas.openxmlformats.org/presentationml/2006/main">
   <p:cSld>
     <p:spTree>
@@ -6204,10 +6779,17 @@
   <p:clrMapOvr>
     <a:masterClrMapping/>
   </p:clrMapOvr>
+  <p:timing>
+    <p:tnLst>
+      <p:par>
+        <p:cTn id="1" dur="indefinite" restart="never" nodeType="tmRoot"/>
+      </p:par>
+    </p:tnLst>
+  </p:timing>
 </p:sld>
 </file>
 
-<file path=ppt/slides/slide19.xml><?xml version="1.0" encoding="utf-8"?>
+<file path=ppt/slides/slide21.xml><?xml version="1.0" encoding="utf-8"?>
 <p:sld xmlns:a="http://schemas.openxmlformats.org/drawingml/2006/main" xmlns:r="http://schemas.openxmlformats.org/officeDocument/2006/relationships" xmlns:p="http://schemas.openxmlformats.org/presentationml/2006/main">
   <p:cSld>
     <p:spTree>
@@ -6573,88 +7155,6 @@
   <p:clrMapOvr>
     <a:masterClrMapping/>
   </p:clrMapOvr>
-</p:sld>
-</file>
-
-<file path=ppt/slides/slide2.xml><?xml version="1.0" encoding="utf-8"?>
-<p:sld xmlns:a="http://schemas.openxmlformats.org/drawingml/2006/main" xmlns:r="http://schemas.openxmlformats.org/officeDocument/2006/relationships" xmlns:p="http://schemas.openxmlformats.org/presentationml/2006/main">
-  <p:cSld>
-    <p:spTree>
-      <p:nvGrpSpPr>
-        <p:cNvPr id="1" name=""/>
-        <p:cNvGrpSpPr/>
-        <p:nvPr/>
-      </p:nvGrpSpPr>
-      <p:grpSpPr>
-        <a:xfrm>
-          <a:off x="0" y="0"/>
-          <a:ext cx="0" cy="0"/>
-          <a:chOff x="0" y="0"/>
-          <a:chExt cx="0" cy="0"/>
-        </a:xfrm>
-      </p:grpSpPr>
-      <p:sp>
-        <p:nvSpPr>
-          <p:cNvPr id="2" name="Заголовок 1"/>
-          <p:cNvSpPr>
-            <a:spLocks noGrp="1"/>
-          </p:cNvSpPr>
-          <p:nvPr>
-            <p:ph type="ctrTitle"/>
-          </p:nvPr>
-        </p:nvSpPr>
-        <p:spPr/>
-        <p:txBody>
-          <a:bodyPr/>
-          <a:lstStyle/>
-          <a:p>
-            <a:r>
-              <a:rPr lang="ru-RU" dirty="0"/>
-              <a:t>Типы организации памяти процессора</a:t>
-            </a:r>
-          </a:p>
-        </p:txBody>
-      </p:sp>
-      <p:sp>
-        <p:nvSpPr>
-          <p:cNvPr id="3" name="Подзаголовок 2"/>
-          <p:cNvSpPr>
-            <a:spLocks noGrp="1"/>
-          </p:cNvSpPr>
-          <p:nvPr>
-            <p:ph type="subTitle" idx="1"/>
-          </p:nvPr>
-        </p:nvSpPr>
-        <p:spPr/>
-        <p:txBody>
-          <a:bodyPr>
-            <a:normAutofit fontScale="92500" lnSpcReduction="20000"/>
-          </a:bodyPr>
-          <a:lstStyle/>
-          <a:p>
-            <a:r>
-              <a:rPr lang="ru-RU" b="1" dirty="0"/>
-              <a:t>Лекция 3. Модель памяти процессоров</a:t>
-            </a:r>
-          </a:p>
-          <a:p>
-            <a:r>
-              <a:rPr lang="ru-RU" dirty="0"/>
-              <a:t>Аппаратные средства телекоммуникационных систем</a:t>
-            </a:r>
-          </a:p>
-        </p:txBody>
-      </p:sp>
-    </p:spTree>
-    <p:extLst>
-      <p:ext uri="{BB962C8B-B14F-4D97-AF65-F5344CB8AC3E}">
-        <p14:creationId xmlns:p14="http://schemas.microsoft.com/office/powerpoint/2010/main" val="207420018"/>
-      </p:ext>
-    </p:extLst>
-  </p:cSld>
-  <p:clrMapOvr>
-    <a:masterClrMapping/>
-  </p:clrMapOvr>
   <p:timing>
     <p:tnLst>
       <p:par>
@@ -6665,7 +7165,7 @@
 </p:sld>
 </file>
 
-<file path=ppt/slides/slide20.xml><?xml version="1.0" encoding="utf-8"?>
+<file path=ppt/slides/slide22.xml><?xml version="1.0" encoding="utf-8"?>
 <p:sld xmlns:a="http://schemas.openxmlformats.org/drawingml/2006/main" xmlns:r="http://schemas.openxmlformats.org/officeDocument/2006/relationships" xmlns:p="http://schemas.openxmlformats.org/presentationml/2006/main">
   <p:cSld>
     <p:spTree>
@@ -7039,626 +7539,6 @@
   <p:clrMapOvr>
     <a:masterClrMapping/>
   </p:clrMapOvr>
-</p:sld>
-</file>
-
-<file path=ppt/slides/slide21.xml><?xml version="1.0" encoding="utf-8"?>
-<p:sld xmlns:a="http://schemas.openxmlformats.org/drawingml/2006/main" xmlns:r="http://schemas.openxmlformats.org/officeDocument/2006/relationships" xmlns:p="http://schemas.openxmlformats.org/presentationml/2006/main">
-  <p:cSld>
-    <p:spTree>
-      <p:nvGrpSpPr>
-        <p:cNvPr id="1" name=""/>
-        <p:cNvGrpSpPr/>
-        <p:nvPr/>
-      </p:nvGrpSpPr>
-      <p:grpSpPr>
-        <a:xfrm>
-          <a:off x="0" y="0"/>
-          <a:ext cx="0" cy="0"/>
-          <a:chOff x="0" y="0"/>
-          <a:chExt cx="0" cy="0"/>
-        </a:xfrm>
-      </p:grpSpPr>
-      <p:sp>
-        <p:nvSpPr>
-          <p:cNvPr id="2" name="Заголовок 1"/>
-          <p:cNvSpPr>
-            <a:spLocks noGrp="1"/>
-          </p:cNvSpPr>
-          <p:nvPr>
-            <p:ph type="ctrTitle"/>
-          </p:nvPr>
-        </p:nvSpPr>
-        <p:spPr/>
-        <p:txBody>
-          <a:bodyPr/>
-          <a:lstStyle/>
-          <a:p>
-            <a:r>
-              <a:rPr lang="ru-RU" dirty="0"/>
-              <a:t>Особенности регистровой памяти</a:t>
-            </a:r>
-          </a:p>
-        </p:txBody>
-      </p:sp>
-      <p:sp>
-        <p:nvSpPr>
-          <p:cNvPr id="3" name="Подзаголовок 2"/>
-          <p:cNvSpPr>
-            <a:spLocks noGrp="1"/>
-          </p:cNvSpPr>
-          <p:nvPr>
-            <p:ph type="subTitle" idx="1"/>
-          </p:nvPr>
-        </p:nvSpPr>
-        <p:spPr/>
-        <p:txBody>
-          <a:bodyPr>
-            <a:normAutofit fontScale="92500" lnSpcReduction="20000"/>
-          </a:bodyPr>
-          <a:lstStyle/>
-          <a:p>
-            <a:r>
-              <a:rPr lang="ru-RU" b="1" dirty="0"/>
-              <a:t>Лекция 3. Модель памяти процессоров</a:t>
-            </a:r>
-          </a:p>
-          <a:p>
-            <a:r>
-              <a:rPr lang="ru-RU" dirty="0"/>
-              <a:t>Аппаратные средства телекоммуникационных систем</a:t>
-            </a:r>
-          </a:p>
-        </p:txBody>
-      </p:sp>
-    </p:spTree>
-    <p:extLst>
-      <p:ext uri="{BB962C8B-B14F-4D97-AF65-F5344CB8AC3E}">
-        <p14:creationId xmlns:p14="http://schemas.microsoft.com/office/powerpoint/2010/main" val="1964929448"/>
-      </p:ext>
-    </p:extLst>
-  </p:cSld>
-  <p:clrMapOvr>
-    <a:masterClrMapping/>
-  </p:clrMapOvr>
-  <p:timing>
-    <p:tnLst>
-      <p:par>
-        <p:cTn id="1" dur="indefinite" restart="never" nodeType="tmRoot"/>
-      </p:par>
-    </p:tnLst>
-  </p:timing>
-</p:sld>
-</file>
-
-<file path=ppt/slides/slide22.xml><?xml version="1.0" encoding="utf-8"?>
-<p:sld xmlns:a="http://schemas.openxmlformats.org/drawingml/2006/main" xmlns:r="http://schemas.openxmlformats.org/officeDocument/2006/relationships" xmlns:p="http://schemas.openxmlformats.org/presentationml/2006/main">
-  <p:cSld>
-    <p:spTree>
-      <p:nvGrpSpPr>
-        <p:cNvPr id="1" name=""/>
-        <p:cNvGrpSpPr/>
-        <p:nvPr/>
-      </p:nvGrpSpPr>
-      <p:grpSpPr>
-        <a:xfrm>
-          <a:off x="0" y="0"/>
-          <a:ext cx="0" cy="0"/>
-          <a:chOff x="0" y="0"/>
-          <a:chExt cx="0" cy="0"/>
-        </a:xfrm>
-      </p:grpSpPr>
-      <p:sp>
-        <p:nvSpPr>
-          <p:cNvPr id="2" name="Заголовок 1"/>
-          <p:cNvSpPr>
-            <a:spLocks noGrp="1"/>
-          </p:cNvSpPr>
-          <p:nvPr>
-            <p:ph type="title"/>
-          </p:nvPr>
-        </p:nvSpPr>
-        <p:spPr>
-          <a:xfrm>
-            <a:off x="539552" y="135897"/>
-            <a:ext cx="8229600" cy="720080"/>
-          </a:xfrm>
-        </p:spPr>
-        <p:txBody>
-          <a:bodyPr>
-            <a:noAutofit/>
-          </a:bodyPr>
-          <a:lstStyle/>
-          <a:p>
-            <a:r>
-              <a:rPr lang="ru-RU" sz="2800" b="1" dirty="0"/>
-              <a:t>Модель памяти процессора. </a:t>
-            </a:r>
-            <a:br>
-              <a:rPr lang="ru-RU" sz="2800" b="1" dirty="0"/>
-            </a:br>
-            <a:r>
-              <a:rPr lang="ru-RU" sz="2800" b="1" dirty="0"/>
-              <a:t>Регистровая память</a:t>
-            </a:r>
-            <a:r>
-              <a:rPr lang="en-US" sz="2800" b="1" dirty="0"/>
-              <a:t> IA-32 (X86)</a:t>
-            </a:r>
-            <a:r>
-              <a:rPr lang="ru-RU" sz="2800" b="1" dirty="0"/>
-              <a:t>.</a:t>
-            </a:r>
-          </a:p>
-        </p:txBody>
-      </p:sp>
-      <p:pic>
-        <p:nvPicPr>
-          <p:cNvPr id="4" name="Рисунок 3"/>
-          <p:cNvPicPr>
-            <a:picLocks noChangeAspect="1"/>
-          </p:cNvPicPr>
-          <p:nvPr/>
-        </p:nvPicPr>
-        <p:blipFill>
-          <a:blip r:embed="rId2"/>
-          <a:stretch>
-            <a:fillRect/>
-          </a:stretch>
-        </p:blipFill>
-        <p:spPr>
-          <a:xfrm>
-            <a:off x="4556914" y="968731"/>
-            <a:ext cx="4335566" cy="5484605"/>
-          </a:xfrm>
-          <a:prstGeom prst="rect">
-            <a:avLst/>
-          </a:prstGeom>
-        </p:spPr>
-      </p:pic>
-      <p:sp>
-        <p:nvSpPr>
-          <p:cNvPr id="5" name="TextBox 4"/>
-          <p:cNvSpPr txBox="1"/>
-          <p:nvPr/>
-        </p:nvSpPr>
-        <p:spPr>
-          <a:xfrm>
-            <a:off x="5220072" y="6235526"/>
-            <a:ext cx="648072" cy="369332"/>
-          </a:xfrm>
-          <a:prstGeom prst="rect">
-            <a:avLst/>
-          </a:prstGeom>
-          <a:solidFill>
-            <a:schemeClr val="bg1"/>
-          </a:solidFill>
-        </p:spPr>
-        <p:txBody>
-          <a:bodyPr wrap="square" rtlCol="0">
-            <a:spAutoFit/>
-          </a:bodyPr>
-          <a:lstStyle/>
-          <a:p>
-            <a:endParaRPr lang="ru-RU" dirty="0"/>
-          </a:p>
-        </p:txBody>
-      </p:sp>
-      <p:sp>
-        <p:nvSpPr>
-          <p:cNvPr id="8" name="Объект 2"/>
-          <p:cNvSpPr txBox="1">
-            <a:spLocks/>
-          </p:cNvSpPr>
-          <p:nvPr/>
-        </p:nvSpPr>
-        <p:spPr>
-          <a:xfrm>
-            <a:off x="263791" y="900601"/>
-            <a:ext cx="4680520" cy="5704257"/>
-          </a:xfrm>
-          <a:prstGeom prst="rect">
-            <a:avLst/>
-          </a:prstGeom>
-        </p:spPr>
-        <p:txBody>
-          <a:bodyPr vert="horz" lIns="91440" tIns="45720" rIns="91440" bIns="45720" rtlCol="0">
-            <a:normAutofit lnSpcReduction="10000"/>
-          </a:bodyPr>
-          <a:lstStyle>
-            <a:lvl1pPr marL="342900" indent="-342900" algn="l" defTabSz="914400" rtl="0" eaLnBrk="1" latinLnBrk="0" hangingPunct="1">
-              <a:spcBef>
-                <a:spcPct val="20000"/>
-              </a:spcBef>
-              <a:buFont typeface="Arial" panose="020B0604020202020204" pitchFamily="34" charset="0"/>
-              <a:buChar char="•"/>
-              <a:defRPr sz="3200" kern="1200">
-                <a:solidFill>
-                  <a:schemeClr val="tx1"/>
-                </a:solidFill>
-                <a:latin typeface="+mn-lt"/>
-                <a:ea typeface="+mn-ea"/>
-                <a:cs typeface="+mn-cs"/>
-              </a:defRPr>
-            </a:lvl1pPr>
-            <a:lvl2pPr marL="742950" indent="-285750" algn="l" defTabSz="914400" rtl="0" eaLnBrk="1" latinLnBrk="0" hangingPunct="1">
-              <a:spcBef>
-                <a:spcPct val="20000"/>
-              </a:spcBef>
-              <a:buFont typeface="Arial" panose="020B0604020202020204" pitchFamily="34" charset="0"/>
-              <a:buChar char="–"/>
-              <a:defRPr sz="2800" kern="1200">
-                <a:solidFill>
-                  <a:schemeClr val="tx1"/>
-                </a:solidFill>
-                <a:latin typeface="+mn-lt"/>
-                <a:ea typeface="+mn-ea"/>
-                <a:cs typeface="+mn-cs"/>
-              </a:defRPr>
-            </a:lvl2pPr>
-            <a:lvl3pPr marL="1143000" indent="-228600" algn="l" defTabSz="914400" rtl="0" eaLnBrk="1" latinLnBrk="0" hangingPunct="1">
-              <a:spcBef>
-                <a:spcPct val="20000"/>
-              </a:spcBef>
-              <a:buFont typeface="Arial" panose="020B0604020202020204" pitchFamily="34" charset="0"/>
-              <a:buChar char="•"/>
-              <a:defRPr sz="2400" kern="1200">
-                <a:solidFill>
-                  <a:schemeClr val="tx1"/>
-                </a:solidFill>
-                <a:latin typeface="+mn-lt"/>
-                <a:ea typeface="+mn-ea"/>
-                <a:cs typeface="+mn-cs"/>
-              </a:defRPr>
-            </a:lvl3pPr>
-            <a:lvl4pPr marL="1600200" indent="-228600" algn="l" defTabSz="914400" rtl="0" eaLnBrk="1" latinLnBrk="0" hangingPunct="1">
-              <a:spcBef>
-                <a:spcPct val="20000"/>
-              </a:spcBef>
-              <a:buFont typeface="Arial" panose="020B0604020202020204" pitchFamily="34" charset="0"/>
-              <a:buChar char="–"/>
-              <a:defRPr sz="2000" kern="1200">
-                <a:solidFill>
-                  <a:schemeClr val="tx1"/>
-                </a:solidFill>
-                <a:latin typeface="+mn-lt"/>
-                <a:ea typeface="+mn-ea"/>
-                <a:cs typeface="+mn-cs"/>
-              </a:defRPr>
-            </a:lvl4pPr>
-            <a:lvl5pPr marL="2057400" indent="-228600" algn="l" defTabSz="914400" rtl="0" eaLnBrk="1" latinLnBrk="0" hangingPunct="1">
-              <a:spcBef>
-                <a:spcPct val="20000"/>
-              </a:spcBef>
-              <a:buFont typeface="Arial" panose="020B0604020202020204" pitchFamily="34" charset="0"/>
-              <a:buChar char="»"/>
-              <a:defRPr sz="2000" kern="1200">
-                <a:solidFill>
-                  <a:schemeClr val="tx1"/>
-                </a:solidFill>
-                <a:latin typeface="+mn-lt"/>
-                <a:ea typeface="+mn-ea"/>
-                <a:cs typeface="+mn-cs"/>
-              </a:defRPr>
-            </a:lvl5pPr>
-            <a:lvl6pPr marL="2514600" indent="-228600" algn="l" defTabSz="914400" rtl="0" eaLnBrk="1" latinLnBrk="0" hangingPunct="1">
-              <a:spcBef>
-                <a:spcPct val="20000"/>
-              </a:spcBef>
-              <a:buFont typeface="Arial" panose="020B0604020202020204" pitchFamily="34" charset="0"/>
-              <a:buChar char="•"/>
-              <a:defRPr sz="2000" kern="1200">
-                <a:solidFill>
-                  <a:schemeClr val="tx1"/>
-                </a:solidFill>
-                <a:latin typeface="+mn-lt"/>
-                <a:ea typeface="+mn-ea"/>
-                <a:cs typeface="+mn-cs"/>
-              </a:defRPr>
-            </a:lvl6pPr>
-            <a:lvl7pPr marL="2971800" indent="-228600" algn="l" defTabSz="914400" rtl="0" eaLnBrk="1" latinLnBrk="0" hangingPunct="1">
-              <a:spcBef>
-                <a:spcPct val="20000"/>
-              </a:spcBef>
-              <a:buFont typeface="Arial" panose="020B0604020202020204" pitchFamily="34" charset="0"/>
-              <a:buChar char="•"/>
-              <a:defRPr sz="2000" kern="1200">
-                <a:solidFill>
-                  <a:schemeClr val="tx1"/>
-                </a:solidFill>
-                <a:latin typeface="+mn-lt"/>
-                <a:ea typeface="+mn-ea"/>
-                <a:cs typeface="+mn-cs"/>
-              </a:defRPr>
-            </a:lvl7pPr>
-            <a:lvl8pPr marL="3429000" indent="-228600" algn="l" defTabSz="914400" rtl="0" eaLnBrk="1" latinLnBrk="0" hangingPunct="1">
-              <a:spcBef>
-                <a:spcPct val="20000"/>
-              </a:spcBef>
-              <a:buFont typeface="Arial" panose="020B0604020202020204" pitchFamily="34" charset="0"/>
-              <a:buChar char="•"/>
-              <a:defRPr sz="2000" kern="1200">
-                <a:solidFill>
-                  <a:schemeClr val="tx1"/>
-                </a:solidFill>
-                <a:latin typeface="+mn-lt"/>
-                <a:ea typeface="+mn-ea"/>
-                <a:cs typeface="+mn-cs"/>
-              </a:defRPr>
-            </a:lvl8pPr>
-            <a:lvl9pPr marL="3886200" indent="-228600" algn="l" defTabSz="914400" rtl="0" eaLnBrk="1" latinLnBrk="0" hangingPunct="1">
-              <a:spcBef>
-                <a:spcPct val="20000"/>
-              </a:spcBef>
-              <a:buFont typeface="Arial" panose="020B0604020202020204" pitchFamily="34" charset="0"/>
-              <a:buChar char="•"/>
-              <a:defRPr sz="2000" kern="1200">
-                <a:solidFill>
-                  <a:schemeClr val="tx1"/>
-                </a:solidFill>
-                <a:latin typeface="+mn-lt"/>
-                <a:ea typeface="+mn-ea"/>
-                <a:cs typeface="+mn-cs"/>
-              </a:defRPr>
-            </a:lvl9pPr>
-          </a:lstStyle>
-          <a:p>
-            <a:pPr marL="177800" indent="-177800"/>
-            <a:r>
-              <a:rPr lang="en-US" sz="1800" b="1" dirty="0"/>
-              <a:t>EAX, EBX, ECX </a:t>
-            </a:r>
-            <a:r>
-              <a:rPr lang="ru-RU" sz="1800" b="1" dirty="0"/>
-              <a:t>и </a:t>
-            </a:r>
-            <a:r>
-              <a:rPr lang="en-US" sz="1800" b="1" dirty="0"/>
-              <a:t>EDX</a:t>
-            </a:r>
-            <a:r>
-              <a:rPr lang="ru-RU" sz="1800" b="1" dirty="0"/>
-              <a:t> – 32 разрядные </a:t>
-            </a:r>
-            <a:r>
-              <a:rPr lang="en-US" sz="1800" b="1" dirty="0"/>
-              <a:t>GPR</a:t>
-            </a:r>
-            <a:endParaRPr lang="ru-RU" sz="1800" b="1" dirty="0"/>
-          </a:p>
-          <a:p>
-            <a:pPr marL="577850" lvl="2" indent="-177800">
-              <a:tabLst>
-                <a:tab pos="625475" algn="l"/>
-              </a:tabLst>
-            </a:pPr>
-            <a:r>
-              <a:rPr lang="en-US" sz="1700" dirty="0"/>
-              <a:t>(GPR - </a:t>
-            </a:r>
-            <a:r>
-              <a:rPr lang="ru-RU" sz="1700" dirty="0"/>
-              <a:t>регистры общего назначения);</a:t>
-            </a:r>
-            <a:endParaRPr lang="en-US" sz="1700" dirty="0"/>
-          </a:p>
-          <a:p>
-            <a:pPr marL="577850" lvl="2" indent="-177800">
-              <a:tabLst>
-                <a:tab pos="625475" algn="l"/>
-              </a:tabLst>
-            </a:pPr>
-            <a:r>
-              <a:rPr lang="ru-RU" sz="1700" dirty="0"/>
-              <a:t> также допустимы регистры 8 и 16 бит</a:t>
-            </a:r>
-          </a:p>
-          <a:p>
-            <a:pPr marL="577850" lvl="2" indent="-177800">
-              <a:tabLst>
-                <a:tab pos="625475" algn="l"/>
-              </a:tabLst>
-            </a:pPr>
-            <a:r>
-              <a:rPr lang="en-US" sz="1700" b="1" dirty="0"/>
-              <a:t>EAX</a:t>
-            </a:r>
-            <a:r>
-              <a:rPr lang="en-US" sz="1700" dirty="0"/>
-              <a:t> — </a:t>
-            </a:r>
-            <a:r>
-              <a:rPr lang="ru-RU" sz="1700" dirty="0"/>
-              <a:t>основной арифметический регистр; </a:t>
-            </a:r>
-            <a:endParaRPr lang="en-US" sz="1700" dirty="0"/>
-          </a:p>
-          <a:p>
-            <a:pPr marL="806450" lvl="3" indent="-177800"/>
-            <a:r>
-              <a:rPr lang="ru-RU" sz="1600" dirty="0"/>
-              <a:t>EBX предназначен для хранения указателей (адресов памяти); </a:t>
-            </a:r>
-            <a:endParaRPr lang="en-US" sz="1600" dirty="0"/>
-          </a:p>
-          <a:p>
-            <a:pPr marL="577850" lvl="2" indent="-177800"/>
-            <a:r>
-              <a:rPr lang="ru-RU" sz="1700" b="1" dirty="0"/>
-              <a:t>ECX</a:t>
-            </a:r>
-            <a:r>
-              <a:rPr lang="en-US" sz="1700" dirty="0"/>
-              <a:t> </a:t>
-            </a:r>
-            <a:r>
-              <a:rPr lang="ru-RU" sz="1700" dirty="0"/>
-              <a:t>связан с организацией циклов; </a:t>
-            </a:r>
-            <a:endParaRPr lang="en-US" sz="1700" dirty="0"/>
-          </a:p>
-          <a:p>
-            <a:pPr marL="577850" lvl="2" indent="-177800"/>
-            <a:r>
-              <a:rPr lang="ru-RU" sz="1700" b="1" dirty="0"/>
-              <a:t>EDX</a:t>
-            </a:r>
-            <a:r>
-              <a:rPr lang="ru-RU" sz="1700" dirty="0"/>
-              <a:t> нужен для умножения и деления </a:t>
-            </a:r>
-          </a:p>
-          <a:p>
-            <a:pPr marL="714375" lvl="3" indent="-85725"/>
-            <a:r>
-              <a:rPr lang="ru-RU" sz="1600" dirty="0"/>
-              <a:t>вместе с EAX 64-разрядные произведения   и делимые.</a:t>
-            </a:r>
-            <a:endParaRPr lang="en-US" sz="1600" dirty="0"/>
-          </a:p>
-          <a:p>
-            <a:pPr marL="177800" indent="-177800"/>
-            <a:r>
-              <a:rPr lang="ru-RU" sz="1800" b="1" dirty="0"/>
-              <a:t>ESI и </a:t>
-            </a:r>
-            <a:r>
-              <a:rPr lang="en-US" sz="1800" b="1" dirty="0"/>
-              <a:t>EDI </a:t>
-            </a:r>
-            <a:r>
-              <a:rPr lang="ru-RU" sz="1800" dirty="0"/>
-              <a:t>- указатели строковых команд:</a:t>
-            </a:r>
-          </a:p>
-          <a:p>
-            <a:pPr marL="541338" lvl="1" indent="-144463">
-              <a:buFont typeface="Arial" panose="020B0604020202020204" pitchFamily="34" charset="0"/>
-              <a:buChar char="•"/>
-            </a:pPr>
-            <a:r>
-              <a:rPr lang="ru-RU" sz="1700" dirty="0"/>
-              <a:t> </a:t>
-            </a:r>
-            <a:r>
-              <a:rPr lang="ru-RU" sz="1700" b="1" dirty="0"/>
-              <a:t>ESI</a:t>
-            </a:r>
-            <a:r>
-              <a:rPr lang="ru-RU" sz="1700" dirty="0"/>
-              <a:t> указывает на исходную строку,</a:t>
-            </a:r>
-          </a:p>
-          <a:p>
-            <a:pPr marL="541338" lvl="1" indent="-144463">
-              <a:buFont typeface="Arial" panose="020B0604020202020204" pitchFamily="34" charset="0"/>
-              <a:buChar char="•"/>
-            </a:pPr>
-            <a:r>
-              <a:rPr lang="ru-RU" sz="1700" dirty="0"/>
-              <a:t> </a:t>
-            </a:r>
-            <a:r>
-              <a:rPr lang="ru-RU" sz="1700" b="1" dirty="0"/>
-              <a:t>EDI</a:t>
-            </a:r>
-            <a:r>
-              <a:rPr lang="ru-RU" sz="1700" dirty="0"/>
-              <a:t> — на целевую.</a:t>
-            </a:r>
-          </a:p>
-          <a:p>
-            <a:pPr marL="177800" indent="-165100"/>
-            <a:r>
-              <a:rPr lang="ru-RU" sz="1800" b="1" dirty="0"/>
-              <a:t>EBP</a:t>
-            </a:r>
-            <a:r>
-              <a:rPr lang="ru-RU" sz="1800" dirty="0"/>
-              <a:t> предназначен для хранения указателей</a:t>
-            </a:r>
-          </a:p>
-          <a:p>
-            <a:pPr marL="0" indent="0">
-              <a:buNone/>
-            </a:pPr>
-            <a:r>
-              <a:rPr lang="ru-RU" sz="1800" b="1" dirty="0"/>
-              <a:t>   (указатель кадра)</a:t>
-            </a:r>
-            <a:r>
-              <a:rPr lang="ru-RU" sz="1800" dirty="0"/>
-              <a:t>. </a:t>
-            </a:r>
-          </a:p>
-          <a:p>
-            <a:pPr marL="177800" indent="-165100"/>
-            <a:r>
-              <a:rPr lang="ru-RU" sz="1800" b="1" dirty="0"/>
-              <a:t>ESP</a:t>
-            </a:r>
-            <a:r>
-              <a:rPr lang="ru-RU" sz="1800" dirty="0"/>
-              <a:t> — это указатель стека</a:t>
-            </a:r>
-          </a:p>
-          <a:p>
-            <a:pPr marL="177800" indent="-165100"/>
-            <a:r>
-              <a:rPr lang="en-US" sz="1800" b="1" dirty="0"/>
-              <a:t>EIP</a:t>
-            </a:r>
-            <a:r>
-              <a:rPr lang="ru-RU" sz="1800" dirty="0"/>
-              <a:t> – счетчик команд</a:t>
-            </a:r>
-          </a:p>
-          <a:p>
-            <a:pPr marL="177800" indent="-165100"/>
-            <a:r>
-              <a:rPr lang="en-US" sz="1800" b="1" dirty="0"/>
-              <a:t>EFLAGS</a:t>
-            </a:r>
-            <a:r>
-              <a:rPr lang="en-US" sz="1800" dirty="0"/>
-              <a:t> — </a:t>
-            </a:r>
-            <a:r>
-              <a:rPr lang="ru-RU" sz="1800" dirty="0" err="1"/>
-              <a:t>флаговый</a:t>
-            </a:r>
-            <a:r>
-              <a:rPr lang="ru-RU" sz="1800" dirty="0"/>
-              <a:t> регистр.</a:t>
-            </a:r>
-          </a:p>
-          <a:p>
-            <a:pPr marL="177800" indent="-165100"/>
-            <a:r>
-              <a:rPr lang="en-US" sz="1800" b="1" dirty="0"/>
-              <a:t>CS-GS</a:t>
-            </a:r>
-            <a:r>
-              <a:rPr lang="en-US" sz="1800" dirty="0"/>
-              <a:t> </a:t>
-            </a:r>
-            <a:r>
-              <a:rPr lang="ru-RU" sz="1800" dirty="0"/>
-              <a:t>сегментные регистры.</a:t>
-            </a:r>
-          </a:p>
-        </p:txBody>
-      </p:sp>
-    </p:spTree>
-    <p:extLst>
-      <p:ext uri="{BB962C8B-B14F-4D97-AF65-F5344CB8AC3E}">
-        <p14:creationId xmlns:p14="http://schemas.microsoft.com/office/powerpoint/2010/main" val="2678361880"/>
-      </p:ext>
-    </p:extLst>
-  </p:cSld>
-  <p:clrMapOvr>
-    <a:masterClrMapping/>
-  </p:clrMapOvr>
   <p:timing>
     <p:tnLst>
       <p:par>
@@ -7693,6 +7573,633 @@
             <a:spLocks noGrp="1"/>
           </p:cNvSpPr>
           <p:nvPr>
+            <p:ph type="ctrTitle"/>
+          </p:nvPr>
+        </p:nvSpPr>
+        <p:spPr/>
+        <p:txBody>
+          <a:bodyPr/>
+          <a:lstStyle/>
+          <a:p>
+            <a:r>
+              <a:rPr lang="ru-RU" dirty="0"/>
+              <a:t>Особенности регистровой памяти</a:t>
+            </a:r>
+          </a:p>
+        </p:txBody>
+      </p:sp>
+      <p:sp>
+        <p:nvSpPr>
+          <p:cNvPr id="3" name="Подзаголовок 2"/>
+          <p:cNvSpPr>
+            <a:spLocks noGrp="1"/>
+          </p:cNvSpPr>
+          <p:nvPr>
+            <p:ph type="subTitle" idx="1"/>
+          </p:nvPr>
+        </p:nvSpPr>
+        <p:spPr/>
+        <p:txBody>
+          <a:bodyPr>
+            <a:normAutofit fontScale="92500" lnSpcReduction="20000"/>
+          </a:bodyPr>
+          <a:lstStyle/>
+          <a:p>
+            <a:r>
+              <a:rPr lang="ru-RU" b="1" dirty="0"/>
+              <a:t>Лекция 3. Модель памяти процессоров</a:t>
+            </a:r>
+          </a:p>
+          <a:p>
+            <a:r>
+              <a:rPr lang="ru-RU" dirty="0"/>
+              <a:t>Аппаратные средства телекоммуникационных систем</a:t>
+            </a:r>
+          </a:p>
+        </p:txBody>
+      </p:sp>
+    </p:spTree>
+    <p:extLst>
+      <p:ext uri="{BB962C8B-B14F-4D97-AF65-F5344CB8AC3E}">
+        <p14:creationId xmlns:p14="http://schemas.microsoft.com/office/powerpoint/2010/main" val="1964929448"/>
+      </p:ext>
+    </p:extLst>
+  </p:cSld>
+  <p:clrMapOvr>
+    <a:masterClrMapping/>
+  </p:clrMapOvr>
+  <p:timing>
+    <p:tnLst>
+      <p:par>
+        <p:cTn id="1" dur="indefinite" restart="never" nodeType="tmRoot"/>
+      </p:par>
+    </p:tnLst>
+  </p:timing>
+</p:sld>
+</file>
+
+<file path=ppt/slides/slide24.xml><?xml version="1.0" encoding="utf-8"?>
+<p:sld xmlns:a="http://schemas.openxmlformats.org/drawingml/2006/main" xmlns:r="http://schemas.openxmlformats.org/officeDocument/2006/relationships" xmlns:p="http://schemas.openxmlformats.org/presentationml/2006/main">
+  <p:cSld>
+    <p:spTree>
+      <p:nvGrpSpPr>
+        <p:cNvPr id="1" name=""/>
+        <p:cNvGrpSpPr/>
+        <p:nvPr/>
+      </p:nvGrpSpPr>
+      <p:grpSpPr>
+        <a:xfrm>
+          <a:off x="0" y="0"/>
+          <a:ext cx="0" cy="0"/>
+          <a:chOff x="0" y="0"/>
+          <a:chExt cx="0" cy="0"/>
+        </a:xfrm>
+      </p:grpSpPr>
+      <p:sp>
+        <p:nvSpPr>
+          <p:cNvPr id="2" name="Заголовок 1"/>
+          <p:cNvSpPr>
+            <a:spLocks noGrp="1"/>
+          </p:cNvSpPr>
+          <p:nvPr>
+            <p:ph type="title"/>
+          </p:nvPr>
+        </p:nvSpPr>
+        <p:spPr>
+          <a:xfrm>
+            <a:off x="539552" y="135897"/>
+            <a:ext cx="8229600" cy="720080"/>
+          </a:xfrm>
+        </p:spPr>
+        <p:txBody>
+          <a:bodyPr>
+            <a:noAutofit/>
+          </a:bodyPr>
+          <a:lstStyle/>
+          <a:p>
+            <a:r>
+              <a:rPr lang="ru-RU" sz="2800" b="1" dirty="0"/>
+              <a:t>Модель памяти процессора. </a:t>
+            </a:r>
+            <a:br>
+              <a:rPr lang="ru-RU" sz="2800" b="1" dirty="0"/>
+            </a:br>
+            <a:r>
+              <a:rPr lang="ru-RU" sz="2800" b="1" dirty="0"/>
+              <a:t>Регистровая память</a:t>
+            </a:r>
+            <a:r>
+              <a:rPr lang="en-US" sz="2800" b="1" dirty="0"/>
+              <a:t> IA-32 (X86)</a:t>
+            </a:r>
+            <a:r>
+              <a:rPr lang="ru-RU" sz="2800" b="1" dirty="0"/>
+              <a:t>.</a:t>
+            </a:r>
+          </a:p>
+        </p:txBody>
+      </p:sp>
+      <p:pic>
+        <p:nvPicPr>
+          <p:cNvPr id="4" name="Рисунок 3"/>
+          <p:cNvPicPr>
+            <a:picLocks noChangeAspect="1"/>
+          </p:cNvPicPr>
+          <p:nvPr/>
+        </p:nvPicPr>
+        <p:blipFill>
+          <a:blip r:embed="rId2"/>
+          <a:stretch>
+            <a:fillRect/>
+          </a:stretch>
+        </p:blipFill>
+        <p:spPr>
+          <a:xfrm>
+            <a:off x="4556914" y="968731"/>
+            <a:ext cx="4335566" cy="5484605"/>
+          </a:xfrm>
+          <a:prstGeom prst="rect">
+            <a:avLst/>
+          </a:prstGeom>
+        </p:spPr>
+      </p:pic>
+      <p:sp>
+        <p:nvSpPr>
+          <p:cNvPr id="5" name="TextBox 4"/>
+          <p:cNvSpPr txBox="1"/>
+          <p:nvPr/>
+        </p:nvSpPr>
+        <p:spPr>
+          <a:xfrm>
+            <a:off x="5220072" y="6235526"/>
+            <a:ext cx="648072" cy="369332"/>
+          </a:xfrm>
+          <a:prstGeom prst="rect">
+            <a:avLst/>
+          </a:prstGeom>
+          <a:solidFill>
+            <a:schemeClr val="bg1"/>
+          </a:solidFill>
+        </p:spPr>
+        <p:txBody>
+          <a:bodyPr wrap="square" rtlCol="0">
+            <a:spAutoFit/>
+          </a:bodyPr>
+          <a:lstStyle/>
+          <a:p>
+            <a:endParaRPr lang="ru-RU" dirty="0"/>
+          </a:p>
+        </p:txBody>
+      </p:sp>
+      <p:sp>
+        <p:nvSpPr>
+          <p:cNvPr id="8" name="Объект 2"/>
+          <p:cNvSpPr txBox="1">
+            <a:spLocks/>
+          </p:cNvSpPr>
+          <p:nvPr/>
+        </p:nvSpPr>
+        <p:spPr>
+          <a:xfrm>
+            <a:off x="263791" y="900601"/>
+            <a:ext cx="4680520" cy="5704257"/>
+          </a:xfrm>
+          <a:prstGeom prst="rect">
+            <a:avLst/>
+          </a:prstGeom>
+        </p:spPr>
+        <p:txBody>
+          <a:bodyPr vert="horz" lIns="91440" tIns="45720" rIns="91440" bIns="45720" rtlCol="0">
+            <a:normAutofit lnSpcReduction="10000"/>
+          </a:bodyPr>
+          <a:lstStyle>
+            <a:lvl1pPr marL="342900" indent="-342900" algn="l" defTabSz="914400" rtl="0" eaLnBrk="1" latinLnBrk="0" hangingPunct="1">
+              <a:spcBef>
+                <a:spcPct val="20000"/>
+              </a:spcBef>
+              <a:buFont typeface="Arial" panose="020B0604020202020204" pitchFamily="34" charset="0"/>
+              <a:buChar char="•"/>
+              <a:defRPr sz="3200" kern="1200">
+                <a:solidFill>
+                  <a:schemeClr val="tx1"/>
+                </a:solidFill>
+                <a:latin typeface="+mn-lt"/>
+                <a:ea typeface="+mn-ea"/>
+                <a:cs typeface="+mn-cs"/>
+              </a:defRPr>
+            </a:lvl1pPr>
+            <a:lvl2pPr marL="742950" indent="-285750" algn="l" defTabSz="914400" rtl="0" eaLnBrk="1" latinLnBrk="0" hangingPunct="1">
+              <a:spcBef>
+                <a:spcPct val="20000"/>
+              </a:spcBef>
+              <a:buFont typeface="Arial" panose="020B0604020202020204" pitchFamily="34" charset="0"/>
+              <a:buChar char="–"/>
+              <a:defRPr sz="2800" kern="1200">
+                <a:solidFill>
+                  <a:schemeClr val="tx1"/>
+                </a:solidFill>
+                <a:latin typeface="+mn-lt"/>
+                <a:ea typeface="+mn-ea"/>
+                <a:cs typeface="+mn-cs"/>
+              </a:defRPr>
+            </a:lvl2pPr>
+            <a:lvl3pPr marL="1143000" indent="-228600" algn="l" defTabSz="914400" rtl="0" eaLnBrk="1" latinLnBrk="0" hangingPunct="1">
+              <a:spcBef>
+                <a:spcPct val="20000"/>
+              </a:spcBef>
+              <a:buFont typeface="Arial" panose="020B0604020202020204" pitchFamily="34" charset="0"/>
+              <a:buChar char="•"/>
+              <a:defRPr sz="2400" kern="1200">
+                <a:solidFill>
+                  <a:schemeClr val="tx1"/>
+                </a:solidFill>
+                <a:latin typeface="+mn-lt"/>
+                <a:ea typeface="+mn-ea"/>
+                <a:cs typeface="+mn-cs"/>
+              </a:defRPr>
+            </a:lvl3pPr>
+            <a:lvl4pPr marL="1600200" indent="-228600" algn="l" defTabSz="914400" rtl="0" eaLnBrk="1" latinLnBrk="0" hangingPunct="1">
+              <a:spcBef>
+                <a:spcPct val="20000"/>
+              </a:spcBef>
+              <a:buFont typeface="Arial" panose="020B0604020202020204" pitchFamily="34" charset="0"/>
+              <a:buChar char="–"/>
+              <a:defRPr sz="2000" kern="1200">
+                <a:solidFill>
+                  <a:schemeClr val="tx1"/>
+                </a:solidFill>
+                <a:latin typeface="+mn-lt"/>
+                <a:ea typeface="+mn-ea"/>
+                <a:cs typeface="+mn-cs"/>
+              </a:defRPr>
+            </a:lvl4pPr>
+            <a:lvl5pPr marL="2057400" indent="-228600" algn="l" defTabSz="914400" rtl="0" eaLnBrk="1" latinLnBrk="0" hangingPunct="1">
+              <a:spcBef>
+                <a:spcPct val="20000"/>
+              </a:spcBef>
+              <a:buFont typeface="Arial" panose="020B0604020202020204" pitchFamily="34" charset="0"/>
+              <a:buChar char="»"/>
+              <a:defRPr sz="2000" kern="1200">
+                <a:solidFill>
+                  <a:schemeClr val="tx1"/>
+                </a:solidFill>
+                <a:latin typeface="+mn-lt"/>
+                <a:ea typeface="+mn-ea"/>
+                <a:cs typeface="+mn-cs"/>
+              </a:defRPr>
+            </a:lvl5pPr>
+            <a:lvl6pPr marL="2514600" indent="-228600" algn="l" defTabSz="914400" rtl="0" eaLnBrk="1" latinLnBrk="0" hangingPunct="1">
+              <a:spcBef>
+                <a:spcPct val="20000"/>
+              </a:spcBef>
+              <a:buFont typeface="Arial" panose="020B0604020202020204" pitchFamily="34" charset="0"/>
+              <a:buChar char="•"/>
+              <a:defRPr sz="2000" kern="1200">
+                <a:solidFill>
+                  <a:schemeClr val="tx1"/>
+                </a:solidFill>
+                <a:latin typeface="+mn-lt"/>
+                <a:ea typeface="+mn-ea"/>
+                <a:cs typeface="+mn-cs"/>
+              </a:defRPr>
+            </a:lvl6pPr>
+            <a:lvl7pPr marL="2971800" indent="-228600" algn="l" defTabSz="914400" rtl="0" eaLnBrk="1" latinLnBrk="0" hangingPunct="1">
+              <a:spcBef>
+                <a:spcPct val="20000"/>
+              </a:spcBef>
+              <a:buFont typeface="Arial" panose="020B0604020202020204" pitchFamily="34" charset="0"/>
+              <a:buChar char="•"/>
+              <a:defRPr sz="2000" kern="1200">
+                <a:solidFill>
+                  <a:schemeClr val="tx1"/>
+                </a:solidFill>
+                <a:latin typeface="+mn-lt"/>
+                <a:ea typeface="+mn-ea"/>
+                <a:cs typeface="+mn-cs"/>
+              </a:defRPr>
+            </a:lvl7pPr>
+            <a:lvl8pPr marL="3429000" indent="-228600" algn="l" defTabSz="914400" rtl="0" eaLnBrk="1" latinLnBrk="0" hangingPunct="1">
+              <a:spcBef>
+                <a:spcPct val="20000"/>
+              </a:spcBef>
+              <a:buFont typeface="Arial" panose="020B0604020202020204" pitchFamily="34" charset="0"/>
+              <a:buChar char="•"/>
+              <a:defRPr sz="2000" kern="1200">
+                <a:solidFill>
+                  <a:schemeClr val="tx1"/>
+                </a:solidFill>
+                <a:latin typeface="+mn-lt"/>
+                <a:ea typeface="+mn-ea"/>
+                <a:cs typeface="+mn-cs"/>
+              </a:defRPr>
+            </a:lvl8pPr>
+            <a:lvl9pPr marL="3886200" indent="-228600" algn="l" defTabSz="914400" rtl="0" eaLnBrk="1" latinLnBrk="0" hangingPunct="1">
+              <a:spcBef>
+                <a:spcPct val="20000"/>
+              </a:spcBef>
+              <a:buFont typeface="Arial" panose="020B0604020202020204" pitchFamily="34" charset="0"/>
+              <a:buChar char="•"/>
+              <a:defRPr sz="2000" kern="1200">
+                <a:solidFill>
+                  <a:schemeClr val="tx1"/>
+                </a:solidFill>
+                <a:latin typeface="+mn-lt"/>
+                <a:ea typeface="+mn-ea"/>
+                <a:cs typeface="+mn-cs"/>
+              </a:defRPr>
+            </a:lvl9pPr>
+          </a:lstStyle>
+          <a:p>
+            <a:pPr marL="177800" indent="-177800"/>
+            <a:r>
+              <a:rPr lang="en-US" sz="1800" b="1" dirty="0"/>
+              <a:t>EAX, EBX, ECX </a:t>
+            </a:r>
+            <a:r>
+              <a:rPr lang="ru-RU" sz="1800" b="1" dirty="0"/>
+              <a:t>и </a:t>
+            </a:r>
+            <a:r>
+              <a:rPr lang="en-US" sz="1800" b="1" dirty="0"/>
+              <a:t>EDX</a:t>
+            </a:r>
+            <a:r>
+              <a:rPr lang="ru-RU" sz="1800" b="1" dirty="0"/>
+              <a:t> – 32 разрядные </a:t>
+            </a:r>
+            <a:r>
+              <a:rPr lang="en-US" sz="1800" b="1" dirty="0"/>
+              <a:t>GPR</a:t>
+            </a:r>
+            <a:endParaRPr lang="ru-RU" sz="1800" b="1" dirty="0"/>
+          </a:p>
+          <a:p>
+            <a:pPr marL="577850" lvl="2" indent="-177800">
+              <a:tabLst>
+                <a:tab pos="625475" algn="l"/>
+              </a:tabLst>
+            </a:pPr>
+            <a:r>
+              <a:rPr lang="en-US" sz="1700" dirty="0"/>
+              <a:t>(GPR - </a:t>
+            </a:r>
+            <a:r>
+              <a:rPr lang="ru-RU" sz="1700" dirty="0"/>
+              <a:t>регистры общего назначения);</a:t>
+            </a:r>
+            <a:endParaRPr lang="en-US" sz="1700" dirty="0"/>
+          </a:p>
+          <a:p>
+            <a:pPr marL="577850" lvl="2" indent="-177800">
+              <a:tabLst>
+                <a:tab pos="625475" algn="l"/>
+              </a:tabLst>
+            </a:pPr>
+            <a:r>
+              <a:rPr lang="ru-RU" sz="1700" dirty="0"/>
+              <a:t> также допустимы регистры 8 и 16 бит</a:t>
+            </a:r>
+          </a:p>
+          <a:p>
+            <a:pPr marL="577850" lvl="2" indent="-177800">
+              <a:tabLst>
+                <a:tab pos="625475" algn="l"/>
+              </a:tabLst>
+            </a:pPr>
+            <a:r>
+              <a:rPr lang="en-US" sz="1700" b="1" dirty="0"/>
+              <a:t>EAX</a:t>
+            </a:r>
+            <a:r>
+              <a:rPr lang="en-US" sz="1700" dirty="0"/>
+              <a:t> — </a:t>
+            </a:r>
+            <a:r>
+              <a:rPr lang="ru-RU" sz="1700" dirty="0"/>
+              <a:t>основной арифметический регистр; </a:t>
+            </a:r>
+            <a:endParaRPr lang="en-US" sz="1700" dirty="0"/>
+          </a:p>
+          <a:p>
+            <a:pPr marL="806450" lvl="3" indent="-177800"/>
+            <a:r>
+              <a:rPr lang="ru-RU" sz="1600" dirty="0"/>
+              <a:t>EBX предназначен для хранения указателей (адресов памяти); </a:t>
+            </a:r>
+            <a:endParaRPr lang="en-US" sz="1600" dirty="0"/>
+          </a:p>
+          <a:p>
+            <a:pPr marL="577850" lvl="2" indent="-177800"/>
+            <a:r>
+              <a:rPr lang="ru-RU" sz="1700" b="1" dirty="0"/>
+              <a:t>ECX</a:t>
+            </a:r>
+            <a:r>
+              <a:rPr lang="en-US" sz="1700" dirty="0"/>
+              <a:t> </a:t>
+            </a:r>
+            <a:r>
+              <a:rPr lang="ru-RU" sz="1700" dirty="0"/>
+              <a:t>связан с организацией циклов; </a:t>
+            </a:r>
+            <a:endParaRPr lang="en-US" sz="1700" dirty="0"/>
+          </a:p>
+          <a:p>
+            <a:pPr marL="577850" lvl="2" indent="-177800"/>
+            <a:r>
+              <a:rPr lang="ru-RU" sz="1700" b="1" dirty="0"/>
+              <a:t>EDX</a:t>
+            </a:r>
+            <a:r>
+              <a:rPr lang="ru-RU" sz="1700" dirty="0"/>
+              <a:t> нужен для умножения и деления </a:t>
+            </a:r>
+          </a:p>
+          <a:p>
+            <a:pPr marL="714375" lvl="3" indent="-85725"/>
+            <a:r>
+              <a:rPr lang="ru-RU" sz="1600" dirty="0"/>
+              <a:t>вместе с EAX 64-разрядные произведения   и делимые.</a:t>
+            </a:r>
+            <a:endParaRPr lang="en-US" sz="1600" dirty="0"/>
+          </a:p>
+          <a:p>
+            <a:pPr marL="177800" indent="-177800"/>
+            <a:r>
+              <a:rPr lang="ru-RU" sz="1800" b="1" dirty="0"/>
+              <a:t>ESI и </a:t>
+            </a:r>
+            <a:r>
+              <a:rPr lang="en-US" sz="1800" b="1" dirty="0"/>
+              <a:t>EDI </a:t>
+            </a:r>
+            <a:r>
+              <a:rPr lang="ru-RU" sz="1800" dirty="0"/>
+              <a:t>- указатели строковых команд:</a:t>
+            </a:r>
+          </a:p>
+          <a:p>
+            <a:pPr marL="541338" lvl="1" indent="-144463">
+              <a:buFont typeface="Arial" panose="020B0604020202020204" pitchFamily="34" charset="0"/>
+              <a:buChar char="•"/>
+            </a:pPr>
+            <a:r>
+              <a:rPr lang="ru-RU" sz="1700" dirty="0"/>
+              <a:t> </a:t>
+            </a:r>
+            <a:r>
+              <a:rPr lang="ru-RU" sz="1700" b="1" dirty="0"/>
+              <a:t>ESI</a:t>
+            </a:r>
+            <a:r>
+              <a:rPr lang="ru-RU" sz="1700" dirty="0"/>
+              <a:t> указывает на исходную строку,</a:t>
+            </a:r>
+          </a:p>
+          <a:p>
+            <a:pPr marL="541338" lvl="1" indent="-144463">
+              <a:buFont typeface="Arial" panose="020B0604020202020204" pitchFamily="34" charset="0"/>
+              <a:buChar char="•"/>
+            </a:pPr>
+            <a:r>
+              <a:rPr lang="ru-RU" sz="1700" dirty="0"/>
+              <a:t> </a:t>
+            </a:r>
+            <a:r>
+              <a:rPr lang="ru-RU" sz="1700" b="1" dirty="0"/>
+              <a:t>EDI</a:t>
+            </a:r>
+            <a:r>
+              <a:rPr lang="ru-RU" sz="1700" dirty="0"/>
+              <a:t> — на целевую.</a:t>
+            </a:r>
+          </a:p>
+          <a:p>
+            <a:pPr marL="177800" indent="-165100"/>
+            <a:r>
+              <a:rPr lang="ru-RU" sz="1800" b="1" dirty="0"/>
+              <a:t>EBP</a:t>
+            </a:r>
+            <a:r>
+              <a:rPr lang="ru-RU" sz="1800" dirty="0"/>
+              <a:t> предназначен для хранения указателей</a:t>
+            </a:r>
+          </a:p>
+          <a:p>
+            <a:pPr marL="0" indent="0">
+              <a:buNone/>
+            </a:pPr>
+            <a:r>
+              <a:rPr lang="ru-RU" sz="1800" b="1" dirty="0"/>
+              <a:t>   (указатель кадра)</a:t>
+            </a:r>
+            <a:r>
+              <a:rPr lang="ru-RU" sz="1800" dirty="0"/>
+              <a:t>. </a:t>
+            </a:r>
+          </a:p>
+          <a:p>
+            <a:pPr marL="177800" indent="-165100"/>
+            <a:r>
+              <a:rPr lang="ru-RU" sz="1800" b="1" dirty="0"/>
+              <a:t>ESP</a:t>
+            </a:r>
+            <a:r>
+              <a:rPr lang="ru-RU" sz="1800" dirty="0"/>
+              <a:t> — это указатель стека</a:t>
+            </a:r>
+          </a:p>
+          <a:p>
+            <a:pPr marL="177800" indent="-165100"/>
+            <a:r>
+              <a:rPr lang="en-US" sz="1800" b="1" dirty="0"/>
+              <a:t>EIP</a:t>
+            </a:r>
+            <a:r>
+              <a:rPr lang="ru-RU" sz="1800" dirty="0"/>
+              <a:t> – счетчик команд</a:t>
+            </a:r>
+          </a:p>
+          <a:p>
+            <a:pPr marL="177800" indent="-165100"/>
+            <a:r>
+              <a:rPr lang="en-US" sz="1800" b="1" dirty="0"/>
+              <a:t>EFLAGS</a:t>
+            </a:r>
+            <a:r>
+              <a:rPr lang="en-US" sz="1800" dirty="0"/>
+              <a:t> — </a:t>
+            </a:r>
+            <a:r>
+              <a:rPr lang="ru-RU" sz="1800" dirty="0" err="1"/>
+              <a:t>флаговый</a:t>
+            </a:r>
+            <a:r>
+              <a:rPr lang="ru-RU" sz="1800" dirty="0"/>
+              <a:t> регистр.</a:t>
+            </a:r>
+          </a:p>
+          <a:p>
+            <a:pPr marL="177800" indent="-165100"/>
+            <a:r>
+              <a:rPr lang="en-US" sz="1800" b="1" dirty="0"/>
+              <a:t>CS-GS</a:t>
+            </a:r>
+            <a:r>
+              <a:rPr lang="en-US" sz="1800" dirty="0"/>
+              <a:t> </a:t>
+            </a:r>
+            <a:r>
+              <a:rPr lang="ru-RU" sz="1800" dirty="0"/>
+              <a:t>сегментные регистры.</a:t>
+            </a:r>
+          </a:p>
+        </p:txBody>
+      </p:sp>
+    </p:spTree>
+    <p:extLst>
+      <p:ext uri="{BB962C8B-B14F-4D97-AF65-F5344CB8AC3E}">
+        <p14:creationId xmlns:p14="http://schemas.microsoft.com/office/powerpoint/2010/main" val="2678361880"/>
+      </p:ext>
+    </p:extLst>
+  </p:cSld>
+  <p:clrMapOvr>
+    <a:masterClrMapping/>
+  </p:clrMapOvr>
+  <p:timing>
+    <p:tnLst>
+      <p:par>
+        <p:cTn id="1" dur="indefinite" restart="never" nodeType="tmRoot"/>
+      </p:par>
+    </p:tnLst>
+  </p:timing>
+</p:sld>
+</file>
+
+<file path=ppt/slides/slide25.xml><?xml version="1.0" encoding="utf-8"?>
+<p:sld xmlns:a="http://schemas.openxmlformats.org/drawingml/2006/main" xmlns:r="http://schemas.openxmlformats.org/officeDocument/2006/relationships" xmlns:p="http://schemas.openxmlformats.org/presentationml/2006/main">
+  <p:cSld>
+    <p:spTree>
+      <p:nvGrpSpPr>
+        <p:cNvPr id="1" name=""/>
+        <p:cNvGrpSpPr/>
+        <p:nvPr/>
+      </p:nvGrpSpPr>
+      <p:grpSpPr>
+        <a:xfrm>
+          <a:off x="0" y="0"/>
+          <a:ext cx="0" cy="0"/>
+          <a:chOff x="0" y="0"/>
+          <a:chExt cx="0" cy="0"/>
+        </a:xfrm>
+      </p:grpSpPr>
+      <p:sp>
+        <p:nvSpPr>
+          <p:cNvPr id="2" name="Заголовок 1"/>
+          <p:cNvSpPr>
+            <a:spLocks noGrp="1"/>
+          </p:cNvSpPr>
+          <p:nvPr>
             <p:ph type="title"/>
           </p:nvPr>
         </p:nvSpPr>
@@ -7728,8 +8235,8 @@
               <a:t> Регистровая память. Регистр флагов. Операционные </a:t>
             </a:r>
             <a:r>
-              <a:rPr lang="ru-RU" sz="2400" b="1" dirty="0" err="1"/>
-              <a:t>фалги</a:t>
+              <a:rPr lang="ru-RU" sz="2400" b="1" dirty="0" smtClean="0"/>
+              <a:t>флаги</a:t>
             </a:r>
             <a:endParaRPr lang="ru-RU" sz="2400" dirty="0"/>
           </a:p>
@@ -8101,7 +8608,7 @@
 </p:sld>
 </file>
 
-<file path=ppt/slides/slide24.xml><?xml version="1.0" encoding="utf-8"?>
+<file path=ppt/slides/slide26.xml><?xml version="1.0" encoding="utf-8"?>
 <p:sld xmlns:a="http://schemas.openxmlformats.org/drawingml/2006/main" xmlns:r="http://schemas.openxmlformats.org/officeDocument/2006/relationships" xmlns:p="http://schemas.openxmlformats.org/presentationml/2006/main">
   <p:cSld>
     <p:spTree>
@@ -8497,7 +9004,7 @@
 </p:sld>
 </file>
 
-<file path=ppt/slides/slide25.xml><?xml version="1.0" encoding="utf-8"?>
+<file path=ppt/slides/slide27.xml><?xml version="1.0" encoding="utf-8"?>
 <p:sld xmlns:a="http://schemas.openxmlformats.org/drawingml/2006/main" xmlns:r="http://schemas.openxmlformats.org/officeDocument/2006/relationships" xmlns:p="http://schemas.openxmlformats.org/presentationml/2006/main">
   <p:cSld>
     <p:spTree>
@@ -8818,449 +9325,6 @@
 </p:sld>
 </file>
 
-<file path=ppt/slides/slide26.xml><?xml version="1.0" encoding="utf-8"?>
-<p:sld xmlns:a="http://schemas.openxmlformats.org/drawingml/2006/main" xmlns:r="http://schemas.openxmlformats.org/officeDocument/2006/relationships" xmlns:p="http://schemas.openxmlformats.org/presentationml/2006/main">
-  <p:cSld>
-    <p:spTree>
-      <p:nvGrpSpPr>
-        <p:cNvPr id="1" name=""/>
-        <p:cNvGrpSpPr/>
-        <p:nvPr/>
-      </p:nvGrpSpPr>
-      <p:grpSpPr>
-        <a:xfrm>
-          <a:off x="0" y="0"/>
-          <a:ext cx="0" cy="0"/>
-          <a:chOff x="0" y="0"/>
-          <a:chExt cx="0" cy="0"/>
-        </a:xfrm>
-      </p:grpSpPr>
-      <p:sp>
-        <p:nvSpPr>
-          <p:cNvPr id="2" name="Заголовок 1"/>
-          <p:cNvSpPr>
-            <a:spLocks noGrp="1"/>
-          </p:cNvSpPr>
-          <p:nvPr>
-            <p:ph type="title"/>
-          </p:nvPr>
-        </p:nvSpPr>
-        <p:spPr>
-          <a:xfrm>
-            <a:off x="488032" y="116632"/>
-            <a:ext cx="8229600" cy="720080"/>
-          </a:xfrm>
-        </p:spPr>
-        <p:txBody>
-          <a:bodyPr>
-            <a:noAutofit/>
-          </a:bodyPr>
-          <a:lstStyle/>
-          <a:p>
-            <a:r>
-              <a:rPr lang="ru-RU" sz="2800" b="1" dirty="0"/>
-              <a:t>Модель памяти процессора</a:t>
-            </a:r>
-            <a:r>
-              <a:rPr lang="en-US" sz="2800" b="1" dirty="0"/>
-              <a:t>. </a:t>
-            </a:r>
-            <a:r>
-              <a:rPr lang="ru-RU" sz="2800" b="1" dirty="0"/>
-              <a:t>Виды команд</a:t>
-            </a:r>
-            <a:r>
-              <a:rPr lang="en-US" sz="2800" b="1" dirty="0"/>
-              <a:t> X86-X64</a:t>
-            </a:r>
-            <a:r>
-              <a:rPr lang="ru-RU" sz="2800" b="1" dirty="0"/>
-              <a:t> </a:t>
-            </a:r>
-          </a:p>
-        </p:txBody>
-      </p:sp>
-      <p:sp>
-        <p:nvSpPr>
-          <p:cNvPr id="3" name="Объект 2"/>
-          <p:cNvSpPr>
-            <a:spLocks noGrp="1"/>
-          </p:cNvSpPr>
-          <p:nvPr>
-            <p:ph idx="1"/>
-          </p:nvPr>
-        </p:nvSpPr>
-        <p:spPr>
-          <a:xfrm>
-            <a:off x="467544" y="692696"/>
-            <a:ext cx="8435280" cy="5904656"/>
-          </a:xfrm>
-        </p:spPr>
-        <p:txBody>
-          <a:bodyPr>
-            <a:normAutofit/>
-          </a:bodyPr>
-          <a:lstStyle/>
-          <a:p>
-            <a:pPr>
-              <a:lnSpc>
-                <a:spcPct val="120000"/>
-              </a:lnSpc>
-              <a:spcBef>
-                <a:spcPts val="200"/>
-              </a:spcBef>
-            </a:pPr>
-            <a:r>
-              <a:rPr lang="ru-RU" sz="2400" b="1" dirty="0"/>
-              <a:t>Команды общего назначения. Основные x86 целочисленные команды.</a:t>
-            </a:r>
-          </a:p>
-          <a:p>
-            <a:pPr lvl="1">
-              <a:lnSpc>
-                <a:spcPct val="120000"/>
-              </a:lnSpc>
-              <a:spcBef>
-                <a:spcPts val="200"/>
-              </a:spcBef>
-            </a:pPr>
-            <a:r>
-              <a:rPr lang="ru-RU" sz="2000" dirty="0"/>
-              <a:t>Большинство из них предназначены для загрузки, сохранения, обработки данных, расположенных в регистрах общего назначения или памяти. Некоторые из этих инструкций управляют потоком команд, обеспечивая переход к другому месту в программе.</a:t>
-            </a:r>
-          </a:p>
-          <a:p>
-            <a:pPr>
-              <a:lnSpc>
-                <a:spcPct val="120000"/>
-              </a:lnSpc>
-              <a:spcBef>
-                <a:spcPts val="200"/>
-              </a:spcBef>
-            </a:pPr>
-            <a:r>
-              <a:rPr lang="ru-RU" sz="2400" b="1" dirty="0"/>
-              <a:t>x87 команды. Обрабатывают данные в x87 регистрах</a:t>
-            </a:r>
-            <a:r>
-              <a:rPr lang="en-US" sz="2400" b="1" dirty="0"/>
-              <a:t> (FUP </a:t>
-            </a:r>
-            <a:r>
-              <a:rPr lang="ru-RU" sz="2400" b="1" dirty="0"/>
-              <a:t>сопроцессор).</a:t>
-            </a:r>
-          </a:p>
-          <a:p>
-            <a:pPr lvl="1">
-              <a:lnSpc>
-                <a:spcPct val="120000"/>
-              </a:lnSpc>
-              <a:spcBef>
-                <a:spcPts val="200"/>
-              </a:spcBef>
-            </a:pPr>
-            <a:r>
-              <a:rPr lang="ru-RU" sz="2000" dirty="0"/>
-              <a:t>Предназначены для работы с плавающей точкой в x87 приложениях. </a:t>
-            </a:r>
-          </a:p>
-        </p:txBody>
-      </p:sp>
-    </p:spTree>
-    <p:extLst>
-      <p:ext uri="{BB962C8B-B14F-4D97-AF65-F5344CB8AC3E}">
-        <p14:creationId xmlns:p14="http://schemas.microsoft.com/office/powerpoint/2010/main" val="1031135886"/>
-      </p:ext>
-    </p:extLst>
-  </p:cSld>
-  <p:clrMapOvr>
-    <a:masterClrMapping/>
-  </p:clrMapOvr>
-  <p:timing>
-    <p:tnLst>
-      <p:par>
-        <p:cTn id="1" dur="indefinite" restart="never" nodeType="tmRoot"/>
-      </p:par>
-    </p:tnLst>
-  </p:timing>
-</p:sld>
-</file>
-
-<file path=ppt/slides/slide27.xml><?xml version="1.0" encoding="utf-8"?>
-<p:sld xmlns:a="http://schemas.openxmlformats.org/drawingml/2006/main" xmlns:r="http://schemas.openxmlformats.org/officeDocument/2006/relationships" xmlns:p="http://schemas.openxmlformats.org/presentationml/2006/main">
-  <p:cSld>
-    <p:spTree>
-      <p:nvGrpSpPr>
-        <p:cNvPr id="1" name=""/>
-        <p:cNvGrpSpPr/>
-        <p:nvPr/>
-      </p:nvGrpSpPr>
-      <p:grpSpPr>
-        <a:xfrm>
-          <a:off x="0" y="0"/>
-          <a:ext cx="0" cy="0"/>
-          <a:chOff x="0" y="0"/>
-          <a:chExt cx="0" cy="0"/>
-        </a:xfrm>
-      </p:grpSpPr>
-      <p:sp>
-        <p:nvSpPr>
-          <p:cNvPr id="2" name="Заголовок 1"/>
-          <p:cNvSpPr>
-            <a:spLocks noGrp="1"/>
-          </p:cNvSpPr>
-          <p:nvPr>
-            <p:ph type="title"/>
-          </p:nvPr>
-        </p:nvSpPr>
-        <p:spPr>
-          <a:xfrm>
-            <a:off x="488032" y="116632"/>
-            <a:ext cx="8229600" cy="720080"/>
-          </a:xfrm>
-        </p:spPr>
-        <p:txBody>
-          <a:bodyPr>
-            <a:noAutofit/>
-          </a:bodyPr>
-          <a:lstStyle/>
-          <a:p>
-            <a:r>
-              <a:rPr lang="ru-RU" sz="2800" b="1" dirty="0"/>
-              <a:t>Модель памяти процессора</a:t>
-            </a:r>
-            <a:r>
-              <a:rPr lang="en-US" sz="2800" b="1" dirty="0"/>
-              <a:t>. </a:t>
-            </a:r>
-            <a:r>
-              <a:rPr lang="ru-RU" sz="2800" b="1" dirty="0"/>
-              <a:t>Виды команд</a:t>
-            </a:r>
-            <a:r>
-              <a:rPr lang="en-US" sz="2800" b="1" dirty="0"/>
-              <a:t> X86-X64</a:t>
-            </a:r>
-            <a:r>
-              <a:rPr lang="ru-RU" sz="2800" b="1" dirty="0"/>
-              <a:t> </a:t>
-            </a:r>
-          </a:p>
-        </p:txBody>
-      </p:sp>
-      <p:sp>
-        <p:nvSpPr>
-          <p:cNvPr id="3" name="Объект 2"/>
-          <p:cNvSpPr>
-            <a:spLocks noGrp="1"/>
-          </p:cNvSpPr>
-          <p:nvPr>
-            <p:ph idx="1"/>
-          </p:nvPr>
-        </p:nvSpPr>
-        <p:spPr>
-          <a:xfrm>
-            <a:off x="323528" y="692696"/>
-            <a:ext cx="8579296" cy="5904656"/>
-          </a:xfrm>
-        </p:spPr>
-        <p:txBody>
-          <a:bodyPr>
-            <a:normAutofit fontScale="70000" lnSpcReduction="20000"/>
-          </a:bodyPr>
-          <a:lstStyle/>
-          <a:p>
-            <a:pPr>
-              <a:lnSpc>
-                <a:spcPct val="120000"/>
-              </a:lnSpc>
-              <a:spcBef>
-                <a:spcPts val="200"/>
-              </a:spcBef>
-            </a:pPr>
-            <a:r>
-              <a:rPr lang="ru-RU" b="1" dirty="0"/>
-              <a:t>128-битные медиа-команды. SSE, SSE2 и </a:t>
-            </a:r>
-            <a:r>
-              <a:rPr lang="en-US" b="1" dirty="0"/>
-              <a:t>SSE3</a:t>
-            </a:r>
-            <a:r>
-              <a:rPr lang="ru-RU" b="1" dirty="0"/>
-              <a:t> (</a:t>
-            </a:r>
-            <a:r>
-              <a:rPr lang="ru-RU" b="1" dirty="0" err="1"/>
-              <a:t>streaming</a:t>
-            </a:r>
-            <a:r>
-              <a:rPr lang="ru-RU" b="1" dirty="0"/>
-              <a:t> SIMD </a:t>
-            </a:r>
-            <a:r>
-              <a:rPr lang="ru-RU" b="1" dirty="0" err="1"/>
-              <a:t>extension</a:t>
-            </a:r>
-            <a:r>
-              <a:rPr lang="ru-RU" b="1" dirty="0"/>
-              <a:t>).</a:t>
-            </a:r>
-          </a:p>
-          <a:p>
-            <a:pPr lvl="1">
-              <a:lnSpc>
-                <a:spcPct val="120000"/>
-              </a:lnSpc>
-              <a:spcBef>
-                <a:spcPts val="200"/>
-              </a:spcBef>
-            </a:pPr>
-            <a:r>
-              <a:rPr lang="ru-RU" sz="2900" dirty="0"/>
-              <a:t>Команды предназначенные для загрузки, сохранения, или обработки данных, расположенных в 128-битных XMM регистрах. </a:t>
-            </a:r>
-          </a:p>
-          <a:p>
-            <a:pPr lvl="1">
-              <a:lnSpc>
-                <a:spcPct val="120000"/>
-              </a:lnSpc>
-              <a:spcBef>
-                <a:spcPts val="200"/>
-              </a:spcBef>
-            </a:pPr>
-            <a:r>
-              <a:rPr lang="ru-RU" sz="2900" dirty="0"/>
-              <a:t>Команды выполняют операции  целочисленные или с плавающей точкой над векторными (упакованными) и скалярными типами данных. </a:t>
-            </a:r>
-          </a:p>
-          <a:p>
-            <a:pPr lvl="1">
-              <a:lnSpc>
-                <a:spcPct val="120000"/>
-              </a:lnSpc>
-              <a:spcBef>
-                <a:spcPts val="200"/>
-              </a:spcBef>
-            </a:pPr>
-            <a:r>
-              <a:rPr lang="ru-RU" sz="2900" dirty="0"/>
-              <a:t>Векторные инструкции могут независимо выполнять одну операцию над множеством данных (SIMD) командами. </a:t>
-            </a:r>
-          </a:p>
-          <a:p>
-            <a:pPr lvl="1">
-              <a:lnSpc>
-                <a:spcPct val="120000"/>
-              </a:lnSpc>
-              <a:spcBef>
-                <a:spcPts val="200"/>
-              </a:spcBef>
-            </a:pPr>
-            <a:r>
-              <a:rPr lang="ru-RU" sz="2900" dirty="0"/>
-              <a:t>Векторные команды используются для медиа- и научных приложений для обработки блоков данных.</a:t>
-            </a:r>
-          </a:p>
-          <a:p>
-            <a:pPr>
-              <a:lnSpc>
-                <a:spcPct val="120000"/>
-              </a:lnSpc>
-              <a:spcBef>
-                <a:spcPts val="200"/>
-              </a:spcBef>
-            </a:pPr>
-            <a:r>
-              <a:rPr lang="ru-RU" b="1" dirty="0"/>
-              <a:t>64-битные медиа-команды. </a:t>
-            </a:r>
-            <a:r>
-              <a:rPr lang="en-US" b="1" dirty="0"/>
-              <a:t>M</a:t>
-            </a:r>
-            <a:r>
-              <a:rPr lang="ru-RU" b="1" dirty="0" err="1"/>
-              <a:t>ultimedia</a:t>
-            </a:r>
-            <a:r>
-              <a:rPr lang="ru-RU" b="1" dirty="0"/>
-              <a:t> </a:t>
-            </a:r>
-            <a:r>
-              <a:rPr lang="ru-RU" b="1" dirty="0" err="1"/>
-              <a:t>extension</a:t>
-            </a:r>
-            <a:r>
-              <a:rPr lang="ru-RU" b="1" dirty="0"/>
-              <a:t> (MMX) и 3DNow! команды</a:t>
-            </a:r>
-            <a:r>
-              <a:rPr lang="ru-RU" dirty="0"/>
-              <a:t>. </a:t>
-            </a:r>
-            <a:endParaRPr lang="en-US" dirty="0"/>
-          </a:p>
-          <a:p>
-            <a:pPr lvl="1">
-              <a:lnSpc>
-                <a:spcPct val="120000"/>
-              </a:lnSpc>
-              <a:spcBef>
-                <a:spcPts val="200"/>
-              </a:spcBef>
-            </a:pPr>
-            <a:r>
-              <a:rPr lang="ru-RU" sz="2900" dirty="0"/>
-              <a:t>Команды сохраняют, восстанавливают и обрабатывают данные, расположенные в 64-битных MMX регистрах. </a:t>
-            </a:r>
-          </a:p>
-          <a:p>
-            <a:pPr lvl="1">
-              <a:lnSpc>
-                <a:spcPct val="120000"/>
-              </a:lnSpc>
-              <a:spcBef>
-                <a:spcPts val="200"/>
-              </a:spcBef>
-            </a:pPr>
-            <a:r>
-              <a:rPr lang="ru-RU" sz="2900" dirty="0"/>
-              <a:t>Команды  выполняют операции целочисленные и с плавающей точкой надо векторными (упакованными) и скалярными данными как и </a:t>
-            </a:r>
-            <a:r>
-              <a:rPr lang="en-US" sz="2900" dirty="0"/>
-              <a:t>XMM</a:t>
-            </a:r>
-            <a:r>
-              <a:rPr lang="ru-RU" sz="2900" dirty="0"/>
-              <a:t>.</a:t>
-            </a:r>
-          </a:p>
-        </p:txBody>
-      </p:sp>
-    </p:spTree>
-    <p:extLst>
-      <p:ext uri="{BB962C8B-B14F-4D97-AF65-F5344CB8AC3E}">
-        <p14:creationId xmlns:p14="http://schemas.microsoft.com/office/powerpoint/2010/main" val="3537811471"/>
-      </p:ext>
-    </p:extLst>
-  </p:cSld>
-  <p:clrMapOvr>
-    <a:masterClrMapping/>
-  </p:clrMapOvr>
-  <p:timing>
-    <p:tnLst>
-      <p:par>
-        <p:cTn id="1" dur="indefinite" restart="never" nodeType="tmRoot"/>
-      </p:par>
-    </p:tnLst>
-  </p:timing>
-</p:sld>
-</file>
-
 <file path=ppt/slides/slide28.xml><?xml version="1.0" encoding="utf-8"?>
 <p:sld xmlns:a="http://schemas.openxmlformats.org/drawingml/2006/main" xmlns:r="http://schemas.openxmlformats.org/officeDocument/2006/relationships" xmlns:p="http://schemas.openxmlformats.org/presentationml/2006/main">
   <p:cSld>
@@ -9285,47 +9349,127 @@
             <a:spLocks noGrp="1"/>
           </p:cNvSpPr>
           <p:nvPr>
-            <p:ph type="ctrTitle"/>
+            <p:ph type="title"/>
           </p:nvPr>
         </p:nvSpPr>
-        <p:spPr/>
-        <p:txBody>
-          <a:bodyPr/>
+        <p:spPr>
+          <a:xfrm>
+            <a:off x="488032" y="116632"/>
+            <a:ext cx="8229600" cy="720080"/>
+          </a:xfrm>
+        </p:spPr>
+        <p:txBody>
+          <a:bodyPr>
+            <a:noAutofit/>
+          </a:bodyPr>
           <a:lstStyle/>
           <a:p>
             <a:r>
-              <a:rPr lang="ru-RU" dirty="0"/>
-              <a:t>Режимы работы процессора по принципу организации памяти</a:t>
-            </a:r>
-          </a:p>
-        </p:txBody>
-      </p:sp>
-      <p:sp>
-        <p:nvSpPr>
-          <p:cNvPr id="3" name="Подзаголовок 2"/>
+              <a:rPr lang="ru-RU" sz="2800" b="1" dirty="0"/>
+              <a:t>Модель памяти процессора</a:t>
+            </a:r>
+            <a:r>
+              <a:rPr lang="en-US" sz="2800" b="1" dirty="0"/>
+              <a:t>. </a:t>
+            </a:r>
+            <a:r>
+              <a:rPr lang="ru-RU" sz="2800" b="1" dirty="0"/>
+              <a:t>Виды команд</a:t>
+            </a:r>
+            <a:r>
+              <a:rPr lang="en-US" sz="2800" b="1" dirty="0"/>
+              <a:t> X86-X64</a:t>
+            </a:r>
+            <a:r>
+              <a:rPr lang="ru-RU" sz="2800" b="1" dirty="0"/>
+              <a:t> </a:t>
+            </a:r>
+          </a:p>
+        </p:txBody>
+      </p:sp>
+      <p:sp>
+        <p:nvSpPr>
+          <p:cNvPr id="3" name="Объект 2"/>
           <p:cNvSpPr>
             <a:spLocks noGrp="1"/>
           </p:cNvSpPr>
           <p:nvPr>
-            <p:ph type="subTitle" idx="1"/>
+            <p:ph idx="1"/>
           </p:nvPr>
         </p:nvSpPr>
-        <p:spPr/>
+        <p:spPr>
+          <a:xfrm>
+            <a:off x="467544" y="692696"/>
+            <a:ext cx="8435280" cy="5904656"/>
+          </a:xfrm>
+        </p:spPr>
         <p:txBody>
           <a:bodyPr>
-            <a:normAutofit fontScale="92500" lnSpcReduction="20000"/>
+            <a:normAutofit/>
           </a:bodyPr>
           <a:lstStyle/>
           <a:p>
-            <a:r>
-              <a:rPr lang="ru-RU" b="1" dirty="0"/>
-              <a:t>Лекция 3. Модель памяти процессоров</a:t>
-            </a:r>
-          </a:p>
-          <a:p>
-            <a:r>
-              <a:rPr lang="ru-RU" dirty="0"/>
-              <a:t>Аппаратные средства телекоммуникационных систем</a:t>
+            <a:pPr>
+              <a:lnSpc>
+                <a:spcPct val="120000"/>
+              </a:lnSpc>
+              <a:spcBef>
+                <a:spcPts val="200"/>
+              </a:spcBef>
+            </a:pPr>
+            <a:r>
+              <a:rPr lang="ru-RU" sz="2400" b="1" dirty="0"/>
+              <a:t>Команды общего назначения. Основные x86 целочисленные команды.</a:t>
+            </a:r>
+          </a:p>
+          <a:p>
+            <a:pPr lvl="1">
+              <a:lnSpc>
+                <a:spcPct val="120000"/>
+              </a:lnSpc>
+              <a:spcBef>
+                <a:spcPts val="200"/>
+              </a:spcBef>
+            </a:pPr>
+            <a:r>
+              <a:rPr lang="ru-RU" sz="2000" dirty="0"/>
+              <a:t>Большинство из них предназначены для загрузки, сохранения, обработки данных, расположенных в регистрах общего назначения или памяти. Некоторые из этих инструкций управляют потоком команд, обеспечивая переход к другому месту в программе.</a:t>
+            </a:r>
+          </a:p>
+          <a:p>
+            <a:pPr>
+              <a:lnSpc>
+                <a:spcPct val="120000"/>
+              </a:lnSpc>
+              <a:spcBef>
+                <a:spcPts val="200"/>
+              </a:spcBef>
+            </a:pPr>
+            <a:r>
+              <a:rPr lang="ru-RU" sz="2400" b="1" dirty="0"/>
+              <a:t>x87 команды. Обрабатывают данные в x87 регистрах</a:t>
+            </a:r>
+            <a:r>
+              <a:rPr lang="en-US" sz="2400" b="1" dirty="0"/>
+              <a:t> (FUP </a:t>
+            </a:r>
+            <a:r>
+              <a:rPr lang="ru-RU" sz="2400" b="1" dirty="0"/>
+              <a:t>сопроцессор).</a:t>
+            </a:r>
+          </a:p>
+          <a:p>
+            <a:pPr lvl="1">
+              <a:lnSpc>
+                <a:spcPct val="120000"/>
+              </a:lnSpc>
+              <a:spcBef>
+                <a:spcPts val="200"/>
+              </a:spcBef>
+            </a:pPr>
+            <a:r>
+              <a:rPr lang="ru-RU" sz="2000" dirty="0"/>
+              <a:t>Предназначены для работы с плавающей точкой в x87 приложениях. </a:t>
             </a:r>
           </a:p>
         </p:txBody>
@@ -9333,7 +9477,7 @@
     </p:spTree>
     <p:extLst>
       <p:ext uri="{BB962C8B-B14F-4D97-AF65-F5344CB8AC3E}">
-        <p14:creationId xmlns:p14="http://schemas.microsoft.com/office/powerpoint/2010/main" val="661279779"/>
+        <p14:creationId xmlns:p14="http://schemas.microsoft.com/office/powerpoint/2010/main" val="1031135886"/>
       </p:ext>
     </p:extLst>
   </p:cSld>
@@ -9391,219 +9535,215 @@
           <a:p>
             <a:r>
               <a:rPr lang="ru-RU" sz="2800" b="1" dirty="0"/>
-              <a:t>Модель памяти процессора. </a:t>
-            </a:r>
-            <a:br>
+              <a:t>Модель памяти процессора</a:t>
+            </a:r>
+            <a:r>
+              <a:rPr lang="en-US" sz="2800" b="1" dirty="0"/>
+              <a:t>. </a:t>
+            </a:r>
+            <a:r>
               <a:rPr lang="ru-RU" sz="2800" b="1" dirty="0"/>
-            </a:br>
+              <a:t>Виды команд</a:t>
+            </a:r>
+            <a:r>
+              <a:rPr lang="en-US" sz="2800" b="1" dirty="0"/>
+              <a:t> X86-X64</a:t>
+            </a:r>
             <a:r>
               <a:rPr lang="ru-RU" sz="2800" b="1" dirty="0"/>
-              <a:t>Режимы работы процессора.</a:t>
-            </a:r>
-          </a:p>
-        </p:txBody>
-      </p:sp>
-      <p:pic>
-        <p:nvPicPr>
-          <p:cNvPr id="4" name="Объект 3"/>
-          <p:cNvPicPr>
-            <a:picLocks noGrp="1" noChangeAspect="1"/>
-          </p:cNvPicPr>
+              <a:t> </a:t>
+            </a:r>
+          </a:p>
+        </p:txBody>
+      </p:sp>
+      <p:sp>
+        <p:nvSpPr>
+          <p:cNvPr id="3" name="Объект 2"/>
+          <p:cNvSpPr>
+            <a:spLocks noGrp="1"/>
+          </p:cNvSpPr>
           <p:nvPr>
             <p:ph idx="1"/>
           </p:nvPr>
-        </p:nvPicPr>
-        <p:blipFill>
-          <a:blip r:embed="rId2"/>
-          <a:stretch>
-            <a:fillRect/>
-          </a:stretch>
-        </p:blipFill>
+        </p:nvSpPr>
         <p:spPr>
           <a:xfrm>
-            <a:off x="3995936" y="3068960"/>
-            <a:ext cx="4966226" cy="3404408"/>
+            <a:off x="323528" y="692696"/>
+            <a:ext cx="8579296" cy="5904656"/>
           </a:xfrm>
-          <a:prstGeom prst="rect">
-            <a:avLst/>
-          </a:prstGeom>
         </p:spPr>
-      </p:pic>
-      <p:sp>
-        <p:nvSpPr>
-          <p:cNvPr id="5" name="TextBox 4"/>
-          <p:cNvSpPr txBox="1"/>
-          <p:nvPr/>
-        </p:nvSpPr>
-        <p:spPr>
-          <a:xfrm>
-            <a:off x="251520" y="908720"/>
-            <a:ext cx="8784976" cy="1862048"/>
-          </a:xfrm>
-          <a:prstGeom prst="rect">
-            <a:avLst/>
-          </a:prstGeom>
-          <a:noFill/>
-        </p:spPr>
-        <p:txBody>
-          <a:bodyPr wrap="square" rtlCol="0">
-            <a:spAutoFit/>
+        <p:txBody>
+          <a:bodyPr>
+            <a:normAutofit fontScale="70000" lnSpcReduction="20000"/>
           </a:bodyPr>
           <a:lstStyle/>
           <a:p>
             <a:pPr>
-              <a:spcBef>
-                <a:spcPts val="600"/>
-              </a:spcBef>
-            </a:pPr>
-            <a:r>
-              <a:rPr lang="ru-RU" sz="2000" b="1" dirty="0"/>
-              <a:t>Основные режимы </a:t>
-            </a:r>
-          </a:p>
-          <a:p>
-            <a:pPr marL="361950" indent="-361950">
-              <a:spcBef>
-                <a:spcPts val="600"/>
-              </a:spcBef>
-            </a:pPr>
-            <a:r>
-              <a:rPr lang="ru-RU" sz="2000" dirty="0"/>
-              <a:t>– </a:t>
-            </a:r>
-            <a:r>
-              <a:rPr lang="ru-RU" sz="2000" b="1" dirty="0"/>
-              <a:t>Реальный режим </a:t>
-            </a:r>
-            <a:r>
-              <a:rPr lang="ru-RU" sz="2000" dirty="0"/>
-              <a:t>(при включении, 64 </a:t>
-            </a:r>
-            <a:r>
-              <a:rPr lang="ru-RU" sz="2000" dirty="0" err="1"/>
-              <a:t>кБ</a:t>
-            </a:r>
-            <a:r>
-              <a:rPr lang="ru-RU" sz="2000" dirty="0"/>
-              <a:t> РАМ) и виртуальны 8086 </a:t>
-            </a:r>
-            <a:br>
-              <a:rPr lang="ru-RU" sz="2000" dirty="0"/>
-            </a:br>
-            <a:r>
-              <a:rPr lang="ru-RU" sz="2000" dirty="0"/>
-              <a:t>для совместимости с 16 битными приложениями.</a:t>
+              <a:lnSpc>
+                <a:spcPct val="120000"/>
+              </a:lnSpc>
+              <a:spcBef>
+                <a:spcPts val="200"/>
+              </a:spcBef>
+            </a:pPr>
+            <a:r>
+              <a:rPr lang="ru-RU" b="1" dirty="0"/>
+              <a:t>128-битные медиа-команды. SSE, SSE2 и </a:t>
+            </a:r>
+            <a:r>
+              <a:rPr lang="en-US" b="1" dirty="0"/>
+              <a:t>SSE3</a:t>
+            </a:r>
+            <a:r>
+              <a:rPr lang="ru-RU" b="1" dirty="0"/>
+              <a:t> (</a:t>
+            </a:r>
+            <a:r>
+              <a:rPr lang="ru-RU" b="1" dirty="0" err="1"/>
+              <a:t>streaming</a:t>
+            </a:r>
+            <a:r>
+              <a:rPr lang="ru-RU" b="1" dirty="0"/>
+              <a:t> SIMD </a:t>
+            </a:r>
+            <a:r>
+              <a:rPr lang="ru-RU" b="1" dirty="0" err="1"/>
+              <a:t>extension</a:t>
+            </a:r>
+            <a:r>
+              <a:rPr lang="ru-RU" b="1" dirty="0"/>
+              <a:t>).</a:t>
+            </a:r>
+          </a:p>
+          <a:p>
+            <a:pPr lvl="1">
+              <a:lnSpc>
+                <a:spcPct val="120000"/>
+              </a:lnSpc>
+              <a:spcBef>
+                <a:spcPts val="200"/>
+              </a:spcBef>
+            </a:pPr>
+            <a:r>
+              <a:rPr lang="ru-RU" sz="2900" dirty="0"/>
+              <a:t>Команды предназначенные для загрузки, сохранения, или обработки данных, расположенных в 128-битных XMM регистрах. </a:t>
+            </a:r>
+          </a:p>
+          <a:p>
+            <a:pPr lvl="1">
+              <a:lnSpc>
+                <a:spcPct val="120000"/>
+              </a:lnSpc>
+              <a:spcBef>
+                <a:spcPts val="200"/>
+              </a:spcBef>
+            </a:pPr>
+            <a:r>
+              <a:rPr lang="ru-RU" sz="2900" dirty="0"/>
+              <a:t>Команды выполняют операции  целочисленные или с плавающей точкой над векторными (упакованными) и скалярными типами данных. </a:t>
+            </a:r>
+          </a:p>
+          <a:p>
+            <a:pPr lvl="1">
+              <a:lnSpc>
+                <a:spcPct val="120000"/>
+              </a:lnSpc>
+              <a:spcBef>
+                <a:spcPts val="200"/>
+              </a:spcBef>
+            </a:pPr>
+            <a:r>
+              <a:rPr lang="ru-RU" sz="2900" dirty="0"/>
+              <a:t>Векторные инструкции могут независимо выполнять одну операцию над множеством данных (SIMD) командами. </a:t>
+            </a:r>
+          </a:p>
+          <a:p>
+            <a:pPr lvl="1">
+              <a:lnSpc>
+                <a:spcPct val="120000"/>
+              </a:lnSpc>
+              <a:spcBef>
+                <a:spcPts val="200"/>
+              </a:spcBef>
+            </a:pPr>
+            <a:r>
+              <a:rPr lang="ru-RU" sz="2900" dirty="0"/>
+              <a:t>Векторные команды используются для медиа- и научных приложений для обработки блоков данных.</a:t>
             </a:r>
           </a:p>
           <a:p>
             <a:pPr>
-              <a:spcBef>
-                <a:spcPts val="600"/>
-              </a:spcBef>
-            </a:pPr>
-            <a:r>
-              <a:rPr lang="ru-RU" sz="2000" dirty="0"/>
-              <a:t>– </a:t>
-            </a:r>
-            <a:r>
-              <a:rPr lang="ru-RU" sz="2000" b="1" dirty="0"/>
-              <a:t>Защищенный режим </a:t>
-            </a:r>
-            <a:r>
-              <a:rPr lang="ru-RU" sz="2000" dirty="0"/>
-              <a:t>(32 битный, 4 ГБ РАМ) и расширенный (64 ГБ РАМ)</a:t>
-            </a:r>
-          </a:p>
-          <a:p>
-            <a:pPr>
-              <a:spcBef>
-                <a:spcPts val="600"/>
-              </a:spcBef>
-            </a:pPr>
-            <a:r>
-              <a:rPr lang="ru-RU" sz="2000" dirty="0"/>
-              <a:t>– </a:t>
-            </a:r>
-            <a:r>
-              <a:rPr lang="ru-RU" sz="2000" b="1" dirty="0"/>
-              <a:t>Длинный режим </a:t>
-            </a:r>
-            <a:r>
-              <a:rPr lang="ru-RU" sz="2000" dirty="0"/>
-              <a:t>(64 битный, 256 ТБ РАМ) и режим совместимости.</a:t>
-            </a:r>
-          </a:p>
-        </p:txBody>
-      </p:sp>
-      <p:sp>
-        <p:nvSpPr>
-          <p:cNvPr id="6" name="Прямоугольник 5"/>
-          <p:cNvSpPr/>
-          <p:nvPr/>
-        </p:nvSpPr>
-        <p:spPr>
-          <a:xfrm>
-            <a:off x="107504" y="2909843"/>
-            <a:ext cx="3744416" cy="1938992"/>
-          </a:xfrm>
-          <a:prstGeom prst="rect">
-            <a:avLst/>
-          </a:prstGeom>
-        </p:spPr>
-        <p:txBody>
-          <a:bodyPr wrap="square">
-            <a:spAutoFit/>
-          </a:bodyPr>
-          <a:lstStyle/>
-          <a:p>
-            <a:pPr marL="182563" lvl="1" indent="-182563"/>
-            <a:r>
-              <a:rPr lang="ru-RU" sz="2000" b="1" dirty="0"/>
-              <a:t>Режимы отличаются</a:t>
-            </a:r>
-            <a:r>
-              <a:rPr lang="ru-RU" sz="2000" dirty="0"/>
-              <a:t>:</a:t>
-            </a:r>
-          </a:p>
-          <a:p>
-            <a:pPr marL="182563" lvl="2" indent="-182563">
-              <a:buFont typeface="Arial" panose="020B0604020202020204" pitchFamily="34" charset="0"/>
-              <a:buChar char="•"/>
-            </a:pPr>
-            <a:r>
-              <a:rPr lang="ru-RU" sz="2000" dirty="0"/>
-              <a:t>методом  и уровнями доступа к памяти, </a:t>
-            </a:r>
-          </a:p>
-          <a:p>
-            <a:pPr marL="182563" lvl="2" indent="-182563">
-              <a:buFont typeface="Arial" panose="020B0604020202020204" pitchFamily="34" charset="0"/>
-              <a:buChar char="•"/>
-            </a:pPr>
-            <a:r>
-              <a:rPr lang="ru-RU" sz="2000" dirty="0"/>
-              <a:t>Допустимым объемом памяти</a:t>
-            </a:r>
-          </a:p>
-          <a:p>
-            <a:pPr marL="182563" lvl="2" indent="-182563">
-              <a:buFont typeface="Arial" panose="020B0604020202020204" pitchFamily="34" charset="0"/>
-              <a:buChar char="•"/>
-            </a:pPr>
-            <a:r>
-              <a:rPr lang="ru-RU" sz="2000" dirty="0"/>
-              <a:t>Набором команд</a:t>
-            </a:r>
-          </a:p>
-          <a:p>
-            <a:pPr marL="182563" lvl="2" indent="-182563">
-              <a:buFont typeface="Arial" panose="020B0604020202020204" pitchFamily="34" charset="0"/>
-              <a:buChar char="•"/>
-            </a:pPr>
-            <a:r>
-              <a:rPr lang="ru-RU" sz="2000" dirty="0"/>
-              <a:t>Размером слова</a:t>
+              <a:lnSpc>
+                <a:spcPct val="120000"/>
+              </a:lnSpc>
+              <a:spcBef>
+                <a:spcPts val="200"/>
+              </a:spcBef>
+            </a:pPr>
+            <a:r>
+              <a:rPr lang="ru-RU" b="1" dirty="0"/>
+              <a:t>64-битные медиа-команды. </a:t>
+            </a:r>
+            <a:r>
+              <a:rPr lang="en-US" b="1" dirty="0"/>
+              <a:t>M</a:t>
+            </a:r>
+            <a:r>
+              <a:rPr lang="ru-RU" b="1" dirty="0" err="1"/>
+              <a:t>ultimedia</a:t>
+            </a:r>
+            <a:r>
+              <a:rPr lang="ru-RU" b="1" dirty="0"/>
+              <a:t> </a:t>
+            </a:r>
+            <a:r>
+              <a:rPr lang="ru-RU" b="1" dirty="0" err="1"/>
+              <a:t>extension</a:t>
+            </a:r>
+            <a:r>
+              <a:rPr lang="ru-RU" b="1" dirty="0"/>
+              <a:t> (MMX) и 3DNow! команды</a:t>
+            </a:r>
+            <a:r>
+              <a:rPr lang="ru-RU" dirty="0"/>
+              <a:t>. </a:t>
+            </a:r>
+            <a:endParaRPr lang="en-US" dirty="0"/>
+          </a:p>
+          <a:p>
+            <a:pPr lvl="1">
+              <a:lnSpc>
+                <a:spcPct val="120000"/>
+              </a:lnSpc>
+              <a:spcBef>
+                <a:spcPts val="200"/>
+              </a:spcBef>
+            </a:pPr>
+            <a:r>
+              <a:rPr lang="ru-RU" sz="2900" dirty="0"/>
+              <a:t>Команды сохраняют, восстанавливают и обрабатывают данные, расположенные в 64-битных MMX регистрах. </a:t>
+            </a:r>
+          </a:p>
+          <a:p>
+            <a:pPr lvl="1">
+              <a:lnSpc>
+                <a:spcPct val="120000"/>
+              </a:lnSpc>
+              <a:spcBef>
+                <a:spcPts val="200"/>
+              </a:spcBef>
+            </a:pPr>
+            <a:r>
+              <a:rPr lang="ru-RU" sz="2900" dirty="0"/>
+              <a:t>Команды  выполняют операции целочисленные и с плавающей точкой надо векторными (упакованными) и скалярными данными как и </a:t>
+            </a:r>
+            <a:r>
+              <a:rPr lang="en-US" sz="2900" dirty="0"/>
+              <a:t>XMM</a:t>
+            </a:r>
+            <a:r>
+              <a:rPr lang="ru-RU" sz="2900" dirty="0"/>
+              <a:t>.</a:t>
             </a:r>
           </a:p>
         </p:txBody>
@@ -9611,7 +9751,7 @@
     </p:spTree>
     <p:extLst>
       <p:ext uri="{BB962C8B-B14F-4D97-AF65-F5344CB8AC3E}">
-        <p14:creationId xmlns:p14="http://schemas.microsoft.com/office/powerpoint/2010/main" val="116151337"/>
+        <p14:creationId xmlns:p14="http://schemas.microsoft.com/office/powerpoint/2010/main" val="3537811471"/>
       </p:ext>
     </p:extLst>
   </p:cSld>
@@ -9994,334 +10134,55 @@
             <a:spLocks noGrp="1"/>
           </p:cNvSpPr>
           <p:nvPr>
-            <p:ph type="title"/>
+            <p:ph type="ctrTitle"/>
           </p:nvPr>
         </p:nvSpPr>
-        <p:spPr>
-          <a:xfrm>
-            <a:off x="539552" y="135897"/>
-            <a:ext cx="8229600" cy="916840"/>
-          </a:xfrm>
-        </p:spPr>
+        <p:spPr/>
+        <p:txBody>
+          <a:bodyPr/>
+          <a:lstStyle/>
+          <a:p>
+            <a:r>
+              <a:rPr lang="ru-RU" dirty="0"/>
+              <a:t>Режимы работы процессора по принципу организации памяти</a:t>
+            </a:r>
+          </a:p>
+        </p:txBody>
+      </p:sp>
+      <p:sp>
+        <p:nvSpPr>
+          <p:cNvPr id="3" name="Подзаголовок 2"/>
+          <p:cNvSpPr>
+            <a:spLocks noGrp="1"/>
+          </p:cNvSpPr>
+          <p:nvPr>
+            <p:ph type="subTitle" idx="1"/>
+          </p:nvPr>
+        </p:nvSpPr>
+        <p:spPr/>
         <p:txBody>
           <a:bodyPr>
-            <a:noAutofit/>
+            <a:normAutofit fontScale="92500" lnSpcReduction="20000"/>
           </a:bodyPr>
           <a:lstStyle/>
           <a:p>
             <a:r>
-              <a:rPr lang="ru-RU" sz="2800" b="1" dirty="0"/>
-              <a:t>Модель памяти процессора. </a:t>
-            </a:r>
-            <a:br>
-              <a:rPr lang="ru-RU" sz="2800" b="1" dirty="0"/>
-            </a:br>
-            <a:r>
-              <a:rPr lang="ru-RU" sz="2800" b="1" dirty="0"/>
-              <a:t>Виды адресов </a:t>
-            </a:r>
-            <a:r>
-              <a:rPr lang="en-US" sz="2800" b="1" dirty="0"/>
-              <a:t>X86-X64</a:t>
-            </a:r>
-            <a:endParaRPr lang="ru-RU" sz="2800" b="1" dirty="0"/>
-          </a:p>
-        </p:txBody>
-      </p:sp>
-      <p:sp>
-        <p:nvSpPr>
-          <p:cNvPr id="5" name="TextBox 4"/>
-          <p:cNvSpPr txBox="1"/>
-          <p:nvPr/>
-        </p:nvSpPr>
-        <p:spPr>
-          <a:xfrm>
-            <a:off x="5220072" y="6235526"/>
-            <a:ext cx="648072" cy="369332"/>
-          </a:xfrm>
-          <a:prstGeom prst="rect">
-            <a:avLst/>
-          </a:prstGeom>
-          <a:solidFill>
-            <a:schemeClr val="bg1"/>
-          </a:solidFill>
-        </p:spPr>
-        <p:txBody>
-          <a:bodyPr wrap="square" rtlCol="0">
-            <a:spAutoFit/>
-          </a:bodyPr>
-          <a:lstStyle/>
-          <a:p>
-            <a:endParaRPr lang="ru-RU" dirty="0"/>
-          </a:p>
-        </p:txBody>
-      </p:sp>
-      <p:sp>
-        <p:nvSpPr>
-          <p:cNvPr id="8" name="Объект 2"/>
-          <p:cNvSpPr txBox="1">
-            <a:spLocks/>
-          </p:cNvSpPr>
-          <p:nvPr/>
-        </p:nvSpPr>
-        <p:spPr>
-          <a:xfrm>
-            <a:off x="251520" y="1132250"/>
-            <a:ext cx="8556682" cy="5472608"/>
-          </a:xfrm>
-          <a:prstGeom prst="rect">
-            <a:avLst/>
-          </a:prstGeom>
-        </p:spPr>
-        <p:txBody>
-          <a:bodyPr vert="horz" lIns="91440" tIns="45720" rIns="91440" bIns="45720" rtlCol="0">
-            <a:normAutofit/>
-          </a:bodyPr>
-          <a:lstStyle>
-            <a:lvl1pPr marL="342900" indent="-342900" algn="l" defTabSz="914400" rtl="0" eaLnBrk="1" latinLnBrk="0" hangingPunct="1">
-              <a:spcBef>
-                <a:spcPct val="20000"/>
-              </a:spcBef>
-              <a:buFont typeface="Arial" panose="020B0604020202020204" pitchFamily="34" charset="0"/>
-              <a:buChar char="•"/>
-              <a:defRPr sz="3200" kern="1200">
-                <a:solidFill>
-                  <a:schemeClr val="tx1"/>
-                </a:solidFill>
-                <a:latin typeface="+mn-lt"/>
-                <a:ea typeface="+mn-ea"/>
-                <a:cs typeface="+mn-cs"/>
-              </a:defRPr>
-            </a:lvl1pPr>
-            <a:lvl2pPr marL="742950" indent="-285750" algn="l" defTabSz="914400" rtl="0" eaLnBrk="1" latinLnBrk="0" hangingPunct="1">
-              <a:spcBef>
-                <a:spcPct val="20000"/>
-              </a:spcBef>
-              <a:buFont typeface="Arial" panose="020B0604020202020204" pitchFamily="34" charset="0"/>
-              <a:buChar char="–"/>
-              <a:defRPr sz="2800" kern="1200">
-                <a:solidFill>
-                  <a:schemeClr val="tx1"/>
-                </a:solidFill>
-                <a:latin typeface="+mn-lt"/>
-                <a:ea typeface="+mn-ea"/>
-                <a:cs typeface="+mn-cs"/>
-              </a:defRPr>
-            </a:lvl2pPr>
-            <a:lvl3pPr marL="1143000" indent="-228600" algn="l" defTabSz="914400" rtl="0" eaLnBrk="1" latinLnBrk="0" hangingPunct="1">
-              <a:spcBef>
-                <a:spcPct val="20000"/>
-              </a:spcBef>
-              <a:buFont typeface="Arial" panose="020B0604020202020204" pitchFamily="34" charset="0"/>
-              <a:buChar char="•"/>
-              <a:defRPr sz="2400" kern="1200">
-                <a:solidFill>
-                  <a:schemeClr val="tx1"/>
-                </a:solidFill>
-                <a:latin typeface="+mn-lt"/>
-                <a:ea typeface="+mn-ea"/>
-                <a:cs typeface="+mn-cs"/>
-              </a:defRPr>
-            </a:lvl3pPr>
-            <a:lvl4pPr marL="1600200" indent="-228600" algn="l" defTabSz="914400" rtl="0" eaLnBrk="1" latinLnBrk="0" hangingPunct="1">
-              <a:spcBef>
-                <a:spcPct val="20000"/>
-              </a:spcBef>
-              <a:buFont typeface="Arial" panose="020B0604020202020204" pitchFamily="34" charset="0"/>
-              <a:buChar char="–"/>
-              <a:defRPr sz="2000" kern="1200">
-                <a:solidFill>
-                  <a:schemeClr val="tx1"/>
-                </a:solidFill>
-                <a:latin typeface="+mn-lt"/>
-                <a:ea typeface="+mn-ea"/>
-                <a:cs typeface="+mn-cs"/>
-              </a:defRPr>
-            </a:lvl4pPr>
-            <a:lvl5pPr marL="2057400" indent="-228600" algn="l" defTabSz="914400" rtl="0" eaLnBrk="1" latinLnBrk="0" hangingPunct="1">
-              <a:spcBef>
-                <a:spcPct val="20000"/>
-              </a:spcBef>
-              <a:buFont typeface="Arial" panose="020B0604020202020204" pitchFamily="34" charset="0"/>
-              <a:buChar char="»"/>
-              <a:defRPr sz="2000" kern="1200">
-                <a:solidFill>
-                  <a:schemeClr val="tx1"/>
-                </a:solidFill>
-                <a:latin typeface="+mn-lt"/>
-                <a:ea typeface="+mn-ea"/>
-                <a:cs typeface="+mn-cs"/>
-              </a:defRPr>
-            </a:lvl5pPr>
-            <a:lvl6pPr marL="2514600" indent="-228600" algn="l" defTabSz="914400" rtl="0" eaLnBrk="1" latinLnBrk="0" hangingPunct="1">
-              <a:spcBef>
-                <a:spcPct val="20000"/>
-              </a:spcBef>
-              <a:buFont typeface="Arial" panose="020B0604020202020204" pitchFamily="34" charset="0"/>
-              <a:buChar char="•"/>
-              <a:defRPr sz="2000" kern="1200">
-                <a:solidFill>
-                  <a:schemeClr val="tx1"/>
-                </a:solidFill>
-                <a:latin typeface="+mn-lt"/>
-                <a:ea typeface="+mn-ea"/>
-                <a:cs typeface="+mn-cs"/>
-              </a:defRPr>
-            </a:lvl6pPr>
-            <a:lvl7pPr marL="2971800" indent="-228600" algn="l" defTabSz="914400" rtl="0" eaLnBrk="1" latinLnBrk="0" hangingPunct="1">
-              <a:spcBef>
-                <a:spcPct val="20000"/>
-              </a:spcBef>
-              <a:buFont typeface="Arial" panose="020B0604020202020204" pitchFamily="34" charset="0"/>
-              <a:buChar char="•"/>
-              <a:defRPr sz="2000" kern="1200">
-                <a:solidFill>
-                  <a:schemeClr val="tx1"/>
-                </a:solidFill>
-                <a:latin typeface="+mn-lt"/>
-                <a:ea typeface="+mn-ea"/>
-                <a:cs typeface="+mn-cs"/>
-              </a:defRPr>
-            </a:lvl7pPr>
-            <a:lvl8pPr marL="3429000" indent="-228600" algn="l" defTabSz="914400" rtl="0" eaLnBrk="1" latinLnBrk="0" hangingPunct="1">
-              <a:spcBef>
-                <a:spcPct val="20000"/>
-              </a:spcBef>
-              <a:buFont typeface="Arial" panose="020B0604020202020204" pitchFamily="34" charset="0"/>
-              <a:buChar char="•"/>
-              <a:defRPr sz="2000" kern="1200">
-                <a:solidFill>
-                  <a:schemeClr val="tx1"/>
-                </a:solidFill>
-                <a:latin typeface="+mn-lt"/>
-                <a:ea typeface="+mn-ea"/>
-                <a:cs typeface="+mn-cs"/>
-              </a:defRPr>
-            </a:lvl8pPr>
-            <a:lvl9pPr marL="3886200" indent="-228600" algn="l" defTabSz="914400" rtl="0" eaLnBrk="1" latinLnBrk="0" hangingPunct="1">
-              <a:spcBef>
-                <a:spcPct val="20000"/>
-              </a:spcBef>
-              <a:buFont typeface="Arial" panose="020B0604020202020204" pitchFamily="34" charset="0"/>
-              <a:buChar char="•"/>
-              <a:defRPr sz="2000" kern="1200">
-                <a:solidFill>
-                  <a:schemeClr val="tx1"/>
-                </a:solidFill>
-                <a:latin typeface="+mn-lt"/>
-                <a:ea typeface="+mn-ea"/>
-                <a:cs typeface="+mn-cs"/>
-              </a:defRPr>
-            </a:lvl9pPr>
-          </a:lstStyle>
-          <a:p>
-            <a:pPr>
-              <a:spcBef>
-                <a:spcPts val="1200"/>
-              </a:spcBef>
-            </a:pPr>
-            <a:r>
-              <a:rPr lang="ru-RU" sz="2000" b="1" dirty="0"/>
-              <a:t>Физический адрес </a:t>
-            </a:r>
-            <a:r>
-              <a:rPr lang="ru-RU" sz="2000" dirty="0"/>
-              <a:t>– это адрес в системной памяти компьютера, именно тот адрес, который выставляется на шину адреса.</a:t>
-            </a:r>
-            <a:endParaRPr lang="en-US" sz="2000" dirty="0"/>
-          </a:p>
-          <a:p>
-            <a:pPr>
-              <a:spcBef>
-                <a:spcPts val="1200"/>
-              </a:spcBef>
-            </a:pPr>
-            <a:r>
-              <a:rPr lang="ru-RU" sz="2000" b="1" dirty="0"/>
-              <a:t>Логический адрес </a:t>
-            </a:r>
-            <a:r>
-              <a:rPr lang="ru-RU" sz="2000" dirty="0"/>
-              <a:t>– адрес с указанием сегмента  в формате – </a:t>
-            </a:r>
-            <a:br>
-              <a:rPr lang="ru-RU" sz="2000" dirty="0"/>
-            </a:br>
-            <a:r>
-              <a:rPr lang="ru-RU" sz="2000" dirty="0"/>
-              <a:t>«сегмент: смещение»</a:t>
-            </a:r>
-          </a:p>
-          <a:p>
-            <a:pPr lvl="1">
-              <a:spcBef>
-                <a:spcPts val="1200"/>
-              </a:spcBef>
-            </a:pPr>
-            <a:r>
-              <a:rPr lang="ru-RU" sz="2000" dirty="0"/>
-              <a:t>сегмент</a:t>
-            </a:r>
-            <a:r>
-              <a:rPr lang="en-US" sz="2000" dirty="0"/>
-              <a:t> </a:t>
-            </a:r>
-            <a:r>
-              <a:rPr lang="ru-RU" sz="2000" dirty="0"/>
-              <a:t>указывается в сегментном регистре </a:t>
-            </a:r>
-            <a:r>
-              <a:rPr lang="en-US" sz="2000" dirty="0"/>
-              <a:t>(</a:t>
-            </a:r>
-            <a:r>
-              <a:rPr lang="en-US" sz="2000" dirty="0" err="1"/>
-              <a:t>cs</a:t>
-            </a:r>
-            <a:r>
-              <a:rPr lang="en-US" sz="2000" dirty="0"/>
-              <a:t>, ds, </a:t>
-            </a:r>
-            <a:r>
-              <a:rPr lang="en-US" sz="2000" dirty="0" err="1"/>
-              <a:t>ss</a:t>
-            </a:r>
-            <a:r>
-              <a:rPr lang="en-US" sz="2000" dirty="0"/>
-              <a:t>)</a:t>
-            </a:r>
-            <a:r>
-              <a:rPr lang="ru-RU" sz="2000" dirty="0"/>
-              <a:t> или непосредственно значением (это значение может быть только 16-битным), а адрес – в обычном регистре или непосредственно значением (это значение может быть 16-, 32-, 64-битным в зависимости</a:t>
-            </a:r>
-            <a:r>
-              <a:rPr lang="en-US" sz="2000" dirty="0"/>
-              <a:t> </a:t>
-            </a:r>
-            <a:r>
-              <a:rPr lang="ru-RU" sz="2000" dirty="0"/>
-              <a:t>от режима). </a:t>
-            </a:r>
-            <a:endParaRPr lang="en-US" sz="2000" dirty="0"/>
-          </a:p>
-          <a:p>
-            <a:pPr lvl="1">
-              <a:spcBef>
-                <a:spcPts val="1200"/>
-              </a:spcBef>
-            </a:pPr>
-            <a:r>
-              <a:rPr lang="ru-RU" sz="2000" dirty="0"/>
-              <a:t>способ преобразования логического адреса в физический зависит от режима процессора.</a:t>
-            </a:r>
-            <a:endParaRPr lang="en-US" sz="2000" dirty="0"/>
+              <a:rPr lang="ru-RU" b="1" dirty="0"/>
+              <a:t>Лекция 3. Модель памяти процессоров</a:t>
+            </a:r>
+          </a:p>
+          <a:p>
+            <a:r>
+              <a:rPr lang="ru-RU" dirty="0"/>
+              <a:t>Аппаратные средства телекоммуникационных систем</a:t>
+            </a:r>
           </a:p>
         </p:txBody>
       </p:sp>
     </p:spTree>
     <p:extLst>
       <p:ext uri="{BB962C8B-B14F-4D97-AF65-F5344CB8AC3E}">
-        <p14:creationId xmlns:p14="http://schemas.microsoft.com/office/powerpoint/2010/main" val="1976231116"/>
+        <p14:creationId xmlns:p14="http://schemas.microsoft.com/office/powerpoint/2010/main" val="661279779"/>
       </p:ext>
     </p:extLst>
   </p:cSld>
@@ -10367,8 +10228,8 @@
         </p:nvSpPr>
         <p:spPr>
           <a:xfrm>
-            <a:off x="539552" y="135897"/>
-            <a:ext cx="8229600" cy="916840"/>
+            <a:off x="488032" y="116632"/>
+            <a:ext cx="8229600" cy="720080"/>
           </a:xfrm>
         </p:spPr>
         <p:txBody>
@@ -10386,252 +10247,212 @@
             </a:br>
             <a:r>
               <a:rPr lang="ru-RU" sz="2800" b="1" dirty="0"/>
-              <a:t>Виды адресов </a:t>
-            </a:r>
-            <a:r>
-              <a:rPr lang="en-US" sz="2800" b="1" dirty="0"/>
-              <a:t>X86-X64</a:t>
-            </a:r>
-            <a:endParaRPr lang="ru-RU" sz="2800" b="1" dirty="0"/>
-          </a:p>
-        </p:txBody>
-      </p:sp>
-      <p:sp>
-        <p:nvSpPr>
-          <p:cNvPr id="5" name="TextBox 4"/>
-          <p:cNvSpPr txBox="1"/>
-          <p:nvPr/>
-        </p:nvSpPr>
+              <a:t>Режимы работы процессора.</a:t>
+            </a:r>
+          </a:p>
+        </p:txBody>
+      </p:sp>
+      <p:pic>
+        <p:nvPicPr>
+          <p:cNvPr id="4" name="Объект 3"/>
+          <p:cNvPicPr>
+            <a:picLocks noGrp="1" noChangeAspect="1"/>
+          </p:cNvPicPr>
+          <p:nvPr>
+            <p:ph idx="1"/>
+          </p:nvPr>
+        </p:nvPicPr>
+        <p:blipFill>
+          <a:blip r:embed="rId2"/>
+          <a:stretch>
+            <a:fillRect/>
+          </a:stretch>
+        </p:blipFill>
         <p:spPr>
           <a:xfrm>
-            <a:off x="5220072" y="6235526"/>
-            <a:ext cx="648072" cy="369332"/>
-          </a:xfrm>
-          <a:prstGeom prst="rect">
-            <a:avLst/>
-          </a:prstGeom>
-          <a:solidFill>
-            <a:schemeClr val="bg1"/>
-          </a:solidFill>
-        </p:spPr>
-        <p:txBody>
-          <a:bodyPr wrap="square" rtlCol="0">
-            <a:spAutoFit/>
-          </a:bodyPr>
-          <a:lstStyle/>
-          <a:p>
-            <a:endParaRPr lang="ru-RU" dirty="0"/>
-          </a:p>
-        </p:txBody>
-      </p:sp>
-      <p:sp>
-        <p:nvSpPr>
-          <p:cNvPr id="8" name="Объект 2"/>
-          <p:cNvSpPr txBox="1">
-            <a:spLocks/>
-          </p:cNvSpPr>
-          <p:nvPr/>
-        </p:nvSpPr>
-        <p:spPr>
-          <a:xfrm>
-            <a:off x="247366" y="1033265"/>
-            <a:ext cx="8556682" cy="5472608"/>
+            <a:off x="3995936" y="3068960"/>
+            <a:ext cx="4966226" cy="3404408"/>
           </a:xfrm>
           <a:prstGeom prst="rect">
             <a:avLst/>
           </a:prstGeom>
         </p:spPr>
-        <p:txBody>
-          <a:bodyPr vert="horz" lIns="91440" tIns="45720" rIns="91440" bIns="45720" rtlCol="0">
-            <a:normAutofit/>
+      </p:pic>
+      <p:sp>
+        <p:nvSpPr>
+          <p:cNvPr id="5" name="TextBox 4"/>
+          <p:cNvSpPr txBox="1"/>
+          <p:nvPr/>
+        </p:nvSpPr>
+        <p:spPr>
+          <a:xfrm>
+            <a:off x="251520" y="908720"/>
+            <a:ext cx="8784976" cy="1862048"/>
+          </a:xfrm>
+          <a:prstGeom prst="rect">
+            <a:avLst/>
+          </a:prstGeom>
+          <a:noFill/>
+        </p:spPr>
+        <p:txBody>
+          <a:bodyPr wrap="square" rtlCol="0">
+            <a:spAutoFit/>
           </a:bodyPr>
-          <a:lstStyle>
-            <a:lvl1pPr marL="342900" indent="-342900" algn="l" defTabSz="914400" rtl="0" eaLnBrk="1" latinLnBrk="0" hangingPunct="1">
-              <a:spcBef>
-                <a:spcPct val="20000"/>
-              </a:spcBef>
+          <a:lstStyle/>
+          <a:p>
+            <a:pPr>
+              <a:spcBef>
+                <a:spcPts val="600"/>
+              </a:spcBef>
+            </a:pPr>
+            <a:r>
+              <a:rPr lang="ru-RU" sz="2000" b="1" dirty="0"/>
+              <a:t>Основные режимы </a:t>
+            </a:r>
+          </a:p>
+          <a:p>
+            <a:pPr marL="361950" indent="-361950">
+              <a:spcBef>
+                <a:spcPts val="600"/>
+              </a:spcBef>
+            </a:pPr>
+            <a:r>
+              <a:rPr lang="ru-RU" sz="2000" dirty="0"/>
+              <a:t>– </a:t>
+            </a:r>
+            <a:r>
+              <a:rPr lang="ru-RU" sz="2000" b="1" dirty="0"/>
+              <a:t>Реальный режим </a:t>
+            </a:r>
+            <a:r>
+              <a:rPr lang="ru-RU" sz="2000" dirty="0"/>
+              <a:t>(при включении, 64 </a:t>
+            </a:r>
+            <a:r>
+              <a:rPr lang="ru-RU" sz="2000" dirty="0" err="1"/>
+              <a:t>кБ</a:t>
+            </a:r>
+            <a:r>
+              <a:rPr lang="ru-RU" sz="2000" dirty="0"/>
+              <a:t> РАМ) и виртуальны 8086 </a:t>
+            </a:r>
+            <a:br>
+              <a:rPr lang="ru-RU" sz="2000" dirty="0"/>
+            </a:br>
+            <a:r>
+              <a:rPr lang="ru-RU" sz="2000" dirty="0"/>
+              <a:t>для совместимости с 16 битными приложениями.</a:t>
+            </a:r>
+          </a:p>
+          <a:p>
+            <a:pPr>
+              <a:spcBef>
+                <a:spcPts val="600"/>
+              </a:spcBef>
+            </a:pPr>
+            <a:r>
+              <a:rPr lang="ru-RU" sz="2000" dirty="0"/>
+              <a:t>– </a:t>
+            </a:r>
+            <a:r>
+              <a:rPr lang="ru-RU" sz="2000" b="1" dirty="0"/>
+              <a:t>Защищенный режим </a:t>
+            </a:r>
+            <a:r>
+              <a:rPr lang="ru-RU" sz="2000" dirty="0"/>
+              <a:t>(32 битный, 4 ГБ РАМ) и расширенный (64 ГБ РАМ)</a:t>
+            </a:r>
+          </a:p>
+          <a:p>
+            <a:pPr>
+              <a:spcBef>
+                <a:spcPts val="600"/>
+              </a:spcBef>
+            </a:pPr>
+            <a:r>
+              <a:rPr lang="ru-RU" sz="2000" dirty="0"/>
+              <a:t>– </a:t>
+            </a:r>
+            <a:r>
+              <a:rPr lang="ru-RU" sz="2000" b="1" dirty="0"/>
+              <a:t>Длинный режим </a:t>
+            </a:r>
+            <a:r>
+              <a:rPr lang="ru-RU" sz="2000" dirty="0"/>
+              <a:t>(64 битный, 256 ТБ РАМ) и режим совместимости.</a:t>
+            </a:r>
+          </a:p>
+        </p:txBody>
+      </p:sp>
+      <p:sp>
+        <p:nvSpPr>
+          <p:cNvPr id="6" name="Прямоугольник 5"/>
+          <p:cNvSpPr/>
+          <p:nvPr/>
+        </p:nvSpPr>
+        <p:spPr>
+          <a:xfrm>
+            <a:off x="107504" y="2909843"/>
+            <a:ext cx="3744416" cy="1938992"/>
+          </a:xfrm>
+          <a:prstGeom prst="rect">
+            <a:avLst/>
+          </a:prstGeom>
+        </p:spPr>
+        <p:txBody>
+          <a:bodyPr wrap="square">
+            <a:spAutoFit/>
+          </a:bodyPr>
+          <a:lstStyle/>
+          <a:p>
+            <a:pPr marL="182563" lvl="1" indent="-182563"/>
+            <a:r>
+              <a:rPr lang="ru-RU" sz="2000" b="1" dirty="0"/>
+              <a:t>Режимы отличаются</a:t>
+            </a:r>
+            <a:r>
+              <a:rPr lang="ru-RU" sz="2000" dirty="0"/>
+              <a:t>:</a:t>
+            </a:r>
+          </a:p>
+          <a:p>
+            <a:pPr marL="182563" lvl="2" indent="-182563">
               <a:buFont typeface="Arial" panose="020B0604020202020204" pitchFamily="34" charset="0"/>
               <a:buChar char="•"/>
-              <a:defRPr sz="3200" kern="1200">
-                <a:solidFill>
-                  <a:schemeClr val="tx1"/>
-                </a:solidFill>
-                <a:latin typeface="+mn-lt"/>
-                <a:ea typeface="+mn-ea"/>
-                <a:cs typeface="+mn-cs"/>
-              </a:defRPr>
-            </a:lvl1pPr>
-            <a:lvl2pPr marL="742950" indent="-285750" algn="l" defTabSz="914400" rtl="0" eaLnBrk="1" latinLnBrk="0" hangingPunct="1">
-              <a:spcBef>
-                <a:spcPct val="20000"/>
-              </a:spcBef>
-              <a:buFont typeface="Arial" panose="020B0604020202020204" pitchFamily="34" charset="0"/>
-              <a:buChar char="–"/>
-              <a:defRPr sz="2800" kern="1200">
-                <a:solidFill>
-                  <a:schemeClr val="tx1"/>
-                </a:solidFill>
-                <a:latin typeface="+mn-lt"/>
-                <a:ea typeface="+mn-ea"/>
-                <a:cs typeface="+mn-cs"/>
-              </a:defRPr>
-            </a:lvl2pPr>
-            <a:lvl3pPr marL="1143000" indent="-228600" algn="l" defTabSz="914400" rtl="0" eaLnBrk="1" latinLnBrk="0" hangingPunct="1">
-              <a:spcBef>
-                <a:spcPct val="20000"/>
-              </a:spcBef>
+            </a:pPr>
+            <a:r>
+              <a:rPr lang="ru-RU" sz="2000" dirty="0"/>
+              <a:t>методом  и уровнями доступа к памяти, </a:t>
+            </a:r>
+          </a:p>
+          <a:p>
+            <a:pPr marL="182563" lvl="2" indent="-182563">
               <a:buFont typeface="Arial" panose="020B0604020202020204" pitchFamily="34" charset="0"/>
               <a:buChar char="•"/>
-              <a:defRPr sz="2400" kern="1200">
-                <a:solidFill>
-                  <a:schemeClr val="tx1"/>
-                </a:solidFill>
-                <a:latin typeface="+mn-lt"/>
-                <a:ea typeface="+mn-ea"/>
-                <a:cs typeface="+mn-cs"/>
-              </a:defRPr>
-            </a:lvl3pPr>
-            <a:lvl4pPr marL="1600200" indent="-228600" algn="l" defTabSz="914400" rtl="0" eaLnBrk="1" latinLnBrk="0" hangingPunct="1">
-              <a:spcBef>
-                <a:spcPct val="20000"/>
-              </a:spcBef>
-              <a:buFont typeface="Arial" panose="020B0604020202020204" pitchFamily="34" charset="0"/>
-              <a:buChar char="–"/>
-              <a:defRPr sz="2000" kern="1200">
-                <a:solidFill>
-                  <a:schemeClr val="tx1"/>
-                </a:solidFill>
-                <a:latin typeface="+mn-lt"/>
-                <a:ea typeface="+mn-ea"/>
-                <a:cs typeface="+mn-cs"/>
-              </a:defRPr>
-            </a:lvl4pPr>
-            <a:lvl5pPr marL="2057400" indent="-228600" algn="l" defTabSz="914400" rtl="0" eaLnBrk="1" latinLnBrk="0" hangingPunct="1">
-              <a:spcBef>
-                <a:spcPct val="20000"/>
-              </a:spcBef>
-              <a:buFont typeface="Arial" panose="020B0604020202020204" pitchFamily="34" charset="0"/>
-              <a:buChar char="»"/>
-              <a:defRPr sz="2000" kern="1200">
-                <a:solidFill>
-                  <a:schemeClr val="tx1"/>
-                </a:solidFill>
-                <a:latin typeface="+mn-lt"/>
-                <a:ea typeface="+mn-ea"/>
-                <a:cs typeface="+mn-cs"/>
-              </a:defRPr>
-            </a:lvl5pPr>
-            <a:lvl6pPr marL="2514600" indent="-228600" algn="l" defTabSz="914400" rtl="0" eaLnBrk="1" latinLnBrk="0" hangingPunct="1">
-              <a:spcBef>
-                <a:spcPct val="20000"/>
-              </a:spcBef>
+            </a:pPr>
+            <a:r>
+              <a:rPr lang="ru-RU" sz="2000" dirty="0"/>
+              <a:t>Допустимым объемом памяти</a:t>
+            </a:r>
+          </a:p>
+          <a:p>
+            <a:pPr marL="182563" lvl="2" indent="-182563">
               <a:buFont typeface="Arial" panose="020B0604020202020204" pitchFamily="34" charset="0"/>
               <a:buChar char="•"/>
-              <a:defRPr sz="2000" kern="1200">
-                <a:solidFill>
-                  <a:schemeClr val="tx1"/>
-                </a:solidFill>
-                <a:latin typeface="+mn-lt"/>
-                <a:ea typeface="+mn-ea"/>
-                <a:cs typeface="+mn-cs"/>
-              </a:defRPr>
-            </a:lvl6pPr>
-            <a:lvl7pPr marL="2971800" indent="-228600" algn="l" defTabSz="914400" rtl="0" eaLnBrk="1" latinLnBrk="0" hangingPunct="1">
-              <a:spcBef>
-                <a:spcPct val="20000"/>
-              </a:spcBef>
+            </a:pPr>
+            <a:r>
+              <a:rPr lang="ru-RU" sz="2000" dirty="0"/>
+              <a:t>Набором команд</a:t>
+            </a:r>
+          </a:p>
+          <a:p>
+            <a:pPr marL="182563" lvl="2" indent="-182563">
               <a:buFont typeface="Arial" panose="020B0604020202020204" pitchFamily="34" charset="0"/>
               <a:buChar char="•"/>
-              <a:defRPr sz="2000" kern="1200">
-                <a:solidFill>
-                  <a:schemeClr val="tx1"/>
-                </a:solidFill>
-                <a:latin typeface="+mn-lt"/>
-                <a:ea typeface="+mn-ea"/>
-                <a:cs typeface="+mn-cs"/>
-              </a:defRPr>
-            </a:lvl7pPr>
-            <a:lvl8pPr marL="3429000" indent="-228600" algn="l" defTabSz="914400" rtl="0" eaLnBrk="1" latinLnBrk="0" hangingPunct="1">
-              <a:spcBef>
-                <a:spcPct val="20000"/>
-              </a:spcBef>
-              <a:buFont typeface="Arial" panose="020B0604020202020204" pitchFamily="34" charset="0"/>
-              <a:buChar char="•"/>
-              <a:defRPr sz="2000" kern="1200">
-                <a:solidFill>
-                  <a:schemeClr val="tx1"/>
-                </a:solidFill>
-                <a:latin typeface="+mn-lt"/>
-                <a:ea typeface="+mn-ea"/>
-                <a:cs typeface="+mn-cs"/>
-              </a:defRPr>
-            </a:lvl8pPr>
-            <a:lvl9pPr marL="3886200" indent="-228600" algn="l" defTabSz="914400" rtl="0" eaLnBrk="1" latinLnBrk="0" hangingPunct="1">
-              <a:spcBef>
-                <a:spcPct val="20000"/>
-              </a:spcBef>
-              <a:buFont typeface="Arial" panose="020B0604020202020204" pitchFamily="34" charset="0"/>
-              <a:buChar char="•"/>
-              <a:defRPr sz="2000" kern="1200">
-                <a:solidFill>
-                  <a:schemeClr val="tx1"/>
-                </a:solidFill>
-                <a:latin typeface="+mn-lt"/>
-                <a:ea typeface="+mn-ea"/>
-                <a:cs typeface="+mn-cs"/>
-              </a:defRPr>
-            </a:lvl9pPr>
-          </a:lstStyle>
-          <a:p>
-            <a:pPr>
-              <a:spcBef>
-                <a:spcPts val="1200"/>
-              </a:spcBef>
-            </a:pPr>
-            <a:r>
-              <a:rPr lang="ru-RU" sz="2000" b="1" dirty="0"/>
-              <a:t>Линейный адрес </a:t>
-            </a:r>
+            </a:pPr>
             <a:r>
               <a:rPr lang="ru-RU" sz="2000" dirty="0"/>
-              <a:t>– адрес полученный после преобразования логического адреса </a:t>
-            </a:r>
-          </a:p>
-          <a:p>
-            <a:pPr lvl="1">
-              <a:spcBef>
-                <a:spcPts val="1200"/>
-              </a:spcBef>
-            </a:pPr>
-            <a:r>
-              <a:rPr lang="ru-RU" sz="2000" dirty="0"/>
-              <a:t>После преобразования адреса  получается абсолютный 20-, 32-, 64-битный адрес (в зависимости от режима); этот адрес называется линейным. </a:t>
-            </a:r>
-          </a:p>
-          <a:p>
-            <a:pPr lvl="1">
-              <a:spcBef>
-                <a:spcPts val="1200"/>
-              </a:spcBef>
-            </a:pPr>
-            <a:r>
-              <a:rPr lang="ru-RU" sz="2000" dirty="0"/>
-              <a:t>В режиме реальных адресов физический адрес сразу выставляется на шину адреса.</a:t>
-            </a:r>
-          </a:p>
-          <a:p>
-            <a:pPr>
-              <a:spcBef>
-                <a:spcPts val="1200"/>
-              </a:spcBef>
-            </a:pPr>
-            <a:r>
-              <a:rPr lang="ru-RU" sz="2000" b="1" dirty="0"/>
-              <a:t>Виртуальный адрес </a:t>
-            </a:r>
-            <a:r>
-              <a:rPr lang="ru-RU" sz="2000" dirty="0"/>
-              <a:t>– линейный адрес, полученный в 64 совместимом режиме при помощи механизма трансляции.  (Механизм задается ОС, при отсутствии механизма виртуальный адрес = линейный). </a:t>
+              <a:t>Размером слова</a:t>
             </a:r>
           </a:p>
         </p:txBody>
@@ -10639,13 +10460,20 @@
     </p:spTree>
     <p:extLst>
       <p:ext uri="{BB962C8B-B14F-4D97-AF65-F5344CB8AC3E}">
-        <p14:creationId xmlns:p14="http://schemas.microsoft.com/office/powerpoint/2010/main" val="4213874846"/>
+        <p14:creationId xmlns:p14="http://schemas.microsoft.com/office/powerpoint/2010/main" val="116151337"/>
       </p:ext>
     </p:extLst>
   </p:cSld>
   <p:clrMapOvr>
     <a:masterClrMapping/>
   </p:clrMapOvr>
+  <p:timing>
+    <p:tnLst>
+      <p:par>
+        <p:cTn id="1" dur="indefinite" restart="never" nodeType="tmRoot"/>
+      </p:par>
+    </p:tnLst>
+  </p:timing>
 </p:sld>
 </file>
 
@@ -10833,6 +10661,13 @@
   <p:clrMapOvr>
     <a:masterClrMapping/>
   </p:clrMapOvr>
+  <p:timing>
+    <p:tnLst>
+      <p:par>
+        <p:cTn id="1" dur="indefinite" restart="never" nodeType="tmRoot"/>
+      </p:par>
+    </p:tnLst>
+  </p:timing>
 </p:sld>
 </file>
 
@@ -11092,6 +10927,13 @@
   <p:clrMapOvr>
     <a:masterClrMapping/>
   </p:clrMapOvr>
+  <p:timing>
+    <p:tnLst>
+      <p:par>
+        <p:cTn id="1" dur="indefinite" restart="never" nodeType="tmRoot"/>
+      </p:par>
+    </p:tnLst>
+  </p:timing>
 </p:sld>
 </file>
 
@@ -11318,6 +11160,13 @@
   <p:clrMapOvr>
     <a:masterClrMapping/>
   </p:clrMapOvr>
+  <p:timing>
+    <p:tnLst>
+      <p:par>
+        <p:cTn id="1" dur="indefinite" restart="never" nodeType="tmRoot"/>
+      </p:par>
+    </p:tnLst>
+  </p:timing>
 </p:sld>
 </file>
 
@@ -11609,6 +11458,13 @@
   <p:clrMapOvr>
     <a:masterClrMapping/>
   </p:clrMapOvr>
+  <p:timing>
+    <p:tnLst>
+      <p:par>
+        <p:cTn id="1" dur="indefinite" restart="never" nodeType="tmRoot"/>
+      </p:par>
+    </p:tnLst>
+  </p:timing>
 </p:sld>
 </file>
 
@@ -11804,6 +11660,13 @@
   <p:clrMapOvr>
     <a:masterClrMapping/>
   </p:clrMapOvr>
+  <p:timing>
+    <p:tnLst>
+      <p:par>
+        <p:cTn id="1" dur="indefinite" restart="never" nodeType="tmRoot"/>
+      </p:par>
+    </p:tnLst>
+  </p:timing>
 </p:sld>
 </file>
 
@@ -12139,6 +12002,13 @@
   <p:clrMapOvr>
     <a:masterClrMapping/>
   </p:clrMapOvr>
+  <p:timing>
+    <p:tnLst>
+      <p:par>
+        <p:cTn id="1" dur="indefinite" restart="never" nodeType="tmRoot"/>
+      </p:par>
+    </p:tnLst>
+  </p:timing>
 </p:sld>
 </file>
 
@@ -12405,6 +12275,13 @@
   <p:clrMapOvr>
     <a:masterClrMapping/>
   </p:clrMapOvr>
+  <p:timing>
+    <p:tnLst>
+      <p:par>
+        <p:cTn id="1" dur="indefinite" restart="never" nodeType="tmRoot"/>
+      </p:par>
+    </p:tnLst>
+  </p:timing>
 </p:sld>
 </file>
 
@@ -12730,6 +12607,13 @@
   <p:clrMapOvr>
     <a:masterClrMapping/>
   </p:clrMapOvr>
+  <p:timing>
+    <p:tnLst>
+      <p:par>
+        <p:cTn id="1" dur="indefinite" restart="never" nodeType="tmRoot"/>
+      </p:par>
+    </p:tnLst>
+  </p:timing>
 </p:sld>
 </file>
 
@@ -12762,8 +12646,8 @@
         </p:nvSpPr>
         <p:spPr>
           <a:xfrm>
-            <a:off x="408459" y="132813"/>
-            <a:ext cx="8229600" cy="559882"/>
+            <a:off x="539552" y="135897"/>
+            <a:ext cx="8229600" cy="916840"/>
           </a:xfrm>
         </p:spPr>
         <p:txBody>
@@ -12774,8 +12658,20 @@
           <a:p>
             <a:r>
               <a:rPr lang="ru-RU" sz="2800" b="1" dirty="0"/>
-              <a:t>Модель памяти процессора</a:t>
-            </a:r>
+              <a:t>Модель памяти процессора. </a:t>
+            </a:r>
+            <a:br>
+              <a:rPr lang="ru-RU" sz="2800" b="1" dirty="0"/>
+            </a:br>
+            <a:r>
+              <a:rPr lang="ru-RU" sz="2800" b="1" dirty="0"/>
+              <a:t>Виды адресов </a:t>
+            </a:r>
+            <a:r>
+              <a:rPr lang="en-US" sz="2800" b="1" dirty="0"/>
+              <a:t>X86-X64</a:t>
+            </a:r>
+            <a:endParaRPr lang="ru-RU" sz="2800" b="1" dirty="0"/>
           </a:p>
         </p:txBody>
       </p:sp>
@@ -12817,8 +12713,8 @@
         </p:nvSpPr>
         <p:spPr>
           <a:xfrm>
-            <a:off x="58763" y="620689"/>
-            <a:ext cx="8928992" cy="6237310"/>
+            <a:off x="251520" y="1132250"/>
+            <a:ext cx="8556682" cy="5472608"/>
           </a:xfrm>
           <a:prstGeom prst="rect">
             <a:avLst/>
@@ -12966,128 +12862,113 @@
             </a:lvl9pPr>
           </a:lstStyle>
           <a:p>
-            <a:pPr marL="180975" lvl="1" indent="-180975">
-              <a:lnSpc>
-                <a:spcPct val="110000"/>
-              </a:lnSpc>
+            <a:pPr>
               <a:spcBef>
                 <a:spcPts val="1200"/>
               </a:spcBef>
-              <a:buFont typeface="Arial" panose="020B0604020202020204" pitchFamily="34" charset="0"/>
-              <a:buChar char="•"/>
             </a:pPr>
             <a:r>
               <a:rPr lang="ru-RU" sz="2000" b="1" dirty="0"/>
-              <a:t> Сегментная модель памяти (модель адресации памяти) – </a:t>
+              <a:t>Физический адрес </a:t>
             </a:r>
             <a:r>
               <a:rPr lang="ru-RU" sz="2000" dirty="0"/>
-              <a:t>модель в которой память разбита на сегменты, каждый из которых характеризуется своим функционалом</a:t>
-            </a:r>
-          </a:p>
-          <a:p>
-            <a:pPr marL="180975" lvl="1" indent="-180975">
-              <a:lnSpc>
-                <a:spcPct val="110000"/>
-              </a:lnSpc>
+              <a:t>– это адрес в системной памяти компьютера, именно тот адрес, который выставляется на шину адреса.</a:t>
+            </a:r>
+            <a:endParaRPr lang="en-US" sz="2000" dirty="0"/>
+          </a:p>
+          <a:p>
+            <a:pPr>
               <a:spcBef>
                 <a:spcPts val="1200"/>
               </a:spcBef>
-              <a:buFont typeface="Arial" panose="020B0604020202020204" pitchFamily="34" charset="0"/>
-              <a:buChar char="•"/>
-            </a:pPr>
+            </a:pPr>
+            <a:r>
+              <a:rPr lang="ru-RU" sz="2000" b="1" dirty="0"/>
+              <a:t>Логический адрес </a:t>
+            </a:r>
             <a:r>
               <a:rPr lang="ru-RU" sz="2000" dirty="0"/>
-              <a:t>В общем случае каждый сегмент имеет свою цель: стек, данные, программы.</a:t>
-            </a:r>
-          </a:p>
-          <a:p>
-            <a:pPr marL="180975" lvl="1" indent="-180975">
-              <a:lnSpc>
-                <a:spcPct val="110000"/>
-              </a:lnSpc>
+              <a:t>– адрес с указанием сегмента  в формате – </a:t>
+            </a:r>
+            <a:br>
+              <a:rPr lang="ru-RU" sz="2000" dirty="0"/>
+            </a:br>
+            <a:r>
+              <a:rPr lang="ru-RU" sz="2000" dirty="0"/>
+              <a:t>«сегмент: смещение»</a:t>
+            </a:r>
+          </a:p>
+          <a:p>
+            <a:pPr lvl="1">
               <a:spcBef>
                 <a:spcPts val="1200"/>
               </a:spcBef>
-              <a:buFont typeface="Arial" panose="020B0604020202020204" pitchFamily="34" charset="0"/>
-              <a:buChar char="•"/>
             </a:pPr>
             <a:r>
               <a:rPr lang="ru-RU" sz="2000" dirty="0"/>
-              <a:t>Также память может быть разбита на сегменты по уровню доступа (ОС, приложения, драйвера и </a:t>
-            </a:r>
-            <a:r>
-              <a:rPr lang="ru-RU" sz="2000" dirty="0" err="1"/>
-              <a:t>тп</a:t>
+              <a:t>сегмент</a:t>
+            </a:r>
+            <a:r>
+              <a:rPr lang="en-US" sz="2000" dirty="0"/>
+              <a:t> </a:t>
             </a:r>
             <a:r>
               <a:rPr lang="ru-RU" sz="2000" dirty="0"/>
+              <a:t>указывается в сегментном регистре </a:t>
+            </a:r>
+            <a:r>
+              <a:rPr lang="en-US" sz="2000" dirty="0"/>
+              <a:t>(</a:t>
+            </a:r>
+            <a:r>
+              <a:rPr lang="en-US" sz="2000" dirty="0" err="1"/>
+              <a:t>cs</a:t>
+            </a:r>
+            <a:r>
+              <a:rPr lang="en-US" sz="2000" dirty="0"/>
+              <a:t>, ds, </a:t>
+            </a:r>
+            <a:r>
+              <a:rPr lang="en-US" sz="2000" dirty="0" err="1"/>
+              <a:t>ss</a:t>
+            </a:r>
+            <a:r>
+              <a:rPr lang="en-US" sz="2000" dirty="0"/>
               <a:t>)</a:t>
             </a:r>
-          </a:p>
-          <a:p>
-            <a:pPr marL="180975" lvl="1" indent="-180975">
-              <a:lnSpc>
-                <a:spcPct val="110000"/>
-              </a:lnSpc>
+            <a:r>
+              <a:rPr lang="ru-RU" sz="2000" dirty="0"/>
+              <a:t> или непосредственно значением (это значение может быть только 16-битным), а адрес – в обычном регистре или непосредственно значением (это значение может быть 16-, 32-, 64-битным в зависимости</a:t>
+            </a:r>
+            <a:r>
+              <a:rPr lang="en-US" sz="2000" dirty="0"/>
+              <a:t> </a:t>
+            </a:r>
+            <a:r>
+              <a:rPr lang="ru-RU" sz="2000" dirty="0"/>
+              <a:t>от режима). </a:t>
+            </a:r>
+            <a:endParaRPr lang="en-US" sz="2000" dirty="0"/>
+          </a:p>
+          <a:p>
+            <a:pPr lvl="1">
               <a:spcBef>
                 <a:spcPts val="1200"/>
               </a:spcBef>
-              <a:buFont typeface="Arial" panose="020B0604020202020204" pitchFamily="34" charset="0"/>
-              <a:buChar char="•"/>
             </a:pPr>
             <a:r>
               <a:rPr lang="ru-RU" sz="2000" dirty="0"/>
-              <a:t>Каждый такой сегмент имеет свои настройки и права доступа</a:t>
-            </a:r>
-          </a:p>
-        </p:txBody>
-      </p:sp>
-      <p:pic>
-        <p:nvPicPr>
-          <p:cNvPr id="1026" name="Picture 2" descr="Image result for ÑÐµÐ³Ð¼ÐµÐ½ÑÐ½Ð°Ñ Ð¼Ð¾Ð´ÐµÐ»Ñ Ð¿Ð°Ð¼ÑÑÐ¸"/>
-          <p:cNvPicPr>
-            <a:picLocks noChangeAspect="1" noChangeArrowheads="1"/>
-          </p:cNvPicPr>
-          <p:nvPr/>
-        </p:nvPicPr>
-        <p:blipFill>
-          <a:blip r:embed="rId2">
-            <a:extLst>
-              <a:ext uri="{28A0092B-C50C-407E-A947-70E740481C1C}">
-                <a14:useLocalDpi xmlns:a14="http://schemas.microsoft.com/office/drawing/2010/main" val="0"/>
-              </a:ext>
-            </a:extLst>
-          </a:blip>
-          <a:srcRect/>
-          <a:stretch>
-            <a:fillRect/>
-          </a:stretch>
-        </p:blipFill>
-        <p:spPr bwMode="auto">
-          <a:xfrm>
-            <a:off x="7082362" y="2708920"/>
-            <a:ext cx="1890361" cy="3780722"/>
-          </a:xfrm>
-          <a:prstGeom prst="rect">
-            <a:avLst/>
-          </a:prstGeom>
-          <a:noFill/>
-          <a:extLst>
-            <a:ext uri="{909E8E84-426E-40DD-AFC4-6F175D3DCCD1}">
-              <a14:hiddenFill xmlns:a14="http://schemas.microsoft.com/office/drawing/2010/main">
-                <a:solidFill>
-                  <a:srgbClr val="FFFFFF"/>
-                </a:solidFill>
-              </a14:hiddenFill>
-            </a:ext>
-          </a:extLst>
-        </p:spPr>
-      </p:pic>
+              <a:t>способ преобразования логического адреса в физический зависит от режима процессора.</a:t>
+            </a:r>
+            <a:endParaRPr lang="en-US" sz="2000" dirty="0"/>
+          </a:p>
+        </p:txBody>
+      </p:sp>
     </p:spTree>
     <p:extLst>
       <p:ext uri="{BB962C8B-B14F-4D97-AF65-F5344CB8AC3E}">
-        <p14:creationId xmlns:p14="http://schemas.microsoft.com/office/powerpoint/2010/main" val="2491610035"/>
+        <p14:creationId xmlns:p14="http://schemas.microsoft.com/office/powerpoint/2010/main" val="1433000912"/>
       </p:ext>
     </p:extLst>
   </p:cSld>
@@ -13400,6 +13281,13 @@
   <p:clrMapOvr>
     <a:masterClrMapping/>
   </p:clrMapOvr>
+  <p:timing>
+    <p:tnLst>
+      <p:par>
+        <p:cTn id="1" dur="indefinite" restart="never" nodeType="tmRoot"/>
+      </p:par>
+    </p:tnLst>
+  </p:timing>
 </p:sld>
 </file>
 
@@ -13638,6 +13526,13 @@
   <p:clrMapOvr>
     <a:masterClrMapping/>
   </p:clrMapOvr>
+  <p:timing>
+    <p:tnLst>
+      <p:par>
+        <p:cTn id="1" dur="indefinite" restart="never" nodeType="tmRoot"/>
+      </p:par>
+    </p:tnLst>
+  </p:timing>
 </p:sld>
 </file>
 
@@ -13910,6 +13805,13 @@
   <p:clrMapOvr>
     <a:masterClrMapping/>
   </p:clrMapOvr>
+  <p:timing>
+    <p:tnLst>
+      <p:par>
+        <p:cTn id="1" dur="indefinite" restart="never" nodeType="tmRoot"/>
+      </p:par>
+    </p:tnLst>
+  </p:timing>
 </p:sld>
 </file>
 
@@ -14142,6 +14044,13 @@
   <p:clrMapOvr>
     <a:masterClrMapping/>
   </p:clrMapOvr>
+  <p:timing>
+    <p:tnLst>
+      <p:par>
+        <p:cTn id="1" dur="indefinite" restart="never" nodeType="tmRoot"/>
+      </p:par>
+    </p:tnLst>
+  </p:timing>
 </p:sld>
 </file>
 
@@ -14300,6 +14209,13 @@
   <p:clrMapOvr>
     <a:masterClrMapping/>
   </p:clrMapOvr>
+  <p:timing>
+    <p:tnLst>
+      <p:par>
+        <p:cTn id="1" dur="indefinite" restart="never" nodeType="tmRoot"/>
+      </p:par>
+    </p:tnLst>
+  </p:timing>
 </p:sld>
 </file>
 
@@ -14564,6 +14480,13 @@
   <p:clrMapOvr>
     <a:masterClrMapping/>
   </p:clrMapOvr>
+  <p:timing>
+    <p:tnLst>
+      <p:par>
+        <p:cTn id="1" dur="indefinite" restart="never" nodeType="tmRoot"/>
+      </p:par>
+    </p:tnLst>
+  </p:timing>
 </p:sld>
 </file>
 
@@ -14731,6 +14654,13 @@
   <p:clrMapOvr>
     <a:masterClrMapping/>
   </p:clrMapOvr>
+  <p:timing>
+    <p:tnLst>
+      <p:par>
+        <p:cTn id="1" dur="indefinite" restart="never" nodeType="tmRoot"/>
+      </p:par>
+    </p:tnLst>
+  </p:timing>
 </p:sld>
 </file>
 
@@ -14815,6 +14745,13 @@
   <p:clrMapOvr>
     <a:masterClrMapping/>
   </p:clrMapOvr>
+  <p:timing>
+    <p:tnLst>
+      <p:par>
+        <p:cTn id="1" dur="indefinite" restart="never" nodeType="tmRoot"/>
+      </p:par>
+    </p:tnLst>
+  </p:timing>
 </p:sld>
 </file>
 
@@ -15076,6 +15013,13 @@
   <p:clrMapOvr>
     <a:masterClrMapping/>
   </p:clrMapOvr>
+  <p:timing>
+    <p:tnLst>
+      <p:par>
+        <p:cTn id="1" dur="indefinite" restart="never" nodeType="tmRoot"/>
+      </p:par>
+    </p:tnLst>
+  </p:timing>
 </p:sld>
 </file>
 
@@ -15280,6 +15224,13 @@
   <p:clrMapOvr>
     <a:masterClrMapping/>
   </p:clrMapOvr>
+  <p:timing>
+    <p:tnLst>
+      <p:par>
+        <p:cTn id="1" dur="indefinite" restart="never" nodeType="tmRoot"/>
+      </p:par>
+    </p:tnLst>
+  </p:timing>
 </p:sld>
 </file>
 
@@ -15312,8 +15263,8 @@
         </p:nvSpPr>
         <p:spPr>
           <a:xfrm>
-            <a:off x="408459" y="132813"/>
-            <a:ext cx="8229600" cy="559882"/>
+            <a:off x="539552" y="135897"/>
+            <a:ext cx="8229600" cy="916840"/>
           </a:xfrm>
         </p:spPr>
         <p:txBody>
@@ -15324,8 +15275,20 @@
           <a:p>
             <a:r>
               <a:rPr lang="ru-RU" sz="2800" b="1" dirty="0"/>
-              <a:t>Модель памяти процессора</a:t>
-            </a:r>
+              <a:t>Модель памяти процессора. </a:t>
+            </a:r>
+            <a:br>
+              <a:rPr lang="ru-RU" sz="2800" b="1" dirty="0"/>
+            </a:br>
+            <a:r>
+              <a:rPr lang="ru-RU" sz="2800" b="1" dirty="0"/>
+              <a:t>Виды адресов </a:t>
+            </a:r>
+            <a:r>
+              <a:rPr lang="en-US" sz="2800" b="1" dirty="0"/>
+              <a:t>X86-X64</a:t>
+            </a:r>
+            <a:endParaRPr lang="ru-RU" sz="2800" b="1" dirty="0"/>
           </a:p>
         </p:txBody>
       </p:sp>
@@ -15367,8 +15330,8 @@
         </p:nvSpPr>
         <p:spPr>
           <a:xfrm>
-            <a:off x="58763" y="620689"/>
-            <a:ext cx="8928992" cy="6237310"/>
+            <a:off x="247366" y="1033265"/>
+            <a:ext cx="8556682" cy="5472608"/>
           </a:xfrm>
           <a:prstGeom prst="rect">
             <a:avLst/>
@@ -15516,107 +15479,55 @@
             </a:lvl9pPr>
           </a:lstStyle>
           <a:p>
-            <a:pPr marL="180975" lvl="1" indent="-180975">
-              <a:lnSpc>
-                <a:spcPct val="110000"/>
-              </a:lnSpc>
+            <a:pPr>
               <a:spcBef>
                 <a:spcPts val="1200"/>
               </a:spcBef>
-              <a:buFont typeface="Arial" panose="020B0604020202020204" pitchFamily="34" charset="0"/>
-              <a:buChar char="•"/>
             </a:pPr>
             <a:r>
               <a:rPr lang="ru-RU" sz="2000" b="1" dirty="0"/>
-              <a:t>Виртуальная память</a:t>
+              <a:t>Линейный адрес </a:t>
             </a:r>
             <a:r>
               <a:rPr lang="ru-RU" sz="2000" dirty="0"/>
-              <a:t> — модель памяти ПК, в которой процессор работает с виртуальной памятью, транслируемой в физические адреса устройством управления памятью </a:t>
-            </a:r>
-            <a:r>
-              <a:rPr lang="en-US" sz="2000" dirty="0"/>
-              <a:t>(MMU)</a:t>
-            </a:r>
+              <a:t>– адрес полученный после преобразования логического адреса </a:t>
+            </a:r>
+          </a:p>
+          <a:p>
+            <a:pPr lvl="1">
+              <a:spcBef>
+                <a:spcPts val="1200"/>
+              </a:spcBef>
+            </a:pPr>
             <a:r>
               <a:rPr lang="ru-RU" sz="2000" dirty="0"/>
-              <a:t>.</a:t>
-            </a:r>
-          </a:p>
-          <a:p>
-            <a:pPr marL="581025" lvl="2" indent="-180975">
-              <a:lnSpc>
-                <a:spcPct val="110000"/>
-              </a:lnSpc>
+              <a:t>После преобразования адреса  получается абсолютный 20-, 32-, 64-битный адрес (в зависимости от режима); этот адрес называется линейным. </a:t>
+            </a:r>
+          </a:p>
+          <a:p>
+            <a:pPr lvl="1">
               <a:spcBef>
                 <a:spcPts val="1200"/>
               </a:spcBef>
             </a:pPr>
             <a:r>
               <a:rPr lang="ru-RU" sz="2000" dirty="0"/>
-              <a:t>Преимущество – виртуальное расширение ОЗУ за счет файла подкачки.</a:t>
-            </a:r>
-          </a:p>
-          <a:p>
-            <a:pPr marL="180975" lvl="1" indent="-180975">
-              <a:lnSpc>
-                <a:spcPct val="110000"/>
-              </a:lnSpc>
+              <a:t>В режиме реальных адресов физический адрес сразу выставляется на шину адреса.</a:t>
+            </a:r>
+          </a:p>
+          <a:p>
+            <a:pPr>
               <a:spcBef>
                 <a:spcPts val="1200"/>
               </a:spcBef>
-              <a:buFont typeface="Arial" panose="020B0604020202020204" pitchFamily="34" charset="0"/>
-              <a:buChar char="•"/>
             </a:pPr>
             <a:r>
               <a:rPr lang="ru-RU" sz="2000" b="1" dirty="0"/>
-              <a:t>Страничная виртуальная модель памяти – </a:t>
+              <a:t>Виртуальный адрес </a:t>
             </a:r>
             <a:r>
               <a:rPr lang="ru-RU" sz="2000" dirty="0"/>
-              <a:t>способ организации виртуального адресного пространства, в котором единицей отображения виртуального адреса в физический является область фиксированного размера (страница).</a:t>
-            </a:r>
-          </a:p>
-          <a:p>
-            <a:pPr marL="581025" lvl="2" indent="-180975">
-              <a:lnSpc>
-                <a:spcPct val="110000"/>
-              </a:lnSpc>
-              <a:spcBef>
-                <a:spcPts val="1200"/>
-              </a:spcBef>
-            </a:pPr>
-            <a:r>
-              <a:rPr lang="ru-RU" sz="2000" dirty="0"/>
-              <a:t>Страницы могут быть не только в ОЗУ, но и сброшены в файл подкачки на жесткий диск.</a:t>
-            </a:r>
-          </a:p>
-          <a:p>
-            <a:pPr marL="581025" lvl="2" indent="-180975">
-              <a:lnSpc>
-                <a:spcPct val="110000"/>
-              </a:lnSpc>
-              <a:spcBef>
-                <a:spcPts val="1200"/>
-              </a:spcBef>
-            </a:pPr>
-            <a:r>
-              <a:rPr lang="ru-RU" sz="2000" dirty="0"/>
-              <a:t>Физический адрес = адрес страницы + смещение внутри нее.</a:t>
-            </a:r>
-          </a:p>
-          <a:p>
-            <a:pPr marL="581025" lvl="2" indent="-180975">
-              <a:lnSpc>
-                <a:spcPct val="110000"/>
-              </a:lnSpc>
-              <a:spcBef>
-                <a:spcPts val="1200"/>
-              </a:spcBef>
-            </a:pPr>
-            <a:r>
-              <a:rPr lang="ru-RU" sz="2000" dirty="0"/>
-              <a:t>Организацией работы страниц занимается операционная система.</a:t>
+              <a:t>– линейный адрес, полученный в 64 совместимом режиме при помощи механизма трансляции.  (Механизм задается ОС, при отсутствии механизма виртуальный адрес = линейный). </a:t>
             </a:r>
           </a:p>
         </p:txBody>
@@ -15624,7 +15535,7 @@
     </p:spTree>
     <p:extLst>
       <p:ext uri="{BB962C8B-B14F-4D97-AF65-F5344CB8AC3E}">
-        <p14:creationId xmlns:p14="http://schemas.microsoft.com/office/powerpoint/2010/main" val="2660906200"/>
+        <p14:creationId xmlns:p14="http://schemas.microsoft.com/office/powerpoint/2010/main" val="639428279"/>
       </p:ext>
     </p:extLst>
   </p:cSld>
@@ -15901,6 +15812,13 @@
   <p:clrMapOvr>
     <a:masterClrMapping/>
   </p:clrMapOvr>
+  <p:timing>
+    <p:tnLst>
+      <p:par>
+        <p:cTn id="1" dur="indefinite" restart="never" nodeType="tmRoot"/>
+      </p:par>
+    </p:tnLst>
+  </p:timing>
 </p:sld>
 </file>
 
@@ -16139,6 +16057,13 @@
   <p:clrMapOvr>
     <a:masterClrMapping/>
   </p:clrMapOvr>
+  <p:timing>
+    <p:tnLst>
+      <p:par>
+        <p:cTn id="1" dur="indefinite" restart="never" nodeType="tmRoot"/>
+      </p:par>
+    </p:tnLst>
+  </p:timing>
 </p:sld>
 </file>
 
@@ -16366,6 +16291,13 @@
   <p:clrMapOvr>
     <a:masterClrMapping/>
   </p:clrMapOvr>
+  <p:timing>
+    <p:tnLst>
+      <p:par>
+        <p:cTn id="1" dur="indefinite" restart="never" nodeType="tmRoot"/>
+      </p:par>
+    </p:tnLst>
+  </p:timing>
 </p:sld>
 </file>
 
@@ -16659,6 +16591,13 @@
   <p:clrMapOvr>
     <a:masterClrMapping/>
   </p:clrMapOvr>
+  <p:timing>
+    <p:tnLst>
+      <p:par>
+        <p:cTn id="1" dur="indefinite" restart="never" nodeType="tmRoot"/>
+      </p:par>
+    </p:tnLst>
+  </p:timing>
 </p:sld>
 </file>
 
@@ -16964,6 +16903,13 @@
   <p:clrMapOvr>
     <a:masterClrMapping/>
   </p:clrMapOvr>
+  <p:timing>
+    <p:tnLst>
+      <p:par>
+        <p:cTn id="1" dur="indefinite" restart="never" nodeType="tmRoot"/>
+      </p:par>
+    </p:tnLst>
+  </p:timing>
 </p:sld>
 </file>
 
@@ -17056,6 +17002,13 @@
       <p:transition spd="slow"/>
     </mc:Fallback>
   </mc:AlternateContent>
+  <p:timing>
+    <p:tnLst>
+      <p:par>
+        <p:cTn id="1" dur="indefinite" restart="never" nodeType="tmRoot"/>
+      </p:par>
+    </p:tnLst>
+  </p:timing>
 </p:sld>
 </file>
 
@@ -17251,6 +17204,13 @@
       <p:transition spd="slow"/>
     </mc:Fallback>
   </mc:AlternateContent>
+  <p:timing>
+    <p:tnLst>
+      <p:par>
+        <p:cTn id="1" dur="indefinite" restart="never" nodeType="tmRoot"/>
+      </p:par>
+    </p:tnLst>
+  </p:timing>
 </p:sld>
 </file>
 
@@ -17459,6 +17419,13 @@
       <p:transition spd="slow"/>
     </mc:Fallback>
   </mc:AlternateContent>
+  <p:timing>
+    <p:tnLst>
+      <p:par>
+        <p:cTn id="1" dur="indefinite" restart="never" nodeType="tmRoot"/>
+      </p:par>
+    </p:tnLst>
+  </p:timing>
 </p:sld>
 </file>
 
@@ -17646,6 +17613,13 @@
       <p:transition spd="slow"/>
     </mc:Fallback>
   </mc:AlternateContent>
+  <p:timing>
+    <p:tnLst>
+      <p:par>
+        <p:cTn id="1" dur="indefinite" restart="never" nodeType="tmRoot"/>
+      </p:par>
+    </p:tnLst>
+  </p:timing>
 </p:sld>
 </file>
 
@@ -17746,6 +17720,13 @@
       <p:transition spd="slow"/>
     </mc:Fallback>
   </mc:AlternateContent>
+  <p:timing>
+    <p:tnLst>
+      <p:par>
+        <p:cTn id="1" dur="indefinite" restart="never" nodeType="tmRoot"/>
+      </p:par>
+    </p:tnLst>
+  </p:timing>
 </p:sld>
 </file>
 
@@ -17778,7 +17759,7 @@
         </p:nvSpPr>
         <p:spPr>
           <a:xfrm>
-            <a:off x="441598" y="204822"/>
+            <a:off x="408459" y="132813"/>
             <a:ext cx="8229600" cy="559882"/>
           </a:xfrm>
         </p:spPr>
@@ -17790,7 +17771,7 @@
           <a:p>
             <a:r>
               <a:rPr lang="ru-RU" sz="2800" b="1" dirty="0"/>
-              <a:t>Модель памяти процессора. Особые виды памяти</a:t>
+              <a:t>Модель памяти процессора</a:t>
             </a:r>
           </a:p>
         </p:txBody>
@@ -17833,8 +17814,8 @@
         </p:nvSpPr>
         <p:spPr>
           <a:xfrm>
-            <a:off x="91902" y="692697"/>
-            <a:ext cx="8928992" cy="6048672"/>
+            <a:off x="58763" y="620689"/>
+            <a:ext cx="8928992" cy="6237310"/>
           </a:xfrm>
           <a:prstGeom prst="rect">
             <a:avLst/>
@@ -17982,185 +17963,128 @@
             </a:lvl9pPr>
           </a:lstStyle>
           <a:p>
-            <a:pPr marL="177800" indent="-177800">
+            <a:pPr marL="180975" lvl="1" indent="-180975">
               <a:lnSpc>
                 <a:spcPct val="110000"/>
               </a:lnSpc>
               <a:spcBef>
-                <a:spcPts val="200"/>
-              </a:spcBef>
+                <a:spcPts val="1200"/>
+              </a:spcBef>
+              <a:buFont typeface="Arial" panose="020B0604020202020204" pitchFamily="34" charset="0"/>
+              <a:buChar char="•"/>
             </a:pPr>
             <a:r>
               <a:rPr lang="ru-RU" sz="2000" b="1" dirty="0"/>
-              <a:t>Регистровая память </a:t>
+              <a:t> Сегментная модель памяти (модель адресации памяти) – </a:t>
             </a:r>
             <a:r>
               <a:rPr lang="ru-RU" sz="2000" dirty="0"/>
-              <a:t>– набор регистров процессора, ячейки памяти в самом процессоре. </a:t>
-            </a:r>
-          </a:p>
-          <a:p>
-            <a:pPr marL="581025" lvl="2" indent="-180975">
+              <a:t>модель в которой память разбита на сегменты, каждый из которых характеризуется своим функционалом</a:t>
+            </a:r>
+          </a:p>
+          <a:p>
+            <a:pPr marL="180975" lvl="1" indent="-180975">
               <a:lnSpc>
                 <a:spcPct val="110000"/>
               </a:lnSpc>
               <a:spcBef>
-                <a:spcPts val="600"/>
-              </a:spcBef>
-            </a:pPr>
-            <a:r>
-              <a:rPr lang="ru-RU" sz="2000" b="1" dirty="0" err="1"/>
-              <a:t>Basic</a:t>
-            </a:r>
-            <a:r>
-              <a:rPr lang="ru-RU" sz="2000" b="1" dirty="0"/>
-              <a:t> </a:t>
-            </a:r>
-            <a:r>
-              <a:rPr lang="ru-RU" sz="2000" b="1" dirty="0" err="1"/>
-              <a:t>program</a:t>
-            </a:r>
-            <a:r>
-              <a:rPr lang="ru-RU" sz="2000" b="1" dirty="0"/>
-              <a:t> </a:t>
-            </a:r>
-            <a:r>
-              <a:rPr lang="ru-RU" sz="2000" b="1" dirty="0" err="1"/>
-              <a:t>registers</a:t>
-            </a:r>
-            <a:r>
-              <a:rPr lang="ru-RU" sz="2000" b="1" dirty="0"/>
-              <a:t> </a:t>
-            </a:r>
+                <a:spcPts val="1200"/>
+              </a:spcBef>
+              <a:buFont typeface="Arial" panose="020B0604020202020204" pitchFamily="34" charset="0"/>
+              <a:buChar char="•"/>
+            </a:pPr>
             <a:r>
               <a:rPr lang="ru-RU" sz="2000" dirty="0"/>
-              <a:t>(Основные программные регистры) - это для обслуживания процессора и  обработки целочисленных данных.</a:t>
-            </a:r>
-            <a:br>
-              <a:rPr lang="ru-RU" sz="2000" dirty="0"/>
-            </a:br>
-            <a:r>
-              <a:rPr lang="ru-RU" sz="2000" b="1" dirty="0" err="1"/>
-              <a:t>Floating</a:t>
-            </a:r>
-            <a:r>
-              <a:rPr lang="ru-RU" sz="2000" b="1" dirty="0"/>
-              <a:t> </a:t>
-            </a:r>
-            <a:r>
-              <a:rPr lang="ru-RU" sz="2000" b="1" dirty="0" err="1"/>
-              <a:t>Point</a:t>
-            </a:r>
-            <a:r>
-              <a:rPr lang="ru-RU" sz="2000" b="1" dirty="0"/>
-              <a:t> </a:t>
-            </a:r>
-            <a:r>
-              <a:rPr lang="ru-RU" sz="2000" b="1" dirty="0" err="1"/>
-              <a:t>Unit</a:t>
-            </a:r>
-            <a:r>
-              <a:rPr lang="ru-RU" sz="2000" b="1" dirty="0"/>
-              <a:t> </a:t>
-            </a:r>
-            <a:r>
-              <a:rPr lang="ru-RU" sz="2000" b="1" dirty="0" err="1"/>
-              <a:t>registers</a:t>
-            </a:r>
-            <a:r>
-              <a:rPr lang="ru-RU" sz="2000" b="1" dirty="0"/>
-              <a:t> </a:t>
-            </a:r>
-            <a:r>
-              <a:rPr lang="ru-RU" sz="2000" dirty="0"/>
-              <a:t>(FPU, </a:t>
-            </a:r>
-            <a:r>
-              <a:rPr lang="en-US" sz="2000" dirty="0"/>
-              <a:t>X87</a:t>
-            </a:r>
-            <a:r>
-              <a:rPr lang="ru-RU" sz="2000" dirty="0"/>
-              <a:t>) – это набор регистров для работы с данными в формате с плавающей точкой.</a:t>
-            </a:r>
-            <a:br>
-              <a:rPr lang="ru-RU" sz="2000" dirty="0"/>
-            </a:br>
-            <a:r>
-              <a:rPr lang="ru-RU" sz="2000" b="1" dirty="0"/>
-              <a:t>MMX и XMM </a:t>
-            </a:r>
-            <a:r>
-              <a:rPr lang="ru-RU" sz="2000" b="1" dirty="0" err="1"/>
-              <a:t>registers</a:t>
-            </a:r>
-            <a:r>
-              <a:rPr lang="ru-RU" sz="2000" b="1" dirty="0"/>
-              <a:t> </a:t>
-            </a:r>
-            <a:r>
-              <a:rPr lang="ru-RU" sz="2000" dirty="0"/>
-              <a:t>- это регистры для систематизированной обработки увеличенного количества операндов. </a:t>
-            </a:r>
-          </a:p>
-          <a:p>
-            <a:pPr marL="581025" lvl="2" indent="-180975">
+              <a:t>В общем случае каждый сегмент имеет свою цель: стек, данные, программы.</a:t>
+            </a:r>
+          </a:p>
+          <a:p>
+            <a:pPr marL="180975" lvl="1" indent="-180975">
               <a:lnSpc>
                 <a:spcPct val="110000"/>
               </a:lnSpc>
               <a:spcBef>
-                <a:spcPts val="600"/>
-              </a:spcBef>
+                <a:spcPts val="1200"/>
+              </a:spcBef>
+              <a:buFont typeface="Arial" panose="020B0604020202020204" pitchFamily="34" charset="0"/>
+              <a:buChar char="•"/>
             </a:pPr>
             <a:r>
               <a:rPr lang="ru-RU" sz="2000" dirty="0"/>
-              <a:t>Когда процессор совершает какие-то операции со значением или с памятью, он берет эти значения непосредственно из регистров или из стека.</a:t>
-            </a:r>
-          </a:p>
-          <a:p>
-            <a:pPr marL="342900" lvl="2" indent="-342900">
+              <a:t>Также память может быть разбита на сегменты по уровню доступа (ОС, приложения, драйвера и </a:t>
+            </a:r>
+            <a:r>
+              <a:rPr lang="ru-RU" sz="2000" dirty="0" err="1"/>
+              <a:t>тп</a:t>
+            </a:r>
+            <a:r>
+              <a:rPr lang="ru-RU" sz="2000" dirty="0"/>
+              <a:t>)</a:t>
+            </a:r>
+          </a:p>
+          <a:p>
+            <a:pPr marL="180975" lvl="1" indent="-180975">
               <a:lnSpc>
                 <a:spcPct val="110000"/>
               </a:lnSpc>
               <a:spcBef>
-                <a:spcPts val="600"/>
-              </a:spcBef>
-            </a:pPr>
-            <a:r>
-              <a:rPr lang="ru-RU" sz="2000" b="1" dirty="0"/>
-              <a:t>Стек</a:t>
-            </a:r>
+                <a:spcPts val="1200"/>
+              </a:spcBef>
+              <a:buFont typeface="Arial" panose="020B0604020202020204" pitchFamily="34" charset="0"/>
+              <a:buChar char="•"/>
+            </a:pPr>
             <a:r>
               <a:rPr lang="ru-RU" sz="2000" dirty="0"/>
-              <a:t> - специальный раздел оперативной памяти, предназначенный для быстрого безадресного доступа к элементам (по принципу </a:t>
-            </a:r>
-            <a:r>
-              <a:rPr lang="en-US" sz="2000" dirty="0"/>
-              <a:t>last input first output)</a:t>
-            </a:r>
-            <a:r>
-              <a:rPr lang="ru-RU" sz="2000" dirty="0"/>
-              <a:t>.</a:t>
-            </a:r>
-          </a:p>
-          <a:p>
-            <a:pPr marL="400050" lvl="2" indent="0">
-              <a:lnSpc>
-                <a:spcPct val="110000"/>
-              </a:lnSpc>
-              <a:spcBef>
-                <a:spcPts val="600"/>
-              </a:spcBef>
-              <a:buNone/>
-            </a:pPr>
-            <a:endParaRPr lang="ru-RU" sz="2000" dirty="0"/>
-          </a:p>
-        </p:txBody>
-      </p:sp>
+              <a:t>Каждый такой сегмент имеет свои настройки и права доступа</a:t>
+            </a:r>
+          </a:p>
+        </p:txBody>
+      </p:sp>
+      <p:pic>
+        <p:nvPicPr>
+          <p:cNvPr id="1026" name="Picture 2" descr="Image result for ÑÐµÐ³Ð¼ÐµÐ½ÑÐ½Ð°Ñ Ð¼Ð¾Ð´ÐµÐ»Ñ Ð¿Ð°Ð¼ÑÑÐ¸"/>
+          <p:cNvPicPr>
+            <a:picLocks noChangeAspect="1" noChangeArrowheads="1"/>
+          </p:cNvPicPr>
+          <p:nvPr/>
+        </p:nvPicPr>
+        <p:blipFill>
+          <a:blip r:embed="rId2">
+            <a:extLst>
+              <a:ext uri="{28A0092B-C50C-407E-A947-70E740481C1C}">
+                <a14:useLocalDpi xmlns:a14="http://schemas.microsoft.com/office/drawing/2010/main" val="0"/>
+              </a:ext>
+            </a:extLst>
+          </a:blip>
+          <a:srcRect/>
+          <a:stretch>
+            <a:fillRect/>
+          </a:stretch>
+        </p:blipFill>
+        <p:spPr bwMode="auto">
+          <a:xfrm>
+            <a:off x="7082362" y="2708920"/>
+            <a:ext cx="1890361" cy="3780722"/>
+          </a:xfrm>
+          <a:prstGeom prst="rect">
+            <a:avLst/>
+          </a:prstGeom>
+          <a:noFill/>
+          <a:extLst>
+            <a:ext uri="{909E8E84-426E-40DD-AFC4-6F175D3DCCD1}">
+              <a14:hiddenFill xmlns:a14="http://schemas.microsoft.com/office/drawing/2010/main">
+                <a:solidFill>
+                  <a:srgbClr val="FFFFFF"/>
+                </a:solidFill>
+              </a14:hiddenFill>
+            </a:ext>
+          </a:extLst>
+        </p:spPr>
+      </p:pic>
     </p:spTree>
     <p:extLst>
       <p:ext uri="{BB962C8B-B14F-4D97-AF65-F5344CB8AC3E}">
-        <p14:creationId xmlns:p14="http://schemas.microsoft.com/office/powerpoint/2010/main" val="627029089"/>
+        <p14:creationId xmlns:p14="http://schemas.microsoft.com/office/powerpoint/2010/main" val="2491610035"/>
       </p:ext>
     </p:extLst>
   </p:cSld>
@@ -18427,6 +18351,13 @@
       <p:transition spd="slow"/>
     </mc:Fallback>
   </mc:AlternateContent>
+  <p:timing>
+    <p:tnLst>
+      <p:par>
+        <p:cTn id="1" dur="indefinite" restart="never" nodeType="tmRoot"/>
+      </p:par>
+    </p:tnLst>
+  </p:timing>
 </p:sld>
 </file>
 
@@ -20624,6 +20555,13 @@
       <p:transition spd="slow"/>
     </mc:Fallback>
   </mc:AlternateContent>
+  <p:timing>
+    <p:tnLst>
+      <p:par>
+        <p:cTn id="1" dur="indefinite" restart="never" nodeType="tmRoot"/>
+      </p:par>
+    </p:tnLst>
+  </p:timing>
 </p:sld>
 </file>
 
@@ -20651,47 +20589,316 @@
             <a:spLocks noGrp="1"/>
           </p:cNvSpPr>
           <p:nvPr>
-            <p:ph type="ctrTitle"/>
+            <p:ph type="title"/>
           </p:nvPr>
         </p:nvSpPr>
-        <p:spPr/>
-        <p:txBody>
-          <a:bodyPr/>
-          <a:lstStyle/>
-          <a:p>
-            <a:r>
-              <a:rPr lang="ru-RU" dirty="0"/>
-              <a:t>Особенности сегментов памяти</a:t>
-            </a:r>
-          </a:p>
-        </p:txBody>
-      </p:sp>
-      <p:sp>
-        <p:nvSpPr>
-          <p:cNvPr id="3" name="Подзаголовок 2"/>
-          <p:cNvSpPr>
-            <a:spLocks noGrp="1"/>
-          </p:cNvSpPr>
-          <p:nvPr>
-            <p:ph type="subTitle" idx="1"/>
-          </p:nvPr>
-        </p:nvSpPr>
-        <p:spPr/>
+        <p:spPr>
+          <a:xfrm>
+            <a:off x="408459" y="132813"/>
+            <a:ext cx="8229600" cy="559882"/>
+          </a:xfrm>
+        </p:spPr>
         <p:txBody>
           <a:bodyPr>
-            <a:normAutofit fontScale="92500" lnSpcReduction="20000"/>
+            <a:noAutofit/>
           </a:bodyPr>
           <a:lstStyle/>
           <a:p>
             <a:r>
-              <a:rPr lang="ru-RU" b="1" dirty="0"/>
-              <a:t>Лекция 3. Модель памяти процессоров</a:t>
-            </a:r>
-          </a:p>
-          <a:p>
-            <a:r>
-              <a:rPr lang="ru-RU" dirty="0"/>
-              <a:t>Аппаратные средства телекоммуникационных систем</a:t>
+              <a:rPr lang="ru-RU" sz="2800" b="1" dirty="0"/>
+              <a:t>Модель памяти процессора</a:t>
+            </a:r>
+          </a:p>
+        </p:txBody>
+      </p:sp>
+      <p:sp>
+        <p:nvSpPr>
+          <p:cNvPr id="5" name="TextBox 4"/>
+          <p:cNvSpPr txBox="1"/>
+          <p:nvPr/>
+        </p:nvSpPr>
+        <p:spPr>
+          <a:xfrm>
+            <a:off x="5220072" y="6235526"/>
+            <a:ext cx="648072" cy="369332"/>
+          </a:xfrm>
+          <a:prstGeom prst="rect">
+            <a:avLst/>
+          </a:prstGeom>
+          <a:solidFill>
+            <a:schemeClr val="bg1"/>
+          </a:solidFill>
+        </p:spPr>
+        <p:txBody>
+          <a:bodyPr wrap="square" rtlCol="0">
+            <a:spAutoFit/>
+          </a:bodyPr>
+          <a:lstStyle/>
+          <a:p>
+            <a:endParaRPr lang="ru-RU" dirty="0"/>
+          </a:p>
+        </p:txBody>
+      </p:sp>
+      <p:sp>
+        <p:nvSpPr>
+          <p:cNvPr id="8" name="Объект 2"/>
+          <p:cNvSpPr txBox="1">
+            <a:spLocks/>
+          </p:cNvSpPr>
+          <p:nvPr/>
+        </p:nvSpPr>
+        <p:spPr>
+          <a:xfrm>
+            <a:off x="58763" y="620689"/>
+            <a:ext cx="8928992" cy="6237310"/>
+          </a:xfrm>
+          <a:prstGeom prst="rect">
+            <a:avLst/>
+          </a:prstGeom>
+        </p:spPr>
+        <p:txBody>
+          <a:bodyPr vert="horz" lIns="91440" tIns="45720" rIns="91440" bIns="45720" rtlCol="0">
+            <a:normAutofit/>
+          </a:bodyPr>
+          <a:lstStyle>
+            <a:lvl1pPr marL="342900" indent="-342900" algn="l" defTabSz="914400" rtl="0" eaLnBrk="1" latinLnBrk="0" hangingPunct="1">
+              <a:spcBef>
+                <a:spcPct val="20000"/>
+              </a:spcBef>
+              <a:buFont typeface="Arial" panose="020B0604020202020204" pitchFamily="34" charset="0"/>
+              <a:buChar char="•"/>
+              <a:defRPr sz="3200" kern="1200">
+                <a:solidFill>
+                  <a:schemeClr val="tx1"/>
+                </a:solidFill>
+                <a:latin typeface="+mn-lt"/>
+                <a:ea typeface="+mn-ea"/>
+                <a:cs typeface="+mn-cs"/>
+              </a:defRPr>
+            </a:lvl1pPr>
+            <a:lvl2pPr marL="742950" indent="-285750" algn="l" defTabSz="914400" rtl="0" eaLnBrk="1" latinLnBrk="0" hangingPunct="1">
+              <a:spcBef>
+                <a:spcPct val="20000"/>
+              </a:spcBef>
+              <a:buFont typeface="Arial" panose="020B0604020202020204" pitchFamily="34" charset="0"/>
+              <a:buChar char="–"/>
+              <a:defRPr sz="2800" kern="1200">
+                <a:solidFill>
+                  <a:schemeClr val="tx1"/>
+                </a:solidFill>
+                <a:latin typeface="+mn-lt"/>
+                <a:ea typeface="+mn-ea"/>
+                <a:cs typeface="+mn-cs"/>
+              </a:defRPr>
+            </a:lvl2pPr>
+            <a:lvl3pPr marL="1143000" indent="-228600" algn="l" defTabSz="914400" rtl="0" eaLnBrk="1" latinLnBrk="0" hangingPunct="1">
+              <a:spcBef>
+                <a:spcPct val="20000"/>
+              </a:spcBef>
+              <a:buFont typeface="Arial" panose="020B0604020202020204" pitchFamily="34" charset="0"/>
+              <a:buChar char="•"/>
+              <a:defRPr sz="2400" kern="1200">
+                <a:solidFill>
+                  <a:schemeClr val="tx1"/>
+                </a:solidFill>
+                <a:latin typeface="+mn-lt"/>
+                <a:ea typeface="+mn-ea"/>
+                <a:cs typeface="+mn-cs"/>
+              </a:defRPr>
+            </a:lvl3pPr>
+            <a:lvl4pPr marL="1600200" indent="-228600" algn="l" defTabSz="914400" rtl="0" eaLnBrk="1" latinLnBrk="0" hangingPunct="1">
+              <a:spcBef>
+                <a:spcPct val="20000"/>
+              </a:spcBef>
+              <a:buFont typeface="Arial" panose="020B0604020202020204" pitchFamily="34" charset="0"/>
+              <a:buChar char="–"/>
+              <a:defRPr sz="2000" kern="1200">
+                <a:solidFill>
+                  <a:schemeClr val="tx1"/>
+                </a:solidFill>
+                <a:latin typeface="+mn-lt"/>
+                <a:ea typeface="+mn-ea"/>
+                <a:cs typeface="+mn-cs"/>
+              </a:defRPr>
+            </a:lvl4pPr>
+            <a:lvl5pPr marL="2057400" indent="-228600" algn="l" defTabSz="914400" rtl="0" eaLnBrk="1" latinLnBrk="0" hangingPunct="1">
+              <a:spcBef>
+                <a:spcPct val="20000"/>
+              </a:spcBef>
+              <a:buFont typeface="Arial" panose="020B0604020202020204" pitchFamily="34" charset="0"/>
+              <a:buChar char="»"/>
+              <a:defRPr sz="2000" kern="1200">
+                <a:solidFill>
+                  <a:schemeClr val="tx1"/>
+                </a:solidFill>
+                <a:latin typeface="+mn-lt"/>
+                <a:ea typeface="+mn-ea"/>
+                <a:cs typeface="+mn-cs"/>
+              </a:defRPr>
+            </a:lvl5pPr>
+            <a:lvl6pPr marL="2514600" indent="-228600" algn="l" defTabSz="914400" rtl="0" eaLnBrk="1" latinLnBrk="0" hangingPunct="1">
+              <a:spcBef>
+                <a:spcPct val="20000"/>
+              </a:spcBef>
+              <a:buFont typeface="Arial" panose="020B0604020202020204" pitchFamily="34" charset="0"/>
+              <a:buChar char="•"/>
+              <a:defRPr sz="2000" kern="1200">
+                <a:solidFill>
+                  <a:schemeClr val="tx1"/>
+                </a:solidFill>
+                <a:latin typeface="+mn-lt"/>
+                <a:ea typeface="+mn-ea"/>
+                <a:cs typeface="+mn-cs"/>
+              </a:defRPr>
+            </a:lvl6pPr>
+            <a:lvl7pPr marL="2971800" indent="-228600" algn="l" defTabSz="914400" rtl="0" eaLnBrk="1" latinLnBrk="0" hangingPunct="1">
+              <a:spcBef>
+                <a:spcPct val="20000"/>
+              </a:spcBef>
+              <a:buFont typeface="Arial" panose="020B0604020202020204" pitchFamily="34" charset="0"/>
+              <a:buChar char="•"/>
+              <a:defRPr sz="2000" kern="1200">
+                <a:solidFill>
+                  <a:schemeClr val="tx1"/>
+                </a:solidFill>
+                <a:latin typeface="+mn-lt"/>
+                <a:ea typeface="+mn-ea"/>
+                <a:cs typeface="+mn-cs"/>
+              </a:defRPr>
+            </a:lvl7pPr>
+            <a:lvl8pPr marL="3429000" indent="-228600" algn="l" defTabSz="914400" rtl="0" eaLnBrk="1" latinLnBrk="0" hangingPunct="1">
+              <a:spcBef>
+                <a:spcPct val="20000"/>
+              </a:spcBef>
+              <a:buFont typeface="Arial" panose="020B0604020202020204" pitchFamily="34" charset="0"/>
+              <a:buChar char="•"/>
+              <a:defRPr sz="2000" kern="1200">
+                <a:solidFill>
+                  <a:schemeClr val="tx1"/>
+                </a:solidFill>
+                <a:latin typeface="+mn-lt"/>
+                <a:ea typeface="+mn-ea"/>
+                <a:cs typeface="+mn-cs"/>
+              </a:defRPr>
+            </a:lvl8pPr>
+            <a:lvl9pPr marL="3886200" indent="-228600" algn="l" defTabSz="914400" rtl="0" eaLnBrk="1" latinLnBrk="0" hangingPunct="1">
+              <a:spcBef>
+                <a:spcPct val="20000"/>
+              </a:spcBef>
+              <a:buFont typeface="Arial" panose="020B0604020202020204" pitchFamily="34" charset="0"/>
+              <a:buChar char="•"/>
+              <a:defRPr sz="2000" kern="1200">
+                <a:solidFill>
+                  <a:schemeClr val="tx1"/>
+                </a:solidFill>
+                <a:latin typeface="+mn-lt"/>
+                <a:ea typeface="+mn-ea"/>
+                <a:cs typeface="+mn-cs"/>
+              </a:defRPr>
+            </a:lvl9pPr>
+          </a:lstStyle>
+          <a:p>
+            <a:pPr marL="180975" lvl="1" indent="-180975">
+              <a:lnSpc>
+                <a:spcPct val="110000"/>
+              </a:lnSpc>
+              <a:spcBef>
+                <a:spcPts val="1200"/>
+              </a:spcBef>
+              <a:buFont typeface="Arial" panose="020B0604020202020204" pitchFamily="34" charset="0"/>
+              <a:buChar char="•"/>
+            </a:pPr>
+            <a:r>
+              <a:rPr lang="ru-RU" sz="2000" b="1" dirty="0"/>
+              <a:t>Виртуальная память</a:t>
+            </a:r>
+            <a:r>
+              <a:rPr lang="ru-RU" sz="2000" dirty="0"/>
+              <a:t> — модель памяти ПК, в которой процессор работает с виртуальной памятью, транслируемой в физические адреса устройством управления памятью </a:t>
+            </a:r>
+            <a:r>
+              <a:rPr lang="en-US" sz="2000" dirty="0"/>
+              <a:t>(MMU)</a:t>
+            </a:r>
+            <a:r>
+              <a:rPr lang="ru-RU" sz="2000" dirty="0"/>
+              <a:t>.</a:t>
+            </a:r>
+          </a:p>
+          <a:p>
+            <a:pPr marL="581025" lvl="2" indent="-180975">
+              <a:lnSpc>
+                <a:spcPct val="110000"/>
+              </a:lnSpc>
+              <a:spcBef>
+                <a:spcPts val="1200"/>
+              </a:spcBef>
+            </a:pPr>
+            <a:r>
+              <a:rPr lang="ru-RU" sz="2000" dirty="0"/>
+              <a:t>Преимущество – виртуальное расширение ОЗУ за счет файла подкачки.</a:t>
+            </a:r>
+          </a:p>
+          <a:p>
+            <a:pPr marL="180975" lvl="1" indent="-180975">
+              <a:lnSpc>
+                <a:spcPct val="110000"/>
+              </a:lnSpc>
+              <a:spcBef>
+                <a:spcPts val="1200"/>
+              </a:spcBef>
+              <a:buFont typeface="Arial" panose="020B0604020202020204" pitchFamily="34" charset="0"/>
+              <a:buChar char="•"/>
+            </a:pPr>
+            <a:r>
+              <a:rPr lang="ru-RU" sz="2000" b="1" dirty="0"/>
+              <a:t>Страничная виртуальная модель памяти – </a:t>
+            </a:r>
+            <a:r>
+              <a:rPr lang="ru-RU" sz="2000" dirty="0"/>
+              <a:t>способ организации виртуального адресного пространства, в котором единицей отображения виртуального адреса в физический является область фиксированного размера (страница).</a:t>
+            </a:r>
+          </a:p>
+          <a:p>
+            <a:pPr marL="581025" lvl="2" indent="-180975">
+              <a:lnSpc>
+                <a:spcPct val="110000"/>
+              </a:lnSpc>
+              <a:spcBef>
+                <a:spcPts val="1200"/>
+              </a:spcBef>
+            </a:pPr>
+            <a:r>
+              <a:rPr lang="ru-RU" sz="2000" dirty="0"/>
+              <a:t>Страницы могут быть не только в ОЗУ, но и сброшены в файл подкачки на жесткий диск.</a:t>
+            </a:r>
+          </a:p>
+          <a:p>
+            <a:pPr marL="581025" lvl="2" indent="-180975">
+              <a:lnSpc>
+                <a:spcPct val="110000"/>
+              </a:lnSpc>
+              <a:spcBef>
+                <a:spcPts val="1200"/>
+              </a:spcBef>
+            </a:pPr>
+            <a:r>
+              <a:rPr lang="ru-RU" sz="2000" dirty="0"/>
+              <a:t>Физический адрес = адрес страницы + смещение внутри нее.</a:t>
+            </a:r>
+          </a:p>
+          <a:p>
+            <a:pPr marL="581025" lvl="2" indent="-180975">
+              <a:lnSpc>
+                <a:spcPct val="110000"/>
+              </a:lnSpc>
+              <a:spcBef>
+                <a:spcPts val="1200"/>
+              </a:spcBef>
+            </a:pPr>
+            <a:r>
+              <a:rPr lang="ru-RU" sz="2000" dirty="0"/>
+              <a:t>Организацией работы страниц занимается операционная система.</a:t>
             </a:r>
           </a:p>
         </p:txBody>
@@ -20699,7 +20906,7 @@
     </p:spTree>
     <p:extLst>
       <p:ext uri="{BB962C8B-B14F-4D97-AF65-F5344CB8AC3E}">
-        <p14:creationId xmlns:p14="http://schemas.microsoft.com/office/powerpoint/2010/main" val="3869310521"/>
+        <p14:creationId xmlns:p14="http://schemas.microsoft.com/office/powerpoint/2010/main" val="2660906200"/>
       </p:ext>
     </p:extLst>
   </p:cSld>
@@ -20745,215 +20952,415 @@
         </p:nvSpPr>
         <p:spPr>
           <a:xfrm>
-            <a:off x="539552" y="188640"/>
-            <a:ext cx="8229600" cy="923606"/>
+            <a:off x="441598" y="204822"/>
+            <a:ext cx="8229600" cy="559882"/>
           </a:xfrm>
         </p:spPr>
         <p:txBody>
           <a:bodyPr>
-            <a:normAutofit/>
+            <a:noAutofit/>
           </a:bodyPr>
           <a:lstStyle/>
           <a:p>
             <a:r>
-              <a:rPr lang="ru-RU" sz="2400" b="1" dirty="0"/>
-              <a:t>Модель памяти процессора.</a:t>
-            </a:r>
-            <a:r>
-              <a:rPr lang="en-US" sz="2400" b="1" dirty="0"/>
-              <a:t/>
-            </a:r>
-            <a:br>
-              <a:rPr lang="en-US" sz="2400" b="1" dirty="0"/>
-            </a:br>
-            <a:r>
-              <a:rPr lang="ru-RU" sz="2400" b="1" dirty="0"/>
-              <a:t>Сегменты памяти</a:t>
-            </a:r>
-            <a:endParaRPr lang="ru-RU" sz="2400" dirty="0"/>
-          </a:p>
-        </p:txBody>
-      </p:sp>
-      <p:sp>
-        <p:nvSpPr>
-          <p:cNvPr id="3" name="Объект 2"/>
-          <p:cNvSpPr>
-            <a:spLocks noGrp="1"/>
-          </p:cNvSpPr>
-          <p:nvPr>
-            <p:ph idx="1"/>
-          </p:nvPr>
+              <a:rPr lang="ru-RU" sz="2800" b="1" dirty="0"/>
+              <a:t>Модель памяти процессора. Особые виды памяти</a:t>
+            </a:r>
+          </a:p>
+        </p:txBody>
+      </p:sp>
+      <p:sp>
+        <p:nvSpPr>
+          <p:cNvPr id="5" name="TextBox 4"/>
+          <p:cNvSpPr txBox="1"/>
+          <p:nvPr/>
         </p:nvSpPr>
         <p:spPr>
           <a:xfrm>
-            <a:off x="457200" y="1052736"/>
-            <a:ext cx="8363272" cy="5073427"/>
-          </a:xfrm>
-        </p:spPr>
-        <p:txBody>
-          <a:bodyPr>
-            <a:normAutofit/>
-          </a:bodyPr>
-          <a:lstStyle/>
-          <a:p>
-            <a:pPr marL="0" indent="0">
-              <a:lnSpc>
-                <a:spcPct val="90000"/>
-              </a:lnSpc>
-              <a:buNone/>
-            </a:pPr>
-            <a:r>
-              <a:rPr lang="ru-RU" sz="2000" dirty="0"/>
-              <a:t>Логически память разделена на 3 основных сегмента памяти.</a:t>
-            </a:r>
-          </a:p>
-          <a:p>
-            <a:pPr>
-              <a:lnSpc>
-                <a:spcPct val="90000"/>
-              </a:lnSpc>
-            </a:pPr>
-            <a:r>
-              <a:rPr lang="en-US" sz="2000" b="1" dirty="0"/>
-              <a:t>CS</a:t>
-            </a:r>
-            <a:r>
-              <a:rPr lang="en-US" sz="2000" dirty="0"/>
-              <a:t> - </a:t>
-            </a:r>
-            <a:r>
-              <a:rPr lang="ru-RU" sz="2000" b="1" dirty="0"/>
-              <a:t>сегмент кода</a:t>
-            </a:r>
-            <a:r>
-              <a:rPr lang="en-US" sz="2000" dirty="0"/>
-              <a:t>, </a:t>
-            </a:r>
-            <a:r>
-              <a:rPr lang="ru-RU" sz="2000" dirty="0"/>
-              <a:t>содержит машинные команды</a:t>
-            </a:r>
-            <a:r>
-              <a:rPr lang="en-US" sz="2000" dirty="0"/>
-              <a:t> </a:t>
-            </a:r>
-            <a:r>
-              <a:rPr lang="ru-RU" sz="2000" dirty="0"/>
-              <a:t>(</a:t>
-            </a:r>
-            <a:r>
-              <a:rPr lang="ru-RU" sz="2000" dirty="0" err="1"/>
-              <a:t>проргамму</a:t>
-            </a:r>
-            <a:r>
-              <a:rPr lang="ru-RU" sz="2000" dirty="0"/>
-              <a:t>);</a:t>
-            </a:r>
-          </a:p>
-          <a:p>
-            <a:pPr>
-              <a:lnSpc>
-                <a:spcPct val="90000"/>
-              </a:lnSpc>
-            </a:pPr>
-            <a:r>
-              <a:rPr lang="en-US" sz="2000" b="1" dirty="0"/>
-              <a:t>DS</a:t>
-            </a:r>
-            <a:r>
-              <a:rPr lang="en-US" sz="2000" dirty="0"/>
-              <a:t> - </a:t>
-            </a:r>
-            <a:r>
-              <a:rPr lang="ru-RU" sz="2000" b="1" dirty="0"/>
-              <a:t>сегмент данных </a:t>
-            </a:r>
-            <a:r>
-              <a:rPr lang="ru-RU" sz="2000" dirty="0"/>
-              <a:t>– содержит данные, то есть константы и рабочие области, необходимые программе;</a:t>
-            </a:r>
-          </a:p>
-          <a:p>
-            <a:pPr>
-              <a:lnSpc>
-                <a:spcPct val="90000"/>
-              </a:lnSpc>
-            </a:pPr>
-            <a:r>
-              <a:rPr lang="en-US" sz="2000" b="1" dirty="0"/>
-              <a:t>SS - </a:t>
-            </a:r>
-            <a:r>
-              <a:rPr lang="ru-RU" sz="2000" b="1" dirty="0"/>
-              <a:t>сегмент стека </a:t>
-            </a:r>
-            <a:r>
-              <a:rPr lang="ru-RU" sz="2000" dirty="0"/>
-              <a:t>– содержит адреса возврата в точку вызова подпрограмм.</a:t>
-            </a:r>
-            <a:r>
-              <a:rPr lang="en-US" sz="2000" dirty="0"/>
-              <a:t> </a:t>
-            </a:r>
-          </a:p>
-          <a:p>
-            <a:pPr>
-              <a:lnSpc>
-                <a:spcPct val="90000"/>
-              </a:lnSpc>
-            </a:pPr>
-            <a:r>
-              <a:rPr lang="ru-RU" sz="2000" dirty="0"/>
-              <a:t>адресу определенному ОС.</a:t>
-            </a:r>
-          </a:p>
-        </p:txBody>
-      </p:sp>
-      <p:pic>
-        <p:nvPicPr>
-          <p:cNvPr id="17410" name="Picture 2" descr="image"/>
-          <p:cNvPicPr>
-            <a:picLocks noChangeAspect="1" noChangeArrowheads="1"/>
-          </p:cNvPicPr>
-          <p:nvPr/>
-        </p:nvPicPr>
-        <p:blipFill>
-          <a:blip r:embed="rId2">
-            <a:extLst>
-              <a:ext uri="{28A0092B-C50C-407E-A947-70E740481C1C}">
-                <a14:useLocalDpi xmlns:a14="http://schemas.microsoft.com/office/drawing/2010/main" val="0"/>
-              </a:ext>
-            </a:extLst>
-          </a:blip>
-          <a:srcRect/>
-          <a:stretch>
-            <a:fillRect/>
-          </a:stretch>
-        </p:blipFill>
-        <p:spPr bwMode="auto">
-          <a:xfrm>
-            <a:off x="1835696" y="3645024"/>
-            <a:ext cx="4552950" cy="2371726"/>
+            <a:off x="5220072" y="6235526"/>
+            <a:ext cx="648072" cy="369332"/>
           </a:xfrm>
           <a:prstGeom prst="rect">
             <a:avLst/>
           </a:prstGeom>
-          <a:noFill/>
-          <a:extLst>
-            <a:ext uri="{909E8E84-426E-40DD-AFC4-6F175D3DCCD1}">
-              <a14:hiddenFill xmlns:a14="http://schemas.microsoft.com/office/drawing/2010/main">
+          <a:solidFill>
+            <a:schemeClr val="bg1"/>
+          </a:solidFill>
+        </p:spPr>
+        <p:txBody>
+          <a:bodyPr wrap="square" rtlCol="0">
+            <a:spAutoFit/>
+          </a:bodyPr>
+          <a:lstStyle/>
+          <a:p>
+            <a:endParaRPr lang="ru-RU" dirty="0"/>
+          </a:p>
+        </p:txBody>
+      </p:sp>
+      <p:sp>
+        <p:nvSpPr>
+          <p:cNvPr id="8" name="Объект 2"/>
+          <p:cNvSpPr txBox="1">
+            <a:spLocks/>
+          </p:cNvSpPr>
+          <p:nvPr/>
+        </p:nvSpPr>
+        <p:spPr>
+          <a:xfrm>
+            <a:off x="91902" y="692697"/>
+            <a:ext cx="8928992" cy="6048672"/>
+          </a:xfrm>
+          <a:prstGeom prst="rect">
+            <a:avLst/>
+          </a:prstGeom>
+        </p:spPr>
+        <p:txBody>
+          <a:bodyPr vert="horz" lIns="91440" tIns="45720" rIns="91440" bIns="45720" rtlCol="0">
+            <a:normAutofit/>
+          </a:bodyPr>
+          <a:lstStyle>
+            <a:lvl1pPr marL="342900" indent="-342900" algn="l" defTabSz="914400" rtl="0" eaLnBrk="1" latinLnBrk="0" hangingPunct="1">
+              <a:spcBef>
+                <a:spcPct val="20000"/>
+              </a:spcBef>
+              <a:buFont typeface="Arial" panose="020B0604020202020204" pitchFamily="34" charset="0"/>
+              <a:buChar char="•"/>
+              <a:defRPr sz="3200" kern="1200">
                 <a:solidFill>
-                  <a:srgbClr val="FFFFFF"/>
+                  <a:schemeClr val="tx1"/>
                 </a:solidFill>
-              </a14:hiddenFill>
-            </a:ext>
-          </a:extLst>
-        </p:spPr>
-      </p:pic>
+                <a:latin typeface="+mn-lt"/>
+                <a:ea typeface="+mn-ea"/>
+                <a:cs typeface="+mn-cs"/>
+              </a:defRPr>
+            </a:lvl1pPr>
+            <a:lvl2pPr marL="742950" indent="-285750" algn="l" defTabSz="914400" rtl="0" eaLnBrk="1" latinLnBrk="0" hangingPunct="1">
+              <a:spcBef>
+                <a:spcPct val="20000"/>
+              </a:spcBef>
+              <a:buFont typeface="Arial" panose="020B0604020202020204" pitchFamily="34" charset="0"/>
+              <a:buChar char="–"/>
+              <a:defRPr sz="2800" kern="1200">
+                <a:solidFill>
+                  <a:schemeClr val="tx1"/>
+                </a:solidFill>
+                <a:latin typeface="+mn-lt"/>
+                <a:ea typeface="+mn-ea"/>
+                <a:cs typeface="+mn-cs"/>
+              </a:defRPr>
+            </a:lvl2pPr>
+            <a:lvl3pPr marL="1143000" indent="-228600" algn="l" defTabSz="914400" rtl="0" eaLnBrk="1" latinLnBrk="0" hangingPunct="1">
+              <a:spcBef>
+                <a:spcPct val="20000"/>
+              </a:spcBef>
+              <a:buFont typeface="Arial" panose="020B0604020202020204" pitchFamily="34" charset="0"/>
+              <a:buChar char="•"/>
+              <a:defRPr sz="2400" kern="1200">
+                <a:solidFill>
+                  <a:schemeClr val="tx1"/>
+                </a:solidFill>
+                <a:latin typeface="+mn-lt"/>
+                <a:ea typeface="+mn-ea"/>
+                <a:cs typeface="+mn-cs"/>
+              </a:defRPr>
+            </a:lvl3pPr>
+            <a:lvl4pPr marL="1600200" indent="-228600" algn="l" defTabSz="914400" rtl="0" eaLnBrk="1" latinLnBrk="0" hangingPunct="1">
+              <a:spcBef>
+                <a:spcPct val="20000"/>
+              </a:spcBef>
+              <a:buFont typeface="Arial" panose="020B0604020202020204" pitchFamily="34" charset="0"/>
+              <a:buChar char="–"/>
+              <a:defRPr sz="2000" kern="1200">
+                <a:solidFill>
+                  <a:schemeClr val="tx1"/>
+                </a:solidFill>
+                <a:latin typeface="+mn-lt"/>
+                <a:ea typeface="+mn-ea"/>
+                <a:cs typeface="+mn-cs"/>
+              </a:defRPr>
+            </a:lvl4pPr>
+            <a:lvl5pPr marL="2057400" indent="-228600" algn="l" defTabSz="914400" rtl="0" eaLnBrk="1" latinLnBrk="0" hangingPunct="1">
+              <a:spcBef>
+                <a:spcPct val="20000"/>
+              </a:spcBef>
+              <a:buFont typeface="Arial" panose="020B0604020202020204" pitchFamily="34" charset="0"/>
+              <a:buChar char="»"/>
+              <a:defRPr sz="2000" kern="1200">
+                <a:solidFill>
+                  <a:schemeClr val="tx1"/>
+                </a:solidFill>
+                <a:latin typeface="+mn-lt"/>
+                <a:ea typeface="+mn-ea"/>
+                <a:cs typeface="+mn-cs"/>
+              </a:defRPr>
+            </a:lvl5pPr>
+            <a:lvl6pPr marL="2514600" indent="-228600" algn="l" defTabSz="914400" rtl="0" eaLnBrk="1" latinLnBrk="0" hangingPunct="1">
+              <a:spcBef>
+                <a:spcPct val="20000"/>
+              </a:spcBef>
+              <a:buFont typeface="Arial" panose="020B0604020202020204" pitchFamily="34" charset="0"/>
+              <a:buChar char="•"/>
+              <a:defRPr sz="2000" kern="1200">
+                <a:solidFill>
+                  <a:schemeClr val="tx1"/>
+                </a:solidFill>
+                <a:latin typeface="+mn-lt"/>
+                <a:ea typeface="+mn-ea"/>
+                <a:cs typeface="+mn-cs"/>
+              </a:defRPr>
+            </a:lvl6pPr>
+            <a:lvl7pPr marL="2971800" indent="-228600" algn="l" defTabSz="914400" rtl="0" eaLnBrk="1" latinLnBrk="0" hangingPunct="1">
+              <a:spcBef>
+                <a:spcPct val="20000"/>
+              </a:spcBef>
+              <a:buFont typeface="Arial" panose="020B0604020202020204" pitchFamily="34" charset="0"/>
+              <a:buChar char="•"/>
+              <a:defRPr sz="2000" kern="1200">
+                <a:solidFill>
+                  <a:schemeClr val="tx1"/>
+                </a:solidFill>
+                <a:latin typeface="+mn-lt"/>
+                <a:ea typeface="+mn-ea"/>
+                <a:cs typeface="+mn-cs"/>
+              </a:defRPr>
+            </a:lvl7pPr>
+            <a:lvl8pPr marL="3429000" indent="-228600" algn="l" defTabSz="914400" rtl="0" eaLnBrk="1" latinLnBrk="0" hangingPunct="1">
+              <a:spcBef>
+                <a:spcPct val="20000"/>
+              </a:spcBef>
+              <a:buFont typeface="Arial" panose="020B0604020202020204" pitchFamily="34" charset="0"/>
+              <a:buChar char="•"/>
+              <a:defRPr sz="2000" kern="1200">
+                <a:solidFill>
+                  <a:schemeClr val="tx1"/>
+                </a:solidFill>
+                <a:latin typeface="+mn-lt"/>
+                <a:ea typeface="+mn-ea"/>
+                <a:cs typeface="+mn-cs"/>
+              </a:defRPr>
+            </a:lvl8pPr>
+            <a:lvl9pPr marL="3886200" indent="-228600" algn="l" defTabSz="914400" rtl="0" eaLnBrk="1" latinLnBrk="0" hangingPunct="1">
+              <a:spcBef>
+                <a:spcPct val="20000"/>
+              </a:spcBef>
+              <a:buFont typeface="Arial" panose="020B0604020202020204" pitchFamily="34" charset="0"/>
+              <a:buChar char="•"/>
+              <a:defRPr sz="2000" kern="1200">
+                <a:solidFill>
+                  <a:schemeClr val="tx1"/>
+                </a:solidFill>
+                <a:latin typeface="+mn-lt"/>
+                <a:ea typeface="+mn-ea"/>
+                <a:cs typeface="+mn-cs"/>
+              </a:defRPr>
+            </a:lvl9pPr>
+          </a:lstStyle>
+          <a:p>
+            <a:pPr marL="177800" indent="-177800">
+              <a:lnSpc>
+                <a:spcPct val="110000"/>
+              </a:lnSpc>
+              <a:spcBef>
+                <a:spcPts val="200"/>
+              </a:spcBef>
+            </a:pPr>
+            <a:r>
+              <a:rPr lang="ru-RU" sz="2000" b="1" dirty="0"/>
+              <a:t>Регистровая память </a:t>
+            </a:r>
+            <a:r>
+              <a:rPr lang="ru-RU" sz="2000" dirty="0"/>
+              <a:t>– набор регистров процессора, ячейки памяти в самом процессоре. </a:t>
+            </a:r>
+          </a:p>
+          <a:p>
+            <a:pPr marL="581025" lvl="2" indent="-180975">
+              <a:lnSpc>
+                <a:spcPct val="110000"/>
+              </a:lnSpc>
+              <a:spcBef>
+                <a:spcPts val="600"/>
+              </a:spcBef>
+            </a:pPr>
+            <a:r>
+              <a:rPr lang="ru-RU" sz="2000" b="1" dirty="0" err="1"/>
+              <a:t>Basic</a:t>
+            </a:r>
+            <a:r>
+              <a:rPr lang="ru-RU" sz="2000" b="1" dirty="0"/>
+              <a:t> </a:t>
+            </a:r>
+            <a:r>
+              <a:rPr lang="ru-RU" sz="2000" b="1" dirty="0" err="1"/>
+              <a:t>program</a:t>
+            </a:r>
+            <a:r>
+              <a:rPr lang="ru-RU" sz="2000" b="1" dirty="0"/>
+              <a:t> </a:t>
+            </a:r>
+            <a:r>
+              <a:rPr lang="ru-RU" sz="2000" b="1" dirty="0" err="1"/>
+              <a:t>registers</a:t>
+            </a:r>
+            <a:r>
+              <a:rPr lang="ru-RU" sz="2000" b="1" dirty="0"/>
+              <a:t> </a:t>
+            </a:r>
+            <a:r>
+              <a:rPr lang="ru-RU" sz="2000" dirty="0"/>
+              <a:t>(Основные программные регистры) - это для обслуживания процессора и  обработки целочисленных данных</a:t>
+            </a:r>
+            <a:r>
+              <a:rPr lang="ru-RU" sz="2000" dirty="0" smtClean="0"/>
+              <a:t>.</a:t>
+            </a:r>
+          </a:p>
+          <a:p>
+            <a:pPr marL="581025" lvl="2" indent="-180975">
+              <a:lnSpc>
+                <a:spcPct val="110000"/>
+              </a:lnSpc>
+              <a:spcBef>
+                <a:spcPts val="600"/>
+              </a:spcBef>
+            </a:pPr>
+            <a:r>
+              <a:rPr lang="ru-RU" sz="2000" b="1" dirty="0" err="1" smtClean="0"/>
+              <a:t>Floating</a:t>
+            </a:r>
+            <a:r>
+              <a:rPr lang="ru-RU" sz="2000" b="1" dirty="0" smtClean="0"/>
+              <a:t> </a:t>
+            </a:r>
+            <a:r>
+              <a:rPr lang="ru-RU" sz="2000" b="1" dirty="0" err="1"/>
+              <a:t>Point</a:t>
+            </a:r>
+            <a:r>
+              <a:rPr lang="ru-RU" sz="2000" b="1" dirty="0"/>
+              <a:t> </a:t>
+            </a:r>
+            <a:r>
+              <a:rPr lang="ru-RU" sz="2000" b="1" dirty="0" err="1"/>
+              <a:t>Unit</a:t>
+            </a:r>
+            <a:r>
+              <a:rPr lang="ru-RU" sz="2000" b="1" dirty="0"/>
+              <a:t> </a:t>
+            </a:r>
+            <a:r>
+              <a:rPr lang="ru-RU" sz="2000" b="1" dirty="0" err="1"/>
+              <a:t>registers</a:t>
+            </a:r>
+            <a:r>
+              <a:rPr lang="ru-RU" sz="2000" b="1" dirty="0"/>
+              <a:t> </a:t>
+            </a:r>
+            <a:r>
+              <a:rPr lang="ru-RU" sz="2000" dirty="0"/>
+              <a:t>(FPU, </a:t>
+            </a:r>
+            <a:r>
+              <a:rPr lang="en-US" sz="2000" dirty="0"/>
+              <a:t>X87</a:t>
+            </a:r>
+            <a:r>
+              <a:rPr lang="ru-RU" sz="2000" dirty="0"/>
+              <a:t>) – это набор регистров для работы с данными в формате с плавающей точкой</a:t>
+            </a:r>
+            <a:r>
+              <a:rPr lang="ru-RU" sz="2000" dirty="0" smtClean="0"/>
+              <a:t>.</a:t>
+            </a:r>
+          </a:p>
+          <a:p>
+            <a:pPr marL="581025" lvl="2" indent="-180975">
+              <a:lnSpc>
+                <a:spcPct val="110000"/>
+              </a:lnSpc>
+              <a:spcBef>
+                <a:spcPts val="600"/>
+              </a:spcBef>
+            </a:pPr>
+            <a:r>
+              <a:rPr lang="ru-RU" sz="2000" b="1" dirty="0" smtClean="0"/>
+              <a:t>MMX </a:t>
+            </a:r>
+            <a:r>
+              <a:rPr lang="ru-RU" sz="2000" b="1" dirty="0"/>
+              <a:t>и XMM </a:t>
+            </a:r>
+            <a:r>
+              <a:rPr lang="ru-RU" sz="2000" b="1" dirty="0" err="1"/>
+              <a:t>registers</a:t>
+            </a:r>
+            <a:r>
+              <a:rPr lang="ru-RU" sz="2000" b="1" dirty="0"/>
+              <a:t> </a:t>
+            </a:r>
+            <a:r>
+              <a:rPr lang="ru-RU" sz="2000" dirty="0"/>
+              <a:t>- это регистры для систематизированной обработки увеличенного количества операндов. </a:t>
+            </a:r>
+          </a:p>
+          <a:p>
+            <a:pPr marL="581025" lvl="2" indent="-180975">
+              <a:lnSpc>
+                <a:spcPct val="110000"/>
+              </a:lnSpc>
+              <a:spcBef>
+                <a:spcPts val="600"/>
+              </a:spcBef>
+            </a:pPr>
+            <a:r>
+              <a:rPr lang="ru-RU" sz="2000" dirty="0"/>
+              <a:t>Когда процессор совершает какие-то операции со значением или с памятью, он берет эти значения непосредственно из регистров или из стека.</a:t>
+            </a:r>
+          </a:p>
+          <a:p>
+            <a:pPr marL="342900" lvl="2" indent="-342900">
+              <a:lnSpc>
+                <a:spcPct val="110000"/>
+              </a:lnSpc>
+              <a:spcBef>
+                <a:spcPts val="600"/>
+              </a:spcBef>
+            </a:pPr>
+            <a:r>
+              <a:rPr lang="ru-RU" sz="2000" b="1" dirty="0"/>
+              <a:t>Стек</a:t>
+            </a:r>
+            <a:r>
+              <a:rPr lang="ru-RU" sz="2000" dirty="0"/>
+              <a:t> - специальный раздел оперативной памяти, предназначенный для быстрого безадресного доступа к элементам (по принципу </a:t>
+            </a:r>
+            <a:r>
+              <a:rPr lang="en-US" sz="2000" dirty="0"/>
+              <a:t>last input first output)</a:t>
+            </a:r>
+            <a:r>
+              <a:rPr lang="ru-RU" sz="2000" dirty="0"/>
+              <a:t>.</a:t>
+            </a:r>
+          </a:p>
+          <a:p>
+            <a:pPr marL="400050" lvl="2" indent="0">
+              <a:lnSpc>
+                <a:spcPct val="110000"/>
+              </a:lnSpc>
+              <a:spcBef>
+                <a:spcPts val="600"/>
+              </a:spcBef>
+              <a:buNone/>
+            </a:pPr>
+            <a:endParaRPr lang="ru-RU" sz="2000" dirty="0"/>
+          </a:p>
+        </p:txBody>
+      </p:sp>
     </p:spTree>
     <p:extLst>
       <p:ext uri="{BB962C8B-B14F-4D97-AF65-F5344CB8AC3E}">
-        <p14:creationId xmlns:p14="http://schemas.microsoft.com/office/powerpoint/2010/main" val="67132248"/>
+        <p14:creationId xmlns:p14="http://schemas.microsoft.com/office/powerpoint/2010/main" val="627029089"/>
       </p:ext>
     </p:extLst>
   </p:cSld>
@@ -20994,147 +21401,55 @@
             <a:spLocks noGrp="1"/>
           </p:cNvSpPr>
           <p:nvPr>
-            <p:ph type="title"/>
+            <p:ph type="ctrTitle"/>
           </p:nvPr>
         </p:nvSpPr>
-        <p:spPr>
-          <a:xfrm>
-            <a:off x="539552" y="188640"/>
-            <a:ext cx="8229600" cy="923606"/>
-          </a:xfrm>
-        </p:spPr>
-        <p:txBody>
-          <a:bodyPr>
-            <a:normAutofit/>
-          </a:bodyPr>
+        <p:spPr/>
+        <p:txBody>
+          <a:bodyPr/>
           <a:lstStyle/>
           <a:p>
             <a:r>
-              <a:rPr lang="ru-RU" sz="2400" b="1" dirty="0"/>
-              <a:t>Модель памяти процессора.</a:t>
-            </a:r>
-            <a:r>
-              <a:rPr lang="en-US" sz="2400" b="1" dirty="0"/>
-              <a:t/>
-            </a:r>
-            <a:br>
-              <a:rPr lang="en-US" sz="2400" b="1" dirty="0"/>
-            </a:br>
-            <a:r>
-              <a:rPr lang="ru-RU" sz="2400" b="1" dirty="0"/>
-              <a:t>Сегменты памяти</a:t>
-            </a:r>
-            <a:endParaRPr lang="ru-RU" sz="2400" dirty="0"/>
-          </a:p>
-        </p:txBody>
-      </p:sp>
-      <p:sp>
-        <p:nvSpPr>
-          <p:cNvPr id="3" name="Объект 2"/>
+              <a:rPr lang="ru-RU" dirty="0"/>
+              <a:t>Особенности сегментов памяти</a:t>
+            </a:r>
+          </a:p>
+        </p:txBody>
+      </p:sp>
+      <p:sp>
+        <p:nvSpPr>
+          <p:cNvPr id="3" name="Подзаголовок 2"/>
           <p:cNvSpPr>
             <a:spLocks noGrp="1"/>
           </p:cNvSpPr>
           <p:nvPr>
-            <p:ph idx="1"/>
+            <p:ph type="subTitle" idx="1"/>
           </p:nvPr>
         </p:nvSpPr>
-        <p:spPr>
-          <a:xfrm>
-            <a:off x="457200" y="1052736"/>
-            <a:ext cx="8363272" cy="5073427"/>
-          </a:xfrm>
-        </p:spPr>
+        <p:spPr/>
         <p:txBody>
           <a:bodyPr>
-            <a:normAutofit/>
+            <a:normAutofit fontScale="92500" lnSpcReduction="20000"/>
           </a:bodyPr>
           <a:lstStyle/>
           <a:p>
-            <a:pPr>
-              <a:lnSpc>
-                <a:spcPct val="90000"/>
-              </a:lnSpc>
-            </a:pPr>
-            <a:r>
-              <a:rPr lang="ru-RU" sz="2000" dirty="0"/>
-              <a:t>При записи команд на языке Ассемблера принято указывать адреса с помощью следующей конструкции:</a:t>
-            </a:r>
-          </a:p>
-          <a:p>
-            <a:pPr>
-              <a:lnSpc>
-                <a:spcPct val="90000"/>
-              </a:lnSpc>
-              <a:buNone/>
-            </a:pPr>
-            <a:r>
-              <a:rPr lang="ru-RU" sz="2000" dirty="0"/>
-              <a:t>&lt;адрес сегмента&gt;:&lt;смещение&gt;  или &lt;сегментный регистр&gt;:&lt;адресное выражение&gt;</a:t>
-            </a:r>
-          </a:p>
-          <a:p>
-            <a:r>
-              <a:rPr lang="ru-RU" sz="2000" dirty="0"/>
-              <a:t>За распределение сегментов, их начальный (базовый) адрес и их размер отвечает дескриптор сегментов – 64 бита памяти, расположенных по адресу определенному ОС.</a:t>
-            </a:r>
-            <a:endParaRPr lang="en-US" sz="2000" dirty="0"/>
-          </a:p>
-          <a:p>
-            <a:r>
-              <a:rPr lang="ru-RU" sz="2000" dirty="0"/>
-              <a:t>В современных системах базовые адреса всех сегментов могут быть одним нулевым адресом (то есть ОС сама распределяет где какой сегмент будет сама).</a:t>
-            </a:r>
-          </a:p>
-          <a:p>
-            <a:endParaRPr lang="ru-RU" sz="2000" dirty="0"/>
-          </a:p>
-        </p:txBody>
-      </p:sp>
-      <p:pic>
-        <p:nvPicPr>
-          <p:cNvPr id="17410" name="Picture 2" descr="image"/>
-          <p:cNvPicPr>
-            <a:picLocks noChangeAspect="1" noChangeArrowheads="1"/>
-          </p:cNvPicPr>
-          <p:nvPr/>
-        </p:nvPicPr>
-        <p:blipFill>
-          <a:blip r:embed="rId2">
-            <a:extLst>
-              <a:ext uri="{28A0092B-C50C-407E-A947-70E740481C1C}">
-                <a14:useLocalDpi xmlns:a14="http://schemas.microsoft.com/office/drawing/2010/main" val="0"/>
-              </a:ext>
-            </a:extLst>
-          </a:blip>
-          <a:srcRect/>
-          <a:stretch>
-            <a:fillRect/>
-          </a:stretch>
-        </p:blipFill>
-        <p:spPr bwMode="auto">
-          <a:xfrm>
-            <a:off x="3419872" y="4102477"/>
-            <a:ext cx="4552950" cy="2371726"/>
-          </a:xfrm>
-          <a:prstGeom prst="rect">
-            <a:avLst/>
-          </a:prstGeom>
-          <a:noFill/>
-          <a:extLst>
-            <a:ext uri="{909E8E84-426E-40DD-AFC4-6F175D3DCCD1}">
-              <a14:hiddenFill xmlns:a14="http://schemas.microsoft.com/office/drawing/2010/main">
-                <a:solidFill>
-                  <a:srgbClr val="FFFFFF"/>
-                </a:solidFill>
-              </a14:hiddenFill>
-            </a:ext>
-          </a:extLst>
-        </p:spPr>
-      </p:pic>
+            <a:r>
+              <a:rPr lang="ru-RU" b="1" dirty="0"/>
+              <a:t>Лекция 3. Модель памяти процессоров</a:t>
+            </a:r>
+          </a:p>
+          <a:p>
+            <a:r>
+              <a:rPr lang="ru-RU" dirty="0"/>
+              <a:t>Аппаратные средства телекоммуникационных систем</a:t>
+            </a:r>
+          </a:p>
+        </p:txBody>
+      </p:sp>
     </p:spTree>
     <p:extLst>
       <p:ext uri="{BB962C8B-B14F-4D97-AF65-F5344CB8AC3E}">
-        <p14:creationId xmlns:p14="http://schemas.microsoft.com/office/powerpoint/2010/main" val="2156704917"/>
+        <p14:creationId xmlns:p14="http://schemas.microsoft.com/office/powerpoint/2010/main" val="3869310521"/>
       </p:ext>
     </p:extLst>
   </p:cSld>
